--- a/Document/맵/맵2.pptx
+++ b/Document/맵/맵2.pptx
@@ -7,7 +7,15 @@
   <p:sldIdLst>
     <p:sldId id="256" r:id="rId2"/>
     <p:sldId id="258" r:id="rId3"/>
-    <p:sldId id="257" r:id="rId4"/>
+    <p:sldId id="264" r:id="rId4"/>
+    <p:sldId id="266" r:id="rId5"/>
+    <p:sldId id="257" r:id="rId6"/>
+    <p:sldId id="259" r:id="rId7"/>
+    <p:sldId id="263" r:id="rId8"/>
+    <p:sldId id="260" r:id="rId9"/>
+    <p:sldId id="261" r:id="rId10"/>
+    <p:sldId id="262" r:id="rId11"/>
+    <p:sldId id="265" r:id="rId12"/>
   </p:sldIdLst>
   <p:sldSz cx="12192000" cy="6858000"/>
   <p:notesSz cx="6858000" cy="9144000"/>
@@ -106,6 +114,11 @@
       </a:defRPr>
     </a:lvl9pPr>
   </p:defaultTextStyle>
+  <p:extLst>
+    <p:ext uri="{EFAFB233-063F-42B5-8137-9DF3F51BA10A}">
+      <p15:sldGuideLst xmlns:p15="http://schemas.microsoft.com/office/powerpoint/2012/main"/>
+    </p:ext>
+  </p:extLst>
 </p:presentation>
 </file>
 
@@ -256,7 +269,7 @@
           <a:p>
             <a:fld id="{5F50C03D-F834-48AD-A894-EF3A347FD266}" type="datetimeFigureOut">
               <a:rPr lang="ko-KR" altLang="en-US" smtClean="0"/>
-              <a:t>2022-03-17(Thu)</a:t>
+              <a:t>2022-03-22(Tue)</a:t>
             </a:fld>
             <a:endParaRPr lang="ko-KR" altLang="en-US"/>
           </a:p>
@@ -454,7 +467,7 @@
           <a:p>
             <a:fld id="{5F50C03D-F834-48AD-A894-EF3A347FD266}" type="datetimeFigureOut">
               <a:rPr lang="ko-KR" altLang="en-US" smtClean="0"/>
-              <a:t>2022-03-17(Thu)</a:t>
+              <a:t>2022-03-22(Tue)</a:t>
             </a:fld>
             <a:endParaRPr lang="ko-KR" altLang="en-US"/>
           </a:p>
@@ -662,7 +675,7 @@
           <a:p>
             <a:fld id="{5F50C03D-F834-48AD-A894-EF3A347FD266}" type="datetimeFigureOut">
               <a:rPr lang="ko-KR" altLang="en-US" smtClean="0"/>
-              <a:t>2022-03-17(Thu)</a:t>
+              <a:t>2022-03-22(Tue)</a:t>
             </a:fld>
             <a:endParaRPr lang="ko-KR" altLang="en-US"/>
           </a:p>
@@ -860,7 +873,7 @@
           <a:p>
             <a:fld id="{5F50C03D-F834-48AD-A894-EF3A347FD266}" type="datetimeFigureOut">
               <a:rPr lang="ko-KR" altLang="en-US" smtClean="0"/>
-              <a:t>2022-03-17(Thu)</a:t>
+              <a:t>2022-03-22(Tue)</a:t>
             </a:fld>
             <a:endParaRPr lang="ko-KR" altLang="en-US"/>
           </a:p>
@@ -1135,7 +1148,7 @@
           <a:p>
             <a:fld id="{5F50C03D-F834-48AD-A894-EF3A347FD266}" type="datetimeFigureOut">
               <a:rPr lang="ko-KR" altLang="en-US" smtClean="0"/>
-              <a:t>2022-03-17(Thu)</a:t>
+              <a:t>2022-03-22(Tue)</a:t>
             </a:fld>
             <a:endParaRPr lang="ko-KR" altLang="en-US"/>
           </a:p>
@@ -1400,7 +1413,7 @@
           <a:p>
             <a:fld id="{5F50C03D-F834-48AD-A894-EF3A347FD266}" type="datetimeFigureOut">
               <a:rPr lang="ko-KR" altLang="en-US" smtClean="0"/>
-              <a:t>2022-03-17(Thu)</a:t>
+              <a:t>2022-03-22(Tue)</a:t>
             </a:fld>
             <a:endParaRPr lang="ko-KR" altLang="en-US"/>
           </a:p>
@@ -1812,7 +1825,7 @@
           <a:p>
             <a:fld id="{5F50C03D-F834-48AD-A894-EF3A347FD266}" type="datetimeFigureOut">
               <a:rPr lang="ko-KR" altLang="en-US" smtClean="0"/>
-              <a:t>2022-03-17(Thu)</a:t>
+              <a:t>2022-03-22(Tue)</a:t>
             </a:fld>
             <a:endParaRPr lang="ko-KR" altLang="en-US"/>
           </a:p>
@@ -1953,7 +1966,7 @@
           <a:p>
             <a:fld id="{5F50C03D-F834-48AD-A894-EF3A347FD266}" type="datetimeFigureOut">
               <a:rPr lang="ko-KR" altLang="en-US" smtClean="0"/>
-              <a:t>2022-03-17(Thu)</a:t>
+              <a:t>2022-03-22(Tue)</a:t>
             </a:fld>
             <a:endParaRPr lang="ko-KR" altLang="en-US"/>
           </a:p>
@@ -2066,7 +2079,7 @@
           <a:p>
             <a:fld id="{5F50C03D-F834-48AD-A894-EF3A347FD266}" type="datetimeFigureOut">
               <a:rPr lang="ko-KR" altLang="en-US" smtClean="0"/>
-              <a:t>2022-03-17(Thu)</a:t>
+              <a:t>2022-03-22(Tue)</a:t>
             </a:fld>
             <a:endParaRPr lang="ko-KR" altLang="en-US"/>
           </a:p>
@@ -2377,7 +2390,7 @@
           <a:p>
             <a:fld id="{5F50C03D-F834-48AD-A894-EF3A347FD266}" type="datetimeFigureOut">
               <a:rPr lang="ko-KR" altLang="en-US" smtClean="0"/>
-              <a:t>2022-03-17(Thu)</a:t>
+              <a:t>2022-03-22(Tue)</a:t>
             </a:fld>
             <a:endParaRPr lang="ko-KR" altLang="en-US"/>
           </a:p>
@@ -2665,7 +2678,7 @@
           <a:p>
             <a:fld id="{5F50C03D-F834-48AD-A894-EF3A347FD266}" type="datetimeFigureOut">
               <a:rPr lang="ko-KR" altLang="en-US" smtClean="0"/>
-              <a:t>2022-03-17(Thu)</a:t>
+              <a:t>2022-03-22(Tue)</a:t>
             </a:fld>
             <a:endParaRPr lang="ko-KR" altLang="en-US"/>
           </a:p>
@@ -2906,7 +2919,7 @@
           <a:p>
             <a:fld id="{5F50C03D-F834-48AD-A894-EF3A347FD266}" type="datetimeFigureOut">
               <a:rPr lang="ko-KR" altLang="en-US" smtClean="0"/>
-              <a:t>2022-03-17(Thu)</a:t>
+              <a:t>2022-03-22(Tue)</a:t>
             </a:fld>
             <a:endParaRPr lang="ko-KR" altLang="en-US"/>
           </a:p>
@@ -7657,6 +7670,1015 @@
 </p:sld>
 </file>
 
+<file path=ppt/slides/slide10.xml><?xml version="1.0" encoding="utf-8"?>
+<p:sld xmlns:a="http://schemas.openxmlformats.org/drawingml/2006/main" xmlns:r="http://schemas.openxmlformats.org/officeDocument/2006/relationships" xmlns:p="http://schemas.openxmlformats.org/presentationml/2006/main">
+  <p:cSld>
+    <p:spTree>
+      <p:nvGrpSpPr>
+        <p:cNvPr id="1" name=""/>
+        <p:cNvGrpSpPr/>
+        <p:nvPr/>
+      </p:nvGrpSpPr>
+      <p:grpSpPr>
+        <a:xfrm>
+          <a:off x="0" y="0"/>
+          <a:ext cx="0" cy="0"/>
+          <a:chOff x="0" y="0"/>
+          <a:chExt cx="0" cy="0"/>
+        </a:xfrm>
+      </p:grpSpPr>
+      <p:grpSp>
+        <p:nvGrpSpPr>
+          <p:cNvPr id="9" name="그룹 8">
+            <a:extLst>
+              <a:ext uri="{FF2B5EF4-FFF2-40B4-BE49-F238E27FC236}">
+                <a16:creationId xmlns:a16="http://schemas.microsoft.com/office/drawing/2014/main" id="{D6269ABD-1604-4B0C-80B7-1C6A2202F045}"/>
+              </a:ext>
+            </a:extLst>
+          </p:cNvPr>
+          <p:cNvGrpSpPr/>
+          <p:nvPr/>
+        </p:nvGrpSpPr>
+        <p:grpSpPr>
+          <a:xfrm>
+            <a:off x="2939594" y="1070520"/>
+            <a:ext cx="6647875" cy="4074503"/>
+            <a:chOff x="3902763" y="1411897"/>
+            <a:chExt cx="2794716" cy="1712890"/>
+          </a:xfrm>
+        </p:grpSpPr>
+        <p:sp>
+          <p:nvSpPr>
+            <p:cNvPr id="4" name="자유형: 도형 3">
+              <a:extLst>
+                <a:ext uri="{FF2B5EF4-FFF2-40B4-BE49-F238E27FC236}">
+                  <a16:creationId xmlns:a16="http://schemas.microsoft.com/office/drawing/2014/main" id="{F412D348-D932-498A-821F-785FB72024C7}"/>
+                </a:ext>
+              </a:extLst>
+            </p:cNvPr>
+            <p:cNvSpPr/>
+            <p:nvPr/>
+          </p:nvSpPr>
+          <p:spPr>
+            <a:xfrm>
+              <a:off x="3902763" y="1411897"/>
+              <a:ext cx="2794716" cy="1712890"/>
+            </a:xfrm>
+            <a:custGeom>
+              <a:avLst/>
+              <a:gdLst>
+                <a:gd name="connsiteX0" fmla="*/ 592428 w 2794716"/>
+                <a:gd name="connsiteY0" fmla="*/ 90152 h 1712890"/>
+                <a:gd name="connsiteX1" fmla="*/ 0 w 2794716"/>
+                <a:gd name="connsiteY1" fmla="*/ 643944 h 1712890"/>
+                <a:gd name="connsiteX2" fmla="*/ 0 w 2794716"/>
+                <a:gd name="connsiteY2" fmla="*/ 1558344 h 1712890"/>
+                <a:gd name="connsiteX3" fmla="*/ 759854 w 2794716"/>
+                <a:gd name="connsiteY3" fmla="*/ 1712890 h 1712890"/>
+                <a:gd name="connsiteX4" fmla="*/ 2189409 w 2794716"/>
+                <a:gd name="connsiteY4" fmla="*/ 1429555 h 1712890"/>
+                <a:gd name="connsiteX5" fmla="*/ 2794716 w 2794716"/>
+                <a:gd name="connsiteY5" fmla="*/ 888642 h 1712890"/>
+                <a:gd name="connsiteX6" fmla="*/ 2653048 w 2794716"/>
+                <a:gd name="connsiteY6" fmla="*/ 77273 h 1712890"/>
+                <a:gd name="connsiteX7" fmla="*/ 2034862 w 2794716"/>
+                <a:gd name="connsiteY7" fmla="*/ 0 h 1712890"/>
+                <a:gd name="connsiteX8" fmla="*/ 1609859 w 2794716"/>
+                <a:gd name="connsiteY8" fmla="*/ 167425 h 1712890"/>
+                <a:gd name="connsiteX9" fmla="*/ 592428 w 2794716"/>
+                <a:gd name="connsiteY9" fmla="*/ 90152 h 1712890"/>
+              </a:gdLst>
+              <a:ahLst/>
+              <a:cxnLst>
+                <a:cxn ang="0">
+                  <a:pos x="connsiteX0" y="connsiteY0"/>
+                </a:cxn>
+                <a:cxn ang="0">
+                  <a:pos x="connsiteX1" y="connsiteY1"/>
+                </a:cxn>
+                <a:cxn ang="0">
+                  <a:pos x="connsiteX2" y="connsiteY2"/>
+                </a:cxn>
+                <a:cxn ang="0">
+                  <a:pos x="connsiteX3" y="connsiteY3"/>
+                </a:cxn>
+                <a:cxn ang="0">
+                  <a:pos x="connsiteX4" y="connsiteY4"/>
+                </a:cxn>
+                <a:cxn ang="0">
+                  <a:pos x="connsiteX5" y="connsiteY5"/>
+                </a:cxn>
+                <a:cxn ang="0">
+                  <a:pos x="connsiteX6" y="connsiteY6"/>
+                </a:cxn>
+                <a:cxn ang="0">
+                  <a:pos x="connsiteX7" y="connsiteY7"/>
+                </a:cxn>
+                <a:cxn ang="0">
+                  <a:pos x="connsiteX8" y="connsiteY8"/>
+                </a:cxn>
+                <a:cxn ang="0">
+                  <a:pos x="connsiteX9" y="connsiteY9"/>
+                </a:cxn>
+              </a:cxnLst>
+              <a:rect l="l" t="t" r="r" b="b"/>
+              <a:pathLst>
+                <a:path w="2794716" h="1712890">
+                  <a:moveTo>
+                    <a:pt x="592428" y="90152"/>
+                  </a:moveTo>
+                  <a:lnTo>
+                    <a:pt x="0" y="643944"/>
+                  </a:lnTo>
+                  <a:lnTo>
+                    <a:pt x="0" y="1558344"/>
+                  </a:lnTo>
+                  <a:lnTo>
+                    <a:pt x="759854" y="1712890"/>
+                  </a:lnTo>
+                  <a:lnTo>
+                    <a:pt x="2189409" y="1429555"/>
+                  </a:lnTo>
+                  <a:lnTo>
+                    <a:pt x="2794716" y="888642"/>
+                  </a:lnTo>
+                  <a:lnTo>
+                    <a:pt x="2653048" y="77273"/>
+                  </a:lnTo>
+                  <a:lnTo>
+                    <a:pt x="2034862" y="0"/>
+                  </a:lnTo>
+                  <a:lnTo>
+                    <a:pt x="1609859" y="167425"/>
+                  </a:lnTo>
+                  <a:lnTo>
+                    <a:pt x="592428" y="90152"/>
+                  </a:lnTo>
+                  <a:close/>
+                </a:path>
+              </a:pathLst>
+            </a:custGeom>
+            <a:solidFill>
+              <a:schemeClr val="accent4">
+                <a:lumMod val="60000"/>
+                <a:lumOff val="40000"/>
+              </a:schemeClr>
+            </a:solidFill>
+          </p:spPr>
+          <p:style>
+            <a:lnRef idx="2">
+              <a:schemeClr val="accent1">
+                <a:shade val="50000"/>
+              </a:schemeClr>
+            </a:lnRef>
+            <a:fillRef idx="1">
+              <a:schemeClr val="accent1"/>
+            </a:fillRef>
+            <a:effectRef idx="0">
+              <a:schemeClr val="accent1"/>
+            </a:effectRef>
+            <a:fontRef idx="minor">
+              <a:schemeClr val="lt1"/>
+            </a:fontRef>
+          </p:style>
+          <p:txBody>
+            <a:bodyPr rtlCol="0" anchor="ctr"/>
+            <a:lstStyle/>
+            <a:p>
+              <a:pPr algn="ctr"/>
+              <a:endParaRPr lang="ko-KR" altLang="en-US" dirty="0"/>
+            </a:p>
+          </p:txBody>
+        </p:sp>
+        <p:sp>
+          <p:nvSpPr>
+            <p:cNvPr id="5" name="자유형: 도형 4">
+              <a:extLst>
+                <a:ext uri="{FF2B5EF4-FFF2-40B4-BE49-F238E27FC236}">
+                  <a16:creationId xmlns:a16="http://schemas.microsoft.com/office/drawing/2014/main" id="{5934AF96-A54C-499C-8FE0-CCBC9473C18D}"/>
+                </a:ext>
+              </a:extLst>
+            </p:cNvPr>
+            <p:cNvSpPr/>
+            <p:nvPr/>
+          </p:nvSpPr>
+          <p:spPr>
+            <a:xfrm>
+              <a:off x="4408352" y="1514555"/>
+              <a:ext cx="1622738" cy="1571223"/>
+            </a:xfrm>
+            <a:custGeom>
+              <a:avLst/>
+              <a:gdLst>
+                <a:gd name="connsiteX0" fmla="*/ 296215 w 1622738"/>
+                <a:gd name="connsiteY0" fmla="*/ 12879 h 1571223"/>
+                <a:gd name="connsiteX1" fmla="*/ 0 w 1622738"/>
+                <a:gd name="connsiteY1" fmla="*/ 463640 h 1571223"/>
+                <a:gd name="connsiteX2" fmla="*/ 25758 w 1622738"/>
+                <a:gd name="connsiteY2" fmla="*/ 1146220 h 1571223"/>
+                <a:gd name="connsiteX3" fmla="*/ 476519 w 1622738"/>
+                <a:gd name="connsiteY3" fmla="*/ 1571223 h 1571223"/>
+                <a:gd name="connsiteX4" fmla="*/ 1390919 w 1622738"/>
+                <a:gd name="connsiteY4" fmla="*/ 1365161 h 1571223"/>
+                <a:gd name="connsiteX5" fmla="*/ 1622738 w 1622738"/>
+                <a:gd name="connsiteY5" fmla="*/ 1030310 h 1571223"/>
+                <a:gd name="connsiteX6" fmla="*/ 1558344 w 1622738"/>
+                <a:gd name="connsiteY6" fmla="*/ 321972 h 1571223"/>
+                <a:gd name="connsiteX7" fmla="*/ 1249251 w 1622738"/>
+                <a:gd name="connsiteY7" fmla="*/ 25758 h 1571223"/>
+                <a:gd name="connsiteX8" fmla="*/ 1081826 w 1622738"/>
+                <a:gd name="connsiteY8" fmla="*/ 64395 h 1571223"/>
+                <a:gd name="connsiteX9" fmla="*/ 347730 w 1622738"/>
+                <a:gd name="connsiteY9" fmla="*/ 0 h 1571223"/>
+                <a:gd name="connsiteX10" fmla="*/ 296215 w 1622738"/>
+                <a:gd name="connsiteY10" fmla="*/ 12879 h 1571223"/>
+              </a:gdLst>
+              <a:ahLst/>
+              <a:cxnLst>
+                <a:cxn ang="0">
+                  <a:pos x="connsiteX0" y="connsiteY0"/>
+                </a:cxn>
+                <a:cxn ang="0">
+                  <a:pos x="connsiteX1" y="connsiteY1"/>
+                </a:cxn>
+                <a:cxn ang="0">
+                  <a:pos x="connsiteX2" y="connsiteY2"/>
+                </a:cxn>
+                <a:cxn ang="0">
+                  <a:pos x="connsiteX3" y="connsiteY3"/>
+                </a:cxn>
+                <a:cxn ang="0">
+                  <a:pos x="connsiteX4" y="connsiteY4"/>
+                </a:cxn>
+                <a:cxn ang="0">
+                  <a:pos x="connsiteX5" y="connsiteY5"/>
+                </a:cxn>
+                <a:cxn ang="0">
+                  <a:pos x="connsiteX6" y="connsiteY6"/>
+                </a:cxn>
+                <a:cxn ang="0">
+                  <a:pos x="connsiteX7" y="connsiteY7"/>
+                </a:cxn>
+                <a:cxn ang="0">
+                  <a:pos x="connsiteX8" y="connsiteY8"/>
+                </a:cxn>
+                <a:cxn ang="0">
+                  <a:pos x="connsiteX9" y="connsiteY9"/>
+                </a:cxn>
+                <a:cxn ang="0">
+                  <a:pos x="connsiteX10" y="connsiteY10"/>
+                </a:cxn>
+              </a:cxnLst>
+              <a:rect l="l" t="t" r="r" b="b"/>
+              <a:pathLst>
+                <a:path w="1622738" h="1571223">
+                  <a:moveTo>
+                    <a:pt x="296215" y="12879"/>
+                  </a:moveTo>
+                  <a:lnTo>
+                    <a:pt x="0" y="463640"/>
+                  </a:lnTo>
+                  <a:lnTo>
+                    <a:pt x="25758" y="1146220"/>
+                  </a:lnTo>
+                  <a:lnTo>
+                    <a:pt x="476519" y="1571223"/>
+                  </a:lnTo>
+                  <a:lnTo>
+                    <a:pt x="1390919" y="1365161"/>
+                  </a:lnTo>
+                  <a:lnTo>
+                    <a:pt x="1622738" y="1030310"/>
+                  </a:lnTo>
+                  <a:lnTo>
+                    <a:pt x="1558344" y="321972"/>
+                  </a:lnTo>
+                  <a:lnTo>
+                    <a:pt x="1249251" y="25758"/>
+                  </a:lnTo>
+                  <a:lnTo>
+                    <a:pt x="1081826" y="64395"/>
+                  </a:lnTo>
+                  <a:lnTo>
+                    <a:pt x="347730" y="0"/>
+                  </a:lnTo>
+                  <a:lnTo>
+                    <a:pt x="296215" y="12879"/>
+                  </a:lnTo>
+                  <a:close/>
+                </a:path>
+              </a:pathLst>
+            </a:custGeom>
+            <a:solidFill>
+              <a:schemeClr val="accent6">
+                <a:lumMod val="75000"/>
+              </a:schemeClr>
+            </a:solidFill>
+          </p:spPr>
+          <p:style>
+            <a:lnRef idx="2">
+              <a:schemeClr val="accent1">
+                <a:shade val="50000"/>
+              </a:schemeClr>
+            </a:lnRef>
+            <a:fillRef idx="1">
+              <a:schemeClr val="accent1"/>
+            </a:fillRef>
+            <a:effectRef idx="0">
+              <a:schemeClr val="accent1"/>
+            </a:effectRef>
+            <a:fontRef idx="minor">
+              <a:schemeClr val="lt1"/>
+            </a:fontRef>
+          </p:style>
+          <p:txBody>
+            <a:bodyPr rtlCol="0" anchor="ctr"/>
+            <a:lstStyle/>
+            <a:p>
+              <a:pPr algn="ctr"/>
+              <a:endParaRPr lang="ko-KR" altLang="en-US"/>
+            </a:p>
+          </p:txBody>
+        </p:sp>
+        <p:sp>
+          <p:nvSpPr>
+            <p:cNvPr id="6" name="직사각형 5">
+              <a:extLst>
+                <a:ext uri="{FF2B5EF4-FFF2-40B4-BE49-F238E27FC236}">
+                  <a16:creationId xmlns:a16="http://schemas.microsoft.com/office/drawing/2014/main" id="{BBBF2B2B-D665-48C9-8EFB-057887963472}"/>
+                </a:ext>
+              </a:extLst>
+            </p:cNvPr>
+            <p:cNvSpPr/>
+            <p:nvPr/>
+          </p:nvSpPr>
+          <p:spPr>
+            <a:xfrm rot="18789320">
+              <a:off x="4650662" y="1713688"/>
+              <a:ext cx="400724" cy="183496"/>
+            </a:xfrm>
+            <a:prstGeom prst="rect">
+              <a:avLst/>
+            </a:prstGeom>
+            <a:solidFill>
+              <a:schemeClr val="accent2">
+                <a:lumMod val="75000"/>
+              </a:schemeClr>
+            </a:solidFill>
+          </p:spPr>
+          <p:style>
+            <a:lnRef idx="2">
+              <a:schemeClr val="accent1">
+                <a:shade val="50000"/>
+              </a:schemeClr>
+            </a:lnRef>
+            <a:fillRef idx="1">
+              <a:schemeClr val="accent1"/>
+            </a:fillRef>
+            <a:effectRef idx="0">
+              <a:schemeClr val="accent1"/>
+            </a:effectRef>
+            <a:fontRef idx="minor">
+              <a:schemeClr val="lt1"/>
+            </a:fontRef>
+          </p:style>
+          <p:txBody>
+            <a:bodyPr rtlCol="0" anchor="ctr"/>
+            <a:lstStyle/>
+            <a:p>
+              <a:pPr algn="ctr"/>
+              <a:endParaRPr lang="ko-KR" altLang="en-US"/>
+            </a:p>
+          </p:txBody>
+        </p:sp>
+        <p:sp>
+          <p:nvSpPr>
+            <p:cNvPr id="7" name="직사각형 6">
+              <a:extLst>
+                <a:ext uri="{FF2B5EF4-FFF2-40B4-BE49-F238E27FC236}">
+                  <a16:creationId xmlns:a16="http://schemas.microsoft.com/office/drawing/2014/main" id="{57F42369-B0C2-43AC-865B-456F45F5F21B}"/>
+                </a:ext>
+              </a:extLst>
+            </p:cNvPr>
+            <p:cNvSpPr/>
+            <p:nvPr/>
+          </p:nvSpPr>
+          <p:spPr>
+            <a:xfrm rot="2563431">
+              <a:off x="5394948" y="1684158"/>
+              <a:ext cx="400724" cy="183496"/>
+            </a:xfrm>
+            <a:prstGeom prst="rect">
+              <a:avLst/>
+            </a:prstGeom>
+            <a:solidFill>
+              <a:schemeClr val="accent2">
+                <a:lumMod val="75000"/>
+              </a:schemeClr>
+            </a:solidFill>
+          </p:spPr>
+          <p:style>
+            <a:lnRef idx="2">
+              <a:schemeClr val="accent1">
+                <a:shade val="50000"/>
+              </a:schemeClr>
+            </a:lnRef>
+            <a:fillRef idx="1">
+              <a:schemeClr val="accent1"/>
+            </a:fillRef>
+            <a:effectRef idx="0">
+              <a:schemeClr val="accent1"/>
+            </a:effectRef>
+            <a:fontRef idx="minor">
+              <a:schemeClr val="lt1"/>
+            </a:fontRef>
+          </p:style>
+          <p:txBody>
+            <a:bodyPr rtlCol="0" anchor="ctr"/>
+            <a:lstStyle/>
+            <a:p>
+              <a:pPr algn="ctr"/>
+              <a:endParaRPr lang="ko-KR" altLang="en-US"/>
+            </a:p>
+          </p:txBody>
+        </p:sp>
+        <p:sp>
+          <p:nvSpPr>
+            <p:cNvPr id="8" name="타원 7">
+              <a:extLst>
+                <a:ext uri="{FF2B5EF4-FFF2-40B4-BE49-F238E27FC236}">
+                  <a16:creationId xmlns:a16="http://schemas.microsoft.com/office/drawing/2014/main" id="{BCA317B6-5C10-493E-AAAF-7B69E0097E95}"/>
+                </a:ext>
+              </a:extLst>
+            </p:cNvPr>
+            <p:cNvSpPr/>
+            <p:nvPr/>
+          </p:nvSpPr>
+          <p:spPr>
+            <a:xfrm>
+              <a:off x="5045245" y="2058901"/>
+              <a:ext cx="418882" cy="418882"/>
+            </a:xfrm>
+            <a:prstGeom prst="ellipse">
+              <a:avLst/>
+            </a:prstGeom>
+            <a:solidFill>
+              <a:schemeClr val="accent2">
+                <a:lumMod val="75000"/>
+              </a:schemeClr>
+            </a:solidFill>
+          </p:spPr>
+          <p:style>
+            <a:lnRef idx="2">
+              <a:schemeClr val="accent1">
+                <a:shade val="50000"/>
+              </a:schemeClr>
+            </a:lnRef>
+            <a:fillRef idx="1">
+              <a:schemeClr val="accent1"/>
+            </a:fillRef>
+            <a:effectRef idx="0">
+              <a:schemeClr val="accent1"/>
+            </a:effectRef>
+            <a:fontRef idx="minor">
+              <a:schemeClr val="lt1"/>
+            </a:fontRef>
+          </p:style>
+          <p:txBody>
+            <a:bodyPr rtlCol="0" anchor="ctr"/>
+            <a:lstStyle/>
+            <a:p>
+              <a:pPr algn="ctr"/>
+              <a:endParaRPr lang="ko-KR" altLang="en-US"/>
+            </a:p>
+          </p:txBody>
+        </p:sp>
+      </p:grpSp>
+      <p:cxnSp>
+        <p:nvCxnSpPr>
+          <p:cNvPr id="11" name="직선 화살표 연결선 10">
+            <a:extLst>
+              <a:ext uri="{FF2B5EF4-FFF2-40B4-BE49-F238E27FC236}">
+                <a16:creationId xmlns:a16="http://schemas.microsoft.com/office/drawing/2014/main" id="{5C78DC7E-AA11-4A72-9EAC-30467EF29A9D}"/>
+              </a:ext>
+            </a:extLst>
+          </p:cNvPr>
+          <p:cNvCxnSpPr/>
+          <p:nvPr/>
+        </p:nvCxnSpPr>
+        <p:spPr>
+          <a:xfrm flipH="1" flipV="1">
+            <a:off x="6263531" y="841248"/>
+            <a:ext cx="539605" cy="950976"/>
+          </a:xfrm>
+          <a:prstGeom prst="straightConnector1">
+            <a:avLst/>
+          </a:prstGeom>
+          <a:ln>
+            <a:solidFill>
+              <a:srgbClr val="FF0000"/>
+            </a:solidFill>
+            <a:tailEnd type="triangle"/>
+          </a:ln>
+        </p:spPr>
+        <p:style>
+          <a:lnRef idx="1">
+            <a:schemeClr val="accent1"/>
+          </a:lnRef>
+          <a:fillRef idx="0">
+            <a:schemeClr val="accent1"/>
+          </a:fillRef>
+          <a:effectRef idx="0">
+            <a:schemeClr val="accent1"/>
+          </a:effectRef>
+          <a:fontRef idx="minor">
+            <a:schemeClr val="tx1"/>
+          </a:fontRef>
+        </p:style>
+      </p:cxnSp>
+      <p:cxnSp>
+        <p:nvCxnSpPr>
+          <p:cNvPr id="13" name="직선 화살표 연결선 12">
+            <a:extLst>
+              <a:ext uri="{FF2B5EF4-FFF2-40B4-BE49-F238E27FC236}">
+                <a16:creationId xmlns:a16="http://schemas.microsoft.com/office/drawing/2014/main" id="{3F8B4798-D253-45F0-9B41-4DABF268E84A}"/>
+              </a:ext>
+            </a:extLst>
+          </p:cNvPr>
+          <p:cNvCxnSpPr>
+            <a:cxnSpLocks/>
+          </p:cNvCxnSpPr>
+          <p:nvPr/>
+        </p:nvCxnSpPr>
+        <p:spPr>
+          <a:xfrm flipV="1">
+            <a:off x="5195251" y="841248"/>
+            <a:ext cx="877031" cy="1095150"/>
+          </a:xfrm>
+          <a:prstGeom prst="straightConnector1">
+            <a:avLst/>
+          </a:prstGeom>
+          <a:ln>
+            <a:solidFill>
+              <a:srgbClr val="FF0000"/>
+            </a:solidFill>
+            <a:tailEnd type="triangle"/>
+          </a:ln>
+        </p:spPr>
+        <p:style>
+          <a:lnRef idx="1">
+            <a:schemeClr val="accent1"/>
+          </a:lnRef>
+          <a:fillRef idx="0">
+            <a:schemeClr val="accent1"/>
+          </a:fillRef>
+          <a:effectRef idx="0">
+            <a:schemeClr val="accent1"/>
+          </a:effectRef>
+          <a:fontRef idx="minor">
+            <a:schemeClr val="tx1"/>
+          </a:fontRef>
+        </p:style>
+      </p:cxnSp>
+      <p:sp>
+        <p:nvSpPr>
+          <p:cNvPr id="14" name="TextBox 13">
+            <a:extLst>
+              <a:ext uri="{FF2B5EF4-FFF2-40B4-BE49-F238E27FC236}">
+                <a16:creationId xmlns:a16="http://schemas.microsoft.com/office/drawing/2014/main" id="{DCC1CC0B-CAE7-4445-9847-0ECD40399CF3}"/>
+              </a:ext>
+            </a:extLst>
+          </p:cNvPr>
+          <p:cNvSpPr txBox="1"/>
+          <p:nvPr/>
+        </p:nvSpPr>
+        <p:spPr>
+          <a:xfrm>
+            <a:off x="5986272" y="512064"/>
+            <a:ext cx="415498" cy="369332"/>
+          </a:xfrm>
+          <a:prstGeom prst="rect">
+            <a:avLst/>
+          </a:prstGeom>
+          <a:noFill/>
+        </p:spPr>
+        <p:txBody>
+          <a:bodyPr wrap="none" rtlCol="0">
+            <a:spAutoFit/>
+          </a:bodyPr>
+          <a:lstStyle/>
+          <a:p>
+            <a:r>
+              <a:rPr lang="ko-KR" altLang="en-US" dirty="0"/>
+              <a:t>①</a:t>
+            </a:r>
+          </a:p>
+        </p:txBody>
+      </p:sp>
+      <p:cxnSp>
+        <p:nvCxnSpPr>
+          <p:cNvPr id="17" name="직선 화살표 연결선 16">
+            <a:extLst>
+              <a:ext uri="{FF2B5EF4-FFF2-40B4-BE49-F238E27FC236}">
+                <a16:creationId xmlns:a16="http://schemas.microsoft.com/office/drawing/2014/main" id="{D8E52CD5-F089-4AB8-B93A-83CDE4B27F1B}"/>
+              </a:ext>
+            </a:extLst>
+          </p:cNvPr>
+          <p:cNvCxnSpPr>
+            <a:cxnSpLocks/>
+          </p:cNvCxnSpPr>
+          <p:nvPr/>
+        </p:nvCxnSpPr>
+        <p:spPr>
+          <a:xfrm flipV="1">
+            <a:off x="6337368" y="1936398"/>
+            <a:ext cx="3647880" cy="1130287"/>
+          </a:xfrm>
+          <a:prstGeom prst="straightConnector1">
+            <a:avLst/>
+          </a:prstGeom>
+          <a:ln>
+            <a:solidFill>
+              <a:srgbClr val="002060"/>
+            </a:solidFill>
+            <a:tailEnd type="triangle"/>
+          </a:ln>
+        </p:spPr>
+        <p:style>
+          <a:lnRef idx="1">
+            <a:schemeClr val="accent1"/>
+          </a:lnRef>
+          <a:fillRef idx="0">
+            <a:schemeClr val="accent1"/>
+          </a:fillRef>
+          <a:effectRef idx="0">
+            <a:schemeClr val="accent1"/>
+          </a:effectRef>
+          <a:fontRef idx="minor">
+            <a:schemeClr val="tx1"/>
+          </a:fontRef>
+        </p:style>
+      </p:cxnSp>
+      <p:sp>
+        <p:nvSpPr>
+          <p:cNvPr id="18" name="TextBox 17">
+            <a:extLst>
+              <a:ext uri="{FF2B5EF4-FFF2-40B4-BE49-F238E27FC236}">
+                <a16:creationId xmlns:a16="http://schemas.microsoft.com/office/drawing/2014/main" id="{237B7E1C-5482-418B-9374-5B01D1DCDD64}"/>
+              </a:ext>
+            </a:extLst>
+          </p:cNvPr>
+          <p:cNvSpPr txBox="1"/>
+          <p:nvPr/>
+        </p:nvSpPr>
+        <p:spPr>
+          <a:xfrm>
+            <a:off x="9964972" y="1738418"/>
+            <a:ext cx="415498" cy="369332"/>
+          </a:xfrm>
+          <a:prstGeom prst="rect">
+            <a:avLst/>
+          </a:prstGeom>
+          <a:noFill/>
+        </p:spPr>
+        <p:txBody>
+          <a:bodyPr wrap="none" rtlCol="0">
+            <a:spAutoFit/>
+          </a:bodyPr>
+          <a:lstStyle/>
+          <a:p>
+            <a:r>
+              <a:rPr lang="ko-KR" altLang="en-US" dirty="0"/>
+              <a:t>②</a:t>
+            </a:r>
+          </a:p>
+        </p:txBody>
+      </p:sp>
+      <p:cxnSp>
+        <p:nvCxnSpPr>
+          <p:cNvPr id="21" name="직선 화살표 연결선 20">
+            <a:extLst>
+              <a:ext uri="{FF2B5EF4-FFF2-40B4-BE49-F238E27FC236}">
+                <a16:creationId xmlns:a16="http://schemas.microsoft.com/office/drawing/2014/main" id="{3677738A-399F-4531-85C9-4CA678509E54}"/>
+              </a:ext>
+            </a:extLst>
+          </p:cNvPr>
+          <p:cNvCxnSpPr/>
+          <p:nvPr/>
+        </p:nvCxnSpPr>
+        <p:spPr>
+          <a:xfrm>
+            <a:off x="7327392" y="3429000"/>
+            <a:ext cx="2845329" cy="176975"/>
+          </a:xfrm>
+          <a:prstGeom prst="straightConnector1">
+            <a:avLst/>
+          </a:prstGeom>
+          <a:ln>
+            <a:solidFill>
+              <a:srgbClr val="00B050"/>
+            </a:solidFill>
+            <a:tailEnd type="triangle"/>
+          </a:ln>
+        </p:spPr>
+        <p:style>
+          <a:lnRef idx="1">
+            <a:schemeClr val="accent1"/>
+          </a:lnRef>
+          <a:fillRef idx="0">
+            <a:schemeClr val="accent1"/>
+          </a:fillRef>
+          <a:effectRef idx="0">
+            <a:schemeClr val="accent1"/>
+          </a:effectRef>
+          <a:fontRef idx="minor">
+            <a:schemeClr val="tx1"/>
+          </a:fontRef>
+        </p:style>
+      </p:cxnSp>
+      <p:cxnSp>
+        <p:nvCxnSpPr>
+          <p:cNvPr id="23" name="직선 화살표 연결선 22">
+            <a:extLst>
+              <a:ext uri="{FF2B5EF4-FFF2-40B4-BE49-F238E27FC236}">
+                <a16:creationId xmlns:a16="http://schemas.microsoft.com/office/drawing/2014/main" id="{CB3A86F0-0A13-4F9E-B955-3DACE4ED4B9F}"/>
+              </a:ext>
+            </a:extLst>
+          </p:cNvPr>
+          <p:cNvCxnSpPr/>
+          <p:nvPr/>
+        </p:nvCxnSpPr>
+        <p:spPr>
+          <a:xfrm>
+            <a:off x="8161308" y="3913632"/>
+            <a:ext cx="1803664" cy="792480"/>
+          </a:xfrm>
+          <a:prstGeom prst="straightConnector1">
+            <a:avLst/>
+          </a:prstGeom>
+          <a:ln>
+            <a:solidFill>
+              <a:schemeClr val="tx1"/>
+            </a:solidFill>
+            <a:tailEnd type="triangle"/>
+          </a:ln>
+        </p:spPr>
+        <p:style>
+          <a:lnRef idx="1">
+            <a:schemeClr val="accent1"/>
+          </a:lnRef>
+          <a:fillRef idx="0">
+            <a:schemeClr val="accent1"/>
+          </a:fillRef>
+          <a:effectRef idx="0">
+            <a:schemeClr val="accent1"/>
+          </a:effectRef>
+          <a:fontRef idx="minor">
+            <a:schemeClr val="tx1"/>
+          </a:fontRef>
+        </p:style>
+      </p:cxnSp>
+      <p:sp>
+        <p:nvSpPr>
+          <p:cNvPr id="24" name="TextBox 23">
+            <a:extLst>
+              <a:ext uri="{FF2B5EF4-FFF2-40B4-BE49-F238E27FC236}">
+                <a16:creationId xmlns:a16="http://schemas.microsoft.com/office/drawing/2014/main" id="{45870052-464F-4615-A389-F916E84D133B}"/>
+              </a:ext>
+            </a:extLst>
+          </p:cNvPr>
+          <p:cNvSpPr txBox="1"/>
+          <p:nvPr/>
+        </p:nvSpPr>
+        <p:spPr>
+          <a:xfrm>
+            <a:off x="10172721" y="3429000"/>
+            <a:ext cx="415498" cy="369332"/>
+          </a:xfrm>
+          <a:prstGeom prst="rect">
+            <a:avLst/>
+          </a:prstGeom>
+          <a:noFill/>
+        </p:spPr>
+        <p:txBody>
+          <a:bodyPr wrap="none" rtlCol="0">
+            <a:spAutoFit/>
+          </a:bodyPr>
+          <a:lstStyle/>
+          <a:p>
+            <a:r>
+              <a:rPr lang="ko-KR" altLang="en-US" dirty="0"/>
+              <a:t>③</a:t>
+            </a:r>
+          </a:p>
+        </p:txBody>
+      </p:sp>
+      <p:sp>
+        <p:nvSpPr>
+          <p:cNvPr id="25" name="TextBox 24">
+            <a:extLst>
+              <a:ext uri="{FF2B5EF4-FFF2-40B4-BE49-F238E27FC236}">
+                <a16:creationId xmlns:a16="http://schemas.microsoft.com/office/drawing/2014/main" id="{8F53DE47-2F03-4523-8FE9-D87D33227656}"/>
+              </a:ext>
+            </a:extLst>
+          </p:cNvPr>
+          <p:cNvSpPr txBox="1"/>
+          <p:nvPr/>
+        </p:nvSpPr>
+        <p:spPr>
+          <a:xfrm>
+            <a:off x="9956951" y="4635102"/>
+            <a:ext cx="415498" cy="369332"/>
+          </a:xfrm>
+          <a:prstGeom prst="rect">
+            <a:avLst/>
+          </a:prstGeom>
+          <a:noFill/>
+        </p:spPr>
+        <p:txBody>
+          <a:bodyPr wrap="none" rtlCol="0">
+            <a:spAutoFit/>
+          </a:bodyPr>
+          <a:lstStyle/>
+          <a:p>
+            <a:r>
+              <a:rPr lang="ko-KR" altLang="en-US" dirty="0"/>
+              <a:t>④</a:t>
+            </a:r>
+          </a:p>
+        </p:txBody>
+      </p:sp>
+    </p:spTree>
+    <p:extLst>
+      <p:ext uri="{BB962C8B-B14F-4D97-AF65-F5344CB8AC3E}">
+        <p14:creationId xmlns:p14="http://schemas.microsoft.com/office/powerpoint/2010/main" val="4123507630"/>
+      </p:ext>
+    </p:extLst>
+  </p:cSld>
+  <p:clrMapOvr>
+    <a:masterClrMapping/>
+  </p:clrMapOvr>
+</p:sld>
+</file>
+
+<file path=ppt/slides/slide11.xml><?xml version="1.0" encoding="utf-8"?>
+<p:sld xmlns:a="http://schemas.openxmlformats.org/drawingml/2006/main" xmlns:r="http://schemas.openxmlformats.org/officeDocument/2006/relationships" xmlns:p="http://schemas.openxmlformats.org/presentationml/2006/main">
+  <p:cSld>
+    <p:spTree>
+      <p:nvGrpSpPr>
+        <p:cNvPr id="1" name=""/>
+        <p:cNvGrpSpPr/>
+        <p:nvPr/>
+      </p:nvGrpSpPr>
+      <p:grpSpPr>
+        <a:xfrm>
+          <a:off x="0" y="0"/>
+          <a:ext cx="0" cy="0"/>
+          <a:chOff x="0" y="0"/>
+          <a:chExt cx="0" cy="0"/>
+        </a:xfrm>
+      </p:grpSpPr>
+      <p:sp>
+        <p:nvSpPr>
+          <p:cNvPr id="4" name="사각형: 잘린 대각선 방향 모서리 3">
+            <a:extLst>
+              <a:ext uri="{FF2B5EF4-FFF2-40B4-BE49-F238E27FC236}">
+                <a16:creationId xmlns:a16="http://schemas.microsoft.com/office/drawing/2014/main" id="{64B45AA8-AD18-450F-9B15-59761E17AD7B}"/>
+              </a:ext>
+            </a:extLst>
+          </p:cNvPr>
+          <p:cNvSpPr/>
+          <p:nvPr/>
+        </p:nvSpPr>
+        <p:spPr>
+          <a:xfrm rot="19118382">
+            <a:off x="3901810" y="2290925"/>
+            <a:ext cx="1503887" cy="1503887"/>
+          </a:xfrm>
+          <a:prstGeom prst="snip2DiagRect">
+            <a:avLst/>
+          </a:prstGeom>
+          <a:solidFill>
+            <a:schemeClr val="accent2">
+              <a:lumMod val="75000"/>
+            </a:schemeClr>
+          </a:solidFill>
+        </p:spPr>
+        <p:style>
+          <a:lnRef idx="2">
+            <a:schemeClr val="accent1">
+              <a:shade val="50000"/>
+            </a:schemeClr>
+          </a:lnRef>
+          <a:fillRef idx="1">
+            <a:schemeClr val="accent1"/>
+          </a:fillRef>
+          <a:effectRef idx="0">
+            <a:schemeClr val="accent1"/>
+          </a:effectRef>
+          <a:fontRef idx="minor">
+            <a:schemeClr val="lt1"/>
+          </a:fontRef>
+        </p:style>
+        <p:txBody>
+          <a:bodyPr rtlCol="0" anchor="ctr"/>
+          <a:lstStyle/>
+          <a:p>
+            <a:pPr algn="ctr"/>
+            <a:r>
+              <a:rPr lang="ko-KR" altLang="en-US" dirty="0"/>
+              <a:t>뗏목</a:t>
+            </a:r>
+          </a:p>
+        </p:txBody>
+      </p:sp>
+      <p:cxnSp>
+        <p:nvCxnSpPr>
+          <p:cNvPr id="6" name="직선 화살표 연결선 5">
+            <a:extLst>
+              <a:ext uri="{FF2B5EF4-FFF2-40B4-BE49-F238E27FC236}">
+                <a16:creationId xmlns:a16="http://schemas.microsoft.com/office/drawing/2014/main" id="{9BB46FBC-6764-4A4D-B4A9-EC6A9DDCBCC6}"/>
+              </a:ext>
+            </a:extLst>
+          </p:cNvPr>
+          <p:cNvCxnSpPr/>
+          <p:nvPr/>
+        </p:nvCxnSpPr>
+        <p:spPr>
+          <a:xfrm flipV="1">
+            <a:off x="5275385" y="2940148"/>
+            <a:ext cx="1575581" cy="253218"/>
+          </a:xfrm>
+          <a:prstGeom prst="straightConnector1">
+            <a:avLst/>
+          </a:prstGeom>
+          <a:ln>
+            <a:tailEnd type="triangle"/>
+          </a:ln>
+        </p:spPr>
+        <p:style>
+          <a:lnRef idx="1">
+            <a:schemeClr val="accent1"/>
+          </a:lnRef>
+          <a:fillRef idx="0">
+            <a:schemeClr val="accent1"/>
+          </a:fillRef>
+          <a:effectRef idx="0">
+            <a:schemeClr val="accent1"/>
+          </a:effectRef>
+          <a:fontRef idx="minor">
+            <a:schemeClr val="tx1"/>
+          </a:fontRef>
+        </p:style>
+      </p:cxnSp>
+      <p:sp>
+        <p:nvSpPr>
+          <p:cNvPr id="7" name="TextBox 6">
+            <a:extLst>
+              <a:ext uri="{FF2B5EF4-FFF2-40B4-BE49-F238E27FC236}">
+                <a16:creationId xmlns:a16="http://schemas.microsoft.com/office/drawing/2014/main" id="{43599612-80B8-41C8-8885-E47159AD7627}"/>
+              </a:ext>
+            </a:extLst>
+          </p:cNvPr>
+          <p:cNvSpPr txBox="1"/>
+          <p:nvPr/>
+        </p:nvSpPr>
+        <p:spPr>
+          <a:xfrm>
+            <a:off x="6850966" y="2755482"/>
+            <a:ext cx="415498" cy="369332"/>
+          </a:xfrm>
+          <a:prstGeom prst="rect">
+            <a:avLst/>
+          </a:prstGeom>
+          <a:noFill/>
+        </p:spPr>
+        <p:txBody>
+          <a:bodyPr wrap="square" rtlCol="0">
+            <a:spAutoFit/>
+          </a:bodyPr>
+          <a:lstStyle/>
+          <a:p>
+            <a:r>
+              <a:rPr lang="ko-KR" altLang="en-US" dirty="0"/>
+              <a:t>①</a:t>
+            </a:r>
+          </a:p>
+        </p:txBody>
+      </p:sp>
+    </p:spTree>
+    <p:extLst>
+      <p:ext uri="{BB962C8B-B14F-4D97-AF65-F5344CB8AC3E}">
+        <p14:creationId xmlns:p14="http://schemas.microsoft.com/office/powerpoint/2010/main" val="2529233478"/>
+      </p:ext>
+    </p:extLst>
+  </p:cSld>
+  <p:clrMapOvr>
+    <a:masterClrMapping/>
+  </p:clrMapOvr>
+</p:sld>
+</file>
+
 <file path=ppt/slides/slide2.xml><?xml version="1.0" encoding="utf-8"?>
 <p:sld xmlns:a="http://schemas.openxmlformats.org/drawingml/2006/main" xmlns:r="http://schemas.openxmlformats.org/officeDocument/2006/relationships" xmlns:p="http://schemas.openxmlformats.org/presentationml/2006/main">
   <p:cSld>
@@ -15244,7 +16266,7 @@
             <a:lstStyle/>
             <a:p>
               <a:pPr algn="ctr"/>
-              <a:endParaRPr lang="ko-KR" altLang="en-US"/>
+              <a:endParaRPr lang="ko-KR" altLang="en-US" dirty="0"/>
             </a:p>
           </p:txBody>
         </p:sp>
@@ -15682,6 +16704,1366 @@
 </file>
 
 <file path=ppt/slides/slide3.xml><?xml version="1.0" encoding="utf-8"?>
+<p:sld xmlns:a="http://schemas.openxmlformats.org/drawingml/2006/main" xmlns:r="http://schemas.openxmlformats.org/officeDocument/2006/relationships" xmlns:p="http://schemas.openxmlformats.org/presentationml/2006/main">
+  <p:cSld>
+    <p:spTree>
+      <p:nvGrpSpPr>
+        <p:cNvPr id="1" name=""/>
+        <p:cNvGrpSpPr/>
+        <p:nvPr/>
+      </p:nvGrpSpPr>
+      <p:grpSpPr>
+        <a:xfrm>
+          <a:off x="0" y="0"/>
+          <a:ext cx="0" cy="0"/>
+          <a:chOff x="0" y="0"/>
+          <a:chExt cx="0" cy="0"/>
+        </a:xfrm>
+      </p:grpSpPr>
+      <p:grpSp>
+        <p:nvGrpSpPr>
+          <p:cNvPr id="9" name="그룹 8">
+            <a:extLst>
+              <a:ext uri="{FF2B5EF4-FFF2-40B4-BE49-F238E27FC236}">
+                <a16:creationId xmlns:a16="http://schemas.microsoft.com/office/drawing/2014/main" id="{0B36F9F1-6465-4EFD-A342-EEE1D0C3B5F5}"/>
+              </a:ext>
+            </a:extLst>
+          </p:cNvPr>
+          <p:cNvGrpSpPr/>
+          <p:nvPr/>
+        </p:nvGrpSpPr>
+        <p:grpSpPr>
+          <a:xfrm>
+            <a:off x="3438362" y="934275"/>
+            <a:ext cx="3986566" cy="3975192"/>
+            <a:chOff x="4779482" y="1470723"/>
+            <a:chExt cx="1667378" cy="1662621"/>
+          </a:xfrm>
+        </p:grpSpPr>
+        <p:sp>
+          <p:nvSpPr>
+            <p:cNvPr id="4" name="팔각형 3">
+              <a:extLst>
+                <a:ext uri="{FF2B5EF4-FFF2-40B4-BE49-F238E27FC236}">
+                  <a16:creationId xmlns:a16="http://schemas.microsoft.com/office/drawing/2014/main" id="{317B6C3C-D7C2-4921-A25C-52D4A8C0286A}"/>
+                </a:ext>
+              </a:extLst>
+            </p:cNvPr>
+            <p:cNvSpPr/>
+            <p:nvPr/>
+          </p:nvSpPr>
+          <p:spPr>
+            <a:xfrm>
+              <a:off x="4818917" y="1505401"/>
+              <a:ext cx="1627943" cy="1627943"/>
+            </a:xfrm>
+            <a:prstGeom prst="octagon">
+              <a:avLst/>
+            </a:prstGeom>
+          </p:spPr>
+          <p:style>
+            <a:lnRef idx="2">
+              <a:schemeClr val="accent1">
+                <a:shade val="50000"/>
+              </a:schemeClr>
+            </a:lnRef>
+            <a:fillRef idx="1">
+              <a:schemeClr val="accent1"/>
+            </a:fillRef>
+            <a:effectRef idx="0">
+              <a:schemeClr val="accent1"/>
+            </a:effectRef>
+            <a:fontRef idx="minor">
+              <a:schemeClr val="lt1"/>
+            </a:fontRef>
+          </p:style>
+          <p:txBody>
+            <a:bodyPr rtlCol="0" anchor="ctr"/>
+            <a:lstStyle/>
+            <a:p>
+              <a:pPr algn="ctr"/>
+              <a:endParaRPr lang="ko-KR" altLang="en-US" dirty="0"/>
+            </a:p>
+          </p:txBody>
+        </p:sp>
+        <p:sp>
+          <p:nvSpPr>
+            <p:cNvPr id="5" name="자유형: 도형 4">
+              <a:extLst>
+                <a:ext uri="{FF2B5EF4-FFF2-40B4-BE49-F238E27FC236}">
+                  <a16:creationId xmlns:a16="http://schemas.microsoft.com/office/drawing/2014/main" id="{99E8063F-2B0C-4DD0-A242-1716B1B0B314}"/>
+                </a:ext>
+              </a:extLst>
+            </p:cNvPr>
+            <p:cNvSpPr/>
+            <p:nvPr/>
+          </p:nvSpPr>
+          <p:spPr>
+            <a:xfrm>
+              <a:off x="4779482" y="1470723"/>
+              <a:ext cx="824247" cy="579549"/>
+            </a:xfrm>
+            <a:custGeom>
+              <a:avLst/>
+              <a:gdLst>
+                <a:gd name="connsiteX0" fmla="*/ 824247 w 824247"/>
+                <a:gd name="connsiteY0" fmla="*/ 0 h 579549"/>
+                <a:gd name="connsiteX1" fmla="*/ 515154 w 824247"/>
+                <a:gd name="connsiteY1" fmla="*/ 540912 h 579549"/>
+                <a:gd name="connsiteX2" fmla="*/ 38636 w 824247"/>
+                <a:gd name="connsiteY2" fmla="*/ 579549 h 579549"/>
+                <a:gd name="connsiteX3" fmla="*/ 0 w 824247"/>
+                <a:gd name="connsiteY3" fmla="*/ 128789 h 579549"/>
+                <a:gd name="connsiteX4" fmla="*/ 824247 w 824247"/>
+                <a:gd name="connsiteY4" fmla="*/ 0 h 579549"/>
+                <a:gd name="connsiteX0" fmla="*/ 824247 w 824247"/>
+                <a:gd name="connsiteY0" fmla="*/ 0 h 579549"/>
+                <a:gd name="connsiteX1" fmla="*/ 515154 w 824247"/>
+                <a:gd name="connsiteY1" fmla="*/ 540912 h 579549"/>
+                <a:gd name="connsiteX2" fmla="*/ 38636 w 824247"/>
+                <a:gd name="connsiteY2" fmla="*/ 579549 h 579549"/>
+                <a:gd name="connsiteX3" fmla="*/ 0 w 824247"/>
+                <a:gd name="connsiteY3" fmla="*/ 128789 h 579549"/>
+                <a:gd name="connsiteX4" fmla="*/ 504739 w 824247"/>
+                <a:gd name="connsiteY4" fmla="*/ 47780 h 579549"/>
+                <a:gd name="connsiteX5" fmla="*/ 824247 w 824247"/>
+                <a:gd name="connsiteY5" fmla="*/ 0 h 579549"/>
+                <a:gd name="connsiteX0" fmla="*/ 824247 w 824247"/>
+                <a:gd name="connsiteY0" fmla="*/ 0 h 579549"/>
+                <a:gd name="connsiteX1" fmla="*/ 515154 w 824247"/>
+                <a:gd name="connsiteY1" fmla="*/ 540912 h 579549"/>
+                <a:gd name="connsiteX2" fmla="*/ 38636 w 824247"/>
+                <a:gd name="connsiteY2" fmla="*/ 579549 h 579549"/>
+                <a:gd name="connsiteX3" fmla="*/ 0 w 824247"/>
+                <a:gd name="connsiteY3" fmla="*/ 128789 h 579549"/>
+                <a:gd name="connsiteX4" fmla="*/ 504739 w 824247"/>
+                <a:gd name="connsiteY4" fmla="*/ 42681 h 579549"/>
+                <a:gd name="connsiteX5" fmla="*/ 824247 w 824247"/>
+                <a:gd name="connsiteY5" fmla="*/ 0 h 579549"/>
+                <a:gd name="connsiteX0" fmla="*/ 824247 w 824247"/>
+                <a:gd name="connsiteY0" fmla="*/ 0 h 579549"/>
+                <a:gd name="connsiteX1" fmla="*/ 515154 w 824247"/>
+                <a:gd name="connsiteY1" fmla="*/ 540912 h 579549"/>
+                <a:gd name="connsiteX2" fmla="*/ 38636 w 824247"/>
+                <a:gd name="connsiteY2" fmla="*/ 579549 h 579549"/>
+                <a:gd name="connsiteX3" fmla="*/ 0 w 824247"/>
+                <a:gd name="connsiteY3" fmla="*/ 128789 h 579549"/>
+                <a:gd name="connsiteX4" fmla="*/ 499640 w 824247"/>
+                <a:gd name="connsiteY4" fmla="*/ 27383 h 579549"/>
+                <a:gd name="connsiteX5" fmla="*/ 824247 w 824247"/>
+                <a:gd name="connsiteY5" fmla="*/ 0 h 579549"/>
+              </a:gdLst>
+              <a:ahLst/>
+              <a:cxnLst>
+                <a:cxn ang="0">
+                  <a:pos x="connsiteX0" y="connsiteY0"/>
+                </a:cxn>
+                <a:cxn ang="0">
+                  <a:pos x="connsiteX1" y="connsiteY1"/>
+                </a:cxn>
+                <a:cxn ang="0">
+                  <a:pos x="connsiteX2" y="connsiteY2"/>
+                </a:cxn>
+                <a:cxn ang="0">
+                  <a:pos x="connsiteX3" y="connsiteY3"/>
+                </a:cxn>
+                <a:cxn ang="0">
+                  <a:pos x="connsiteX4" y="connsiteY4"/>
+                </a:cxn>
+                <a:cxn ang="0">
+                  <a:pos x="connsiteX5" y="connsiteY5"/>
+                </a:cxn>
+              </a:cxnLst>
+              <a:rect l="l" t="t" r="r" b="b"/>
+              <a:pathLst>
+                <a:path w="824247" h="579549">
+                  <a:moveTo>
+                    <a:pt x="824247" y="0"/>
+                  </a:moveTo>
+                  <a:lnTo>
+                    <a:pt x="515154" y="540912"/>
+                  </a:lnTo>
+                  <a:lnTo>
+                    <a:pt x="38636" y="579549"/>
+                  </a:lnTo>
+                  <a:lnTo>
+                    <a:pt x="0" y="128789"/>
+                  </a:lnTo>
+                  <a:lnTo>
+                    <a:pt x="499640" y="27383"/>
+                  </a:lnTo>
+                  <a:lnTo>
+                    <a:pt x="824247" y="0"/>
+                  </a:lnTo>
+                  <a:close/>
+                </a:path>
+              </a:pathLst>
+            </a:custGeom>
+            <a:solidFill>
+              <a:schemeClr val="accent4">
+                <a:lumMod val="40000"/>
+                <a:lumOff val="60000"/>
+              </a:schemeClr>
+            </a:solidFill>
+            <a:ln>
+              <a:noFill/>
+            </a:ln>
+          </p:spPr>
+          <p:style>
+            <a:lnRef idx="2">
+              <a:schemeClr val="accent1">
+                <a:shade val="50000"/>
+              </a:schemeClr>
+            </a:lnRef>
+            <a:fillRef idx="1">
+              <a:schemeClr val="accent1"/>
+            </a:fillRef>
+            <a:effectRef idx="0">
+              <a:schemeClr val="accent1"/>
+            </a:effectRef>
+            <a:fontRef idx="minor">
+              <a:schemeClr val="lt1"/>
+            </a:fontRef>
+          </p:style>
+          <p:txBody>
+            <a:bodyPr rtlCol="0" anchor="ctr"/>
+            <a:lstStyle/>
+            <a:p>
+              <a:pPr algn="ctr"/>
+              <a:r>
+                <a:rPr lang="ko-KR" altLang="en-US" dirty="0">
+                  <a:solidFill>
+                    <a:schemeClr val="tx1"/>
+                  </a:solidFill>
+                </a:rPr>
+                <a:t>도착지</a:t>
+              </a:r>
+            </a:p>
+          </p:txBody>
+        </p:sp>
+        <p:sp>
+          <p:nvSpPr>
+            <p:cNvPr id="6" name="자유형: 도형 5">
+              <a:extLst>
+                <a:ext uri="{FF2B5EF4-FFF2-40B4-BE49-F238E27FC236}">
+                  <a16:creationId xmlns:a16="http://schemas.microsoft.com/office/drawing/2014/main" id="{EC73CD60-1CF8-400E-A6AC-E3737798DF66}"/>
+                </a:ext>
+              </a:extLst>
+            </p:cNvPr>
+            <p:cNvSpPr/>
+            <p:nvPr/>
+          </p:nvSpPr>
+          <p:spPr>
+            <a:xfrm>
+              <a:off x="5809791" y="1547996"/>
+              <a:ext cx="618186" cy="579549"/>
+            </a:xfrm>
+            <a:custGeom>
+              <a:avLst/>
+              <a:gdLst>
+                <a:gd name="connsiteX0" fmla="*/ 154547 w 1339403"/>
+                <a:gd name="connsiteY0" fmla="*/ 0 h 579549"/>
+                <a:gd name="connsiteX1" fmla="*/ 0 w 1339403"/>
+                <a:gd name="connsiteY1" fmla="*/ 180304 h 579549"/>
+                <a:gd name="connsiteX2" fmla="*/ 283336 w 1339403"/>
+                <a:gd name="connsiteY2" fmla="*/ 528034 h 579549"/>
+                <a:gd name="connsiteX3" fmla="*/ 515155 w 1339403"/>
+                <a:gd name="connsiteY3" fmla="*/ 579549 h 579549"/>
+                <a:gd name="connsiteX4" fmla="*/ 618186 w 1339403"/>
+                <a:gd name="connsiteY4" fmla="*/ 437882 h 579549"/>
+                <a:gd name="connsiteX5" fmla="*/ 1339403 w 1339403"/>
+                <a:gd name="connsiteY5" fmla="*/ 283335 h 579549"/>
+                <a:gd name="connsiteX6" fmla="*/ 154547 w 1339403"/>
+                <a:gd name="connsiteY6" fmla="*/ 0 h 579549"/>
+                <a:gd name="connsiteX0" fmla="*/ 154547 w 618186"/>
+                <a:gd name="connsiteY0" fmla="*/ 0 h 579549"/>
+                <a:gd name="connsiteX1" fmla="*/ 0 w 618186"/>
+                <a:gd name="connsiteY1" fmla="*/ 180304 h 579549"/>
+                <a:gd name="connsiteX2" fmla="*/ 283336 w 618186"/>
+                <a:gd name="connsiteY2" fmla="*/ 528034 h 579549"/>
+                <a:gd name="connsiteX3" fmla="*/ 515155 w 618186"/>
+                <a:gd name="connsiteY3" fmla="*/ 579549 h 579549"/>
+                <a:gd name="connsiteX4" fmla="*/ 618186 w 618186"/>
+                <a:gd name="connsiteY4" fmla="*/ 437882 h 579549"/>
+                <a:gd name="connsiteX5" fmla="*/ 489398 w 618186"/>
+                <a:gd name="connsiteY5" fmla="*/ 206062 h 579549"/>
+                <a:gd name="connsiteX6" fmla="*/ 154547 w 618186"/>
+                <a:gd name="connsiteY6" fmla="*/ 0 h 579549"/>
+              </a:gdLst>
+              <a:ahLst/>
+              <a:cxnLst>
+                <a:cxn ang="0">
+                  <a:pos x="connsiteX0" y="connsiteY0"/>
+                </a:cxn>
+                <a:cxn ang="0">
+                  <a:pos x="connsiteX1" y="connsiteY1"/>
+                </a:cxn>
+                <a:cxn ang="0">
+                  <a:pos x="connsiteX2" y="connsiteY2"/>
+                </a:cxn>
+                <a:cxn ang="0">
+                  <a:pos x="connsiteX3" y="connsiteY3"/>
+                </a:cxn>
+                <a:cxn ang="0">
+                  <a:pos x="connsiteX4" y="connsiteY4"/>
+                </a:cxn>
+                <a:cxn ang="0">
+                  <a:pos x="connsiteX5" y="connsiteY5"/>
+                </a:cxn>
+                <a:cxn ang="0">
+                  <a:pos x="connsiteX6" y="connsiteY6"/>
+                </a:cxn>
+              </a:cxnLst>
+              <a:rect l="l" t="t" r="r" b="b"/>
+              <a:pathLst>
+                <a:path w="618186" h="579549">
+                  <a:moveTo>
+                    <a:pt x="154547" y="0"/>
+                  </a:moveTo>
+                  <a:lnTo>
+                    <a:pt x="0" y="180304"/>
+                  </a:lnTo>
+                  <a:lnTo>
+                    <a:pt x="283336" y="528034"/>
+                  </a:lnTo>
+                  <a:lnTo>
+                    <a:pt x="515155" y="579549"/>
+                  </a:lnTo>
+                  <a:lnTo>
+                    <a:pt x="618186" y="437882"/>
+                  </a:lnTo>
+                  <a:lnTo>
+                    <a:pt x="489398" y="206062"/>
+                  </a:lnTo>
+                  <a:lnTo>
+                    <a:pt x="154547" y="0"/>
+                  </a:lnTo>
+                  <a:close/>
+                </a:path>
+              </a:pathLst>
+            </a:custGeom>
+            <a:solidFill>
+              <a:schemeClr val="accent2">
+                <a:lumMod val="50000"/>
+              </a:schemeClr>
+            </a:solidFill>
+          </p:spPr>
+          <p:style>
+            <a:lnRef idx="2">
+              <a:schemeClr val="accent1">
+                <a:shade val="50000"/>
+              </a:schemeClr>
+            </a:lnRef>
+            <a:fillRef idx="1">
+              <a:schemeClr val="accent1"/>
+            </a:fillRef>
+            <a:effectRef idx="0">
+              <a:schemeClr val="accent1"/>
+            </a:effectRef>
+            <a:fontRef idx="minor">
+              <a:schemeClr val="lt1"/>
+            </a:fontRef>
+          </p:style>
+          <p:txBody>
+            <a:bodyPr rtlCol="0" anchor="ctr"/>
+            <a:lstStyle/>
+            <a:p>
+              <a:pPr algn="ctr"/>
+              <a:endParaRPr lang="ko-KR" altLang="en-US"/>
+            </a:p>
+          </p:txBody>
+        </p:sp>
+        <p:sp>
+          <p:nvSpPr>
+            <p:cNvPr id="7" name="자유형: 도형 6">
+              <a:extLst>
+                <a:ext uri="{FF2B5EF4-FFF2-40B4-BE49-F238E27FC236}">
+                  <a16:creationId xmlns:a16="http://schemas.microsoft.com/office/drawing/2014/main" id="{AD433EA8-4CF4-420B-BE38-DF69828BADE2}"/>
+                </a:ext>
+              </a:extLst>
+            </p:cNvPr>
+            <p:cNvSpPr/>
+            <p:nvPr/>
+          </p:nvSpPr>
+          <p:spPr>
+            <a:xfrm>
+              <a:off x="4818118" y="2037393"/>
+              <a:ext cx="476518" cy="631065"/>
+            </a:xfrm>
+            <a:custGeom>
+              <a:avLst/>
+              <a:gdLst>
+                <a:gd name="connsiteX0" fmla="*/ 0 w 476518"/>
+                <a:gd name="connsiteY0" fmla="*/ 25758 h 631065"/>
+                <a:gd name="connsiteX1" fmla="*/ 12879 w 476518"/>
+                <a:gd name="connsiteY1" fmla="*/ 631065 h 631065"/>
+                <a:gd name="connsiteX2" fmla="*/ 347730 w 476518"/>
+                <a:gd name="connsiteY2" fmla="*/ 605307 h 631065"/>
+                <a:gd name="connsiteX3" fmla="*/ 321972 w 476518"/>
+                <a:gd name="connsiteY3" fmla="*/ 463640 h 631065"/>
+                <a:gd name="connsiteX4" fmla="*/ 476518 w 476518"/>
+                <a:gd name="connsiteY4" fmla="*/ 425003 h 631065"/>
+                <a:gd name="connsiteX5" fmla="*/ 450761 w 476518"/>
+                <a:gd name="connsiteY5" fmla="*/ 218941 h 631065"/>
+                <a:gd name="connsiteX6" fmla="*/ 309093 w 476518"/>
+                <a:gd name="connsiteY6" fmla="*/ 218941 h 631065"/>
+                <a:gd name="connsiteX7" fmla="*/ 309093 w 476518"/>
+                <a:gd name="connsiteY7" fmla="*/ 0 h 631065"/>
+                <a:gd name="connsiteX8" fmla="*/ 0 w 476518"/>
+                <a:gd name="connsiteY8" fmla="*/ 25758 h 631065"/>
+              </a:gdLst>
+              <a:ahLst/>
+              <a:cxnLst>
+                <a:cxn ang="0">
+                  <a:pos x="connsiteX0" y="connsiteY0"/>
+                </a:cxn>
+                <a:cxn ang="0">
+                  <a:pos x="connsiteX1" y="connsiteY1"/>
+                </a:cxn>
+                <a:cxn ang="0">
+                  <a:pos x="connsiteX2" y="connsiteY2"/>
+                </a:cxn>
+                <a:cxn ang="0">
+                  <a:pos x="connsiteX3" y="connsiteY3"/>
+                </a:cxn>
+                <a:cxn ang="0">
+                  <a:pos x="connsiteX4" y="connsiteY4"/>
+                </a:cxn>
+                <a:cxn ang="0">
+                  <a:pos x="connsiteX5" y="connsiteY5"/>
+                </a:cxn>
+                <a:cxn ang="0">
+                  <a:pos x="connsiteX6" y="connsiteY6"/>
+                </a:cxn>
+                <a:cxn ang="0">
+                  <a:pos x="connsiteX7" y="connsiteY7"/>
+                </a:cxn>
+                <a:cxn ang="0">
+                  <a:pos x="connsiteX8" y="connsiteY8"/>
+                </a:cxn>
+              </a:cxnLst>
+              <a:rect l="l" t="t" r="r" b="b"/>
+              <a:pathLst>
+                <a:path w="476518" h="631065">
+                  <a:moveTo>
+                    <a:pt x="0" y="25758"/>
+                  </a:moveTo>
+                  <a:lnTo>
+                    <a:pt x="12879" y="631065"/>
+                  </a:lnTo>
+                  <a:lnTo>
+                    <a:pt x="347730" y="605307"/>
+                  </a:lnTo>
+                  <a:lnTo>
+                    <a:pt x="321972" y="463640"/>
+                  </a:lnTo>
+                  <a:lnTo>
+                    <a:pt x="476518" y="425003"/>
+                  </a:lnTo>
+                  <a:lnTo>
+                    <a:pt x="450761" y="218941"/>
+                  </a:lnTo>
+                  <a:lnTo>
+                    <a:pt x="309093" y="218941"/>
+                  </a:lnTo>
+                  <a:lnTo>
+                    <a:pt x="309093" y="0"/>
+                  </a:lnTo>
+                  <a:lnTo>
+                    <a:pt x="0" y="25758"/>
+                  </a:lnTo>
+                  <a:close/>
+                </a:path>
+              </a:pathLst>
+            </a:custGeom>
+            <a:solidFill>
+              <a:schemeClr val="accent2">
+                <a:lumMod val="50000"/>
+              </a:schemeClr>
+            </a:solidFill>
+          </p:spPr>
+          <p:style>
+            <a:lnRef idx="2">
+              <a:schemeClr val="accent1">
+                <a:shade val="50000"/>
+              </a:schemeClr>
+            </a:lnRef>
+            <a:fillRef idx="1">
+              <a:schemeClr val="accent1"/>
+            </a:fillRef>
+            <a:effectRef idx="0">
+              <a:schemeClr val="accent1"/>
+            </a:effectRef>
+            <a:fontRef idx="minor">
+              <a:schemeClr val="lt1"/>
+            </a:fontRef>
+          </p:style>
+          <p:txBody>
+            <a:bodyPr rtlCol="0" anchor="ctr"/>
+            <a:lstStyle/>
+            <a:p>
+              <a:pPr algn="ctr"/>
+              <a:endParaRPr lang="ko-KR" altLang="en-US"/>
+            </a:p>
+          </p:txBody>
+        </p:sp>
+        <p:sp>
+          <p:nvSpPr>
+            <p:cNvPr id="8" name="직사각형 7">
+              <a:extLst>
+                <a:ext uri="{FF2B5EF4-FFF2-40B4-BE49-F238E27FC236}">
+                  <a16:creationId xmlns:a16="http://schemas.microsoft.com/office/drawing/2014/main" id="{326772BA-A750-4BB5-A7ED-CE611EF0B4FB}"/>
+                </a:ext>
+              </a:extLst>
+            </p:cNvPr>
+            <p:cNvSpPr/>
+            <p:nvPr/>
+          </p:nvSpPr>
+          <p:spPr>
+            <a:xfrm rot="2439572">
+              <a:off x="5051994" y="2793084"/>
+              <a:ext cx="384390" cy="215634"/>
+            </a:xfrm>
+            <a:prstGeom prst="rect">
+              <a:avLst/>
+            </a:prstGeom>
+            <a:solidFill>
+              <a:schemeClr val="accent2">
+                <a:lumMod val="50000"/>
+              </a:schemeClr>
+            </a:solidFill>
+          </p:spPr>
+          <p:style>
+            <a:lnRef idx="2">
+              <a:schemeClr val="accent1">
+                <a:shade val="50000"/>
+              </a:schemeClr>
+            </a:lnRef>
+            <a:fillRef idx="1">
+              <a:schemeClr val="accent1"/>
+            </a:fillRef>
+            <a:effectRef idx="0">
+              <a:schemeClr val="accent1"/>
+            </a:effectRef>
+            <a:fontRef idx="minor">
+              <a:schemeClr val="lt1"/>
+            </a:fontRef>
+          </p:style>
+          <p:txBody>
+            <a:bodyPr rtlCol="0" anchor="ctr"/>
+            <a:lstStyle/>
+            <a:p>
+              <a:pPr algn="ctr"/>
+              <a:endParaRPr lang="ko-KR" altLang="en-US" dirty="0"/>
+            </a:p>
+          </p:txBody>
+        </p:sp>
+      </p:grpSp>
+      <p:cxnSp>
+        <p:nvCxnSpPr>
+          <p:cNvPr id="11" name="직선 화살표 연결선 10">
+            <a:extLst>
+              <a:ext uri="{FF2B5EF4-FFF2-40B4-BE49-F238E27FC236}">
+                <a16:creationId xmlns:a16="http://schemas.microsoft.com/office/drawing/2014/main" id="{47AA2092-4950-4E28-B495-0667611FEF5A}"/>
+              </a:ext>
+            </a:extLst>
+          </p:cNvPr>
+          <p:cNvCxnSpPr/>
+          <p:nvPr/>
+        </p:nvCxnSpPr>
+        <p:spPr>
+          <a:xfrm flipV="1">
+            <a:off x="4194048" y="2791968"/>
+            <a:ext cx="4291584" cy="251581"/>
+          </a:xfrm>
+          <a:prstGeom prst="straightConnector1">
+            <a:avLst/>
+          </a:prstGeom>
+          <a:ln>
+            <a:solidFill>
+              <a:srgbClr val="FF0000"/>
+            </a:solidFill>
+            <a:tailEnd type="triangle"/>
+          </a:ln>
+        </p:spPr>
+        <p:style>
+          <a:lnRef idx="1">
+            <a:schemeClr val="accent1"/>
+          </a:lnRef>
+          <a:fillRef idx="0">
+            <a:schemeClr val="accent1"/>
+          </a:fillRef>
+          <a:effectRef idx="0">
+            <a:schemeClr val="accent1"/>
+          </a:effectRef>
+          <a:fontRef idx="minor">
+            <a:schemeClr val="tx1"/>
+          </a:fontRef>
+        </p:style>
+      </p:cxnSp>
+      <p:cxnSp>
+        <p:nvCxnSpPr>
+          <p:cNvPr id="13" name="직선 화살표 연결선 12">
+            <a:extLst>
+              <a:ext uri="{FF2B5EF4-FFF2-40B4-BE49-F238E27FC236}">
+                <a16:creationId xmlns:a16="http://schemas.microsoft.com/office/drawing/2014/main" id="{39727C42-4C40-4568-AFCC-252B2DD28511}"/>
+              </a:ext>
+            </a:extLst>
+          </p:cNvPr>
+          <p:cNvCxnSpPr/>
+          <p:nvPr/>
+        </p:nvCxnSpPr>
+        <p:spPr>
+          <a:xfrm>
+            <a:off x="6925056" y="1914144"/>
+            <a:ext cx="1524000" cy="692380"/>
+          </a:xfrm>
+          <a:prstGeom prst="straightConnector1">
+            <a:avLst/>
+          </a:prstGeom>
+          <a:ln>
+            <a:solidFill>
+              <a:srgbClr val="FF0000"/>
+            </a:solidFill>
+            <a:tailEnd type="triangle"/>
+          </a:ln>
+        </p:spPr>
+        <p:style>
+          <a:lnRef idx="1">
+            <a:schemeClr val="accent1"/>
+          </a:lnRef>
+          <a:fillRef idx="0">
+            <a:schemeClr val="accent1"/>
+          </a:fillRef>
+          <a:effectRef idx="0">
+            <a:schemeClr val="accent1"/>
+          </a:effectRef>
+          <a:fontRef idx="minor">
+            <a:schemeClr val="tx1"/>
+          </a:fontRef>
+        </p:style>
+      </p:cxnSp>
+      <p:cxnSp>
+        <p:nvCxnSpPr>
+          <p:cNvPr id="15" name="직선 화살표 연결선 14">
+            <a:extLst>
+              <a:ext uri="{FF2B5EF4-FFF2-40B4-BE49-F238E27FC236}">
+                <a16:creationId xmlns:a16="http://schemas.microsoft.com/office/drawing/2014/main" id="{2F38B610-B885-4726-B01D-850D87F04629}"/>
+              </a:ext>
+            </a:extLst>
+          </p:cNvPr>
+          <p:cNvCxnSpPr/>
+          <p:nvPr/>
+        </p:nvCxnSpPr>
+        <p:spPr>
+          <a:xfrm flipV="1">
+            <a:off x="4893409" y="2963327"/>
+            <a:ext cx="3592223" cy="1498945"/>
+          </a:xfrm>
+          <a:prstGeom prst="straightConnector1">
+            <a:avLst/>
+          </a:prstGeom>
+          <a:ln>
+            <a:solidFill>
+              <a:srgbClr val="FF0000"/>
+            </a:solidFill>
+            <a:tailEnd type="triangle"/>
+          </a:ln>
+        </p:spPr>
+        <p:style>
+          <a:lnRef idx="1">
+            <a:schemeClr val="accent1"/>
+          </a:lnRef>
+          <a:fillRef idx="0">
+            <a:schemeClr val="accent1"/>
+          </a:fillRef>
+          <a:effectRef idx="0">
+            <a:schemeClr val="accent1"/>
+          </a:effectRef>
+          <a:fontRef idx="minor">
+            <a:schemeClr val="tx1"/>
+          </a:fontRef>
+        </p:style>
+      </p:cxnSp>
+      <p:cxnSp>
+        <p:nvCxnSpPr>
+          <p:cNvPr id="17" name="직선 화살표 연결선 16">
+            <a:extLst>
+              <a:ext uri="{FF2B5EF4-FFF2-40B4-BE49-F238E27FC236}">
+                <a16:creationId xmlns:a16="http://schemas.microsoft.com/office/drawing/2014/main" id="{CB7772DF-3E07-4612-81C5-55F8012F87FE}"/>
+              </a:ext>
+            </a:extLst>
+          </p:cNvPr>
+          <p:cNvCxnSpPr/>
+          <p:nvPr/>
+        </p:nvCxnSpPr>
+        <p:spPr>
+          <a:xfrm flipH="1" flipV="1">
+            <a:off x="2560320" y="1811855"/>
+            <a:ext cx="1207008" cy="102289"/>
+          </a:xfrm>
+          <a:prstGeom prst="straightConnector1">
+            <a:avLst/>
+          </a:prstGeom>
+          <a:ln>
+            <a:solidFill>
+              <a:srgbClr val="00B050"/>
+            </a:solidFill>
+            <a:tailEnd type="triangle"/>
+          </a:ln>
+        </p:spPr>
+        <p:style>
+          <a:lnRef idx="1">
+            <a:schemeClr val="accent1"/>
+          </a:lnRef>
+          <a:fillRef idx="0">
+            <a:schemeClr val="accent1"/>
+          </a:fillRef>
+          <a:effectRef idx="0">
+            <a:schemeClr val="accent1"/>
+          </a:effectRef>
+          <a:fontRef idx="minor">
+            <a:schemeClr val="tx1"/>
+          </a:fontRef>
+        </p:style>
+      </p:cxnSp>
+      <p:cxnSp>
+        <p:nvCxnSpPr>
+          <p:cNvPr id="19" name="직선 화살표 연결선 18">
+            <a:extLst>
+              <a:ext uri="{FF2B5EF4-FFF2-40B4-BE49-F238E27FC236}">
+                <a16:creationId xmlns:a16="http://schemas.microsoft.com/office/drawing/2014/main" id="{1BDA95E3-C445-4618-AE14-73FACCDBCB89}"/>
+              </a:ext>
+            </a:extLst>
+          </p:cNvPr>
+          <p:cNvCxnSpPr/>
+          <p:nvPr/>
+        </p:nvCxnSpPr>
+        <p:spPr>
+          <a:xfrm>
+            <a:off x="6432378" y="4353714"/>
+            <a:ext cx="1925238" cy="184357"/>
+          </a:xfrm>
+          <a:prstGeom prst="straightConnector1">
+            <a:avLst/>
+          </a:prstGeom>
+          <a:ln>
+            <a:solidFill>
+              <a:srgbClr val="00B0F0"/>
+            </a:solidFill>
+            <a:tailEnd type="triangle"/>
+          </a:ln>
+        </p:spPr>
+        <p:style>
+          <a:lnRef idx="1">
+            <a:schemeClr val="accent1"/>
+          </a:lnRef>
+          <a:fillRef idx="0">
+            <a:schemeClr val="accent1"/>
+          </a:fillRef>
+          <a:effectRef idx="0">
+            <a:schemeClr val="accent1"/>
+          </a:effectRef>
+          <a:fontRef idx="minor">
+            <a:schemeClr val="tx1"/>
+          </a:fontRef>
+        </p:style>
+      </p:cxnSp>
+      <p:sp>
+        <p:nvSpPr>
+          <p:cNvPr id="20" name="TextBox 19">
+            <a:extLst>
+              <a:ext uri="{FF2B5EF4-FFF2-40B4-BE49-F238E27FC236}">
+                <a16:creationId xmlns:a16="http://schemas.microsoft.com/office/drawing/2014/main" id="{3201D0AB-0616-4440-956D-AF2A333860D3}"/>
+              </a:ext>
+            </a:extLst>
+          </p:cNvPr>
+          <p:cNvSpPr txBox="1"/>
+          <p:nvPr/>
+        </p:nvSpPr>
+        <p:spPr>
+          <a:xfrm>
+            <a:off x="2144822" y="1627102"/>
+            <a:ext cx="415498" cy="369332"/>
+          </a:xfrm>
+          <a:prstGeom prst="rect">
+            <a:avLst/>
+          </a:prstGeom>
+          <a:noFill/>
+        </p:spPr>
+        <p:txBody>
+          <a:bodyPr wrap="none" rtlCol="0">
+            <a:spAutoFit/>
+          </a:bodyPr>
+          <a:lstStyle/>
+          <a:p>
+            <a:r>
+              <a:rPr lang="ko-KR" altLang="en-US" dirty="0"/>
+              <a:t>①</a:t>
+            </a:r>
+          </a:p>
+        </p:txBody>
+      </p:sp>
+      <p:sp>
+        <p:nvSpPr>
+          <p:cNvPr id="21" name="TextBox 20">
+            <a:extLst>
+              <a:ext uri="{FF2B5EF4-FFF2-40B4-BE49-F238E27FC236}">
+                <a16:creationId xmlns:a16="http://schemas.microsoft.com/office/drawing/2014/main" id="{C3575462-4761-4A63-BD85-A9A502BDD9AC}"/>
+              </a:ext>
+            </a:extLst>
+          </p:cNvPr>
+          <p:cNvSpPr txBox="1"/>
+          <p:nvPr/>
+        </p:nvSpPr>
+        <p:spPr>
+          <a:xfrm>
+            <a:off x="8501238" y="2607302"/>
+            <a:ext cx="415498" cy="369332"/>
+          </a:xfrm>
+          <a:prstGeom prst="rect">
+            <a:avLst/>
+          </a:prstGeom>
+          <a:noFill/>
+        </p:spPr>
+        <p:txBody>
+          <a:bodyPr wrap="none" rtlCol="0">
+            <a:spAutoFit/>
+          </a:bodyPr>
+          <a:lstStyle/>
+          <a:p>
+            <a:r>
+              <a:rPr lang="ko-KR" altLang="en-US" dirty="0"/>
+              <a:t>②</a:t>
+            </a:r>
+          </a:p>
+        </p:txBody>
+      </p:sp>
+      <p:sp>
+        <p:nvSpPr>
+          <p:cNvPr id="22" name="TextBox 21">
+            <a:extLst>
+              <a:ext uri="{FF2B5EF4-FFF2-40B4-BE49-F238E27FC236}">
+                <a16:creationId xmlns:a16="http://schemas.microsoft.com/office/drawing/2014/main" id="{28A9CF23-2B06-4D9E-9718-BFC2221B9E9C}"/>
+              </a:ext>
+            </a:extLst>
+          </p:cNvPr>
+          <p:cNvSpPr txBox="1"/>
+          <p:nvPr/>
+        </p:nvSpPr>
+        <p:spPr>
+          <a:xfrm>
+            <a:off x="8380061" y="4381305"/>
+            <a:ext cx="415498" cy="369332"/>
+          </a:xfrm>
+          <a:prstGeom prst="rect">
+            <a:avLst/>
+          </a:prstGeom>
+          <a:noFill/>
+        </p:spPr>
+        <p:txBody>
+          <a:bodyPr wrap="none" rtlCol="0">
+            <a:spAutoFit/>
+          </a:bodyPr>
+          <a:lstStyle/>
+          <a:p>
+            <a:r>
+              <a:rPr lang="ko-KR" altLang="en-US" dirty="0"/>
+              <a:t>③</a:t>
+            </a:r>
+          </a:p>
+        </p:txBody>
+      </p:sp>
+    </p:spTree>
+    <p:extLst>
+      <p:ext uri="{BB962C8B-B14F-4D97-AF65-F5344CB8AC3E}">
+        <p14:creationId xmlns:p14="http://schemas.microsoft.com/office/powerpoint/2010/main" val="3442172493"/>
+      </p:ext>
+    </p:extLst>
+  </p:cSld>
+  <p:clrMapOvr>
+    <a:masterClrMapping/>
+  </p:clrMapOvr>
+</p:sld>
+</file>
+
+<file path=ppt/slides/slide4.xml><?xml version="1.0" encoding="utf-8"?>
+<p:sld xmlns:a="http://schemas.openxmlformats.org/drawingml/2006/main" xmlns:r="http://schemas.openxmlformats.org/officeDocument/2006/relationships" xmlns:p="http://schemas.openxmlformats.org/presentationml/2006/main">
+  <p:cSld>
+    <p:spTree>
+      <p:nvGrpSpPr>
+        <p:cNvPr id="1" name=""/>
+        <p:cNvGrpSpPr/>
+        <p:nvPr/>
+      </p:nvGrpSpPr>
+      <p:grpSpPr>
+        <a:xfrm>
+          <a:off x="0" y="0"/>
+          <a:ext cx="0" cy="0"/>
+          <a:chOff x="0" y="0"/>
+          <a:chExt cx="0" cy="0"/>
+        </a:xfrm>
+      </p:grpSpPr>
+      <p:grpSp>
+        <p:nvGrpSpPr>
+          <p:cNvPr id="7" name="그룹 6">
+            <a:extLst>
+              <a:ext uri="{FF2B5EF4-FFF2-40B4-BE49-F238E27FC236}">
+                <a16:creationId xmlns:a16="http://schemas.microsoft.com/office/drawing/2014/main" id="{BB68C40F-367E-4771-91D6-7C1F7E70EFB6}"/>
+              </a:ext>
+            </a:extLst>
+          </p:cNvPr>
+          <p:cNvGrpSpPr/>
+          <p:nvPr/>
+        </p:nvGrpSpPr>
+        <p:grpSpPr>
+          <a:xfrm>
+            <a:off x="3640202" y="1704316"/>
+            <a:ext cx="4911595" cy="3449367"/>
+            <a:chOff x="5152368" y="3327942"/>
+            <a:chExt cx="1687132" cy="1184857"/>
+          </a:xfrm>
+        </p:grpSpPr>
+        <p:sp>
+          <p:nvSpPr>
+            <p:cNvPr id="4" name="자유형: 도형 3">
+              <a:extLst>
+                <a:ext uri="{FF2B5EF4-FFF2-40B4-BE49-F238E27FC236}">
+                  <a16:creationId xmlns:a16="http://schemas.microsoft.com/office/drawing/2014/main" id="{81FB2AE9-D872-4FD3-867C-05FD2EA2B2B8}"/>
+                </a:ext>
+              </a:extLst>
+            </p:cNvPr>
+            <p:cNvSpPr/>
+            <p:nvPr/>
+          </p:nvSpPr>
+          <p:spPr>
+            <a:xfrm>
+              <a:off x="5152368" y="3327942"/>
+              <a:ext cx="1687132" cy="1184857"/>
+            </a:xfrm>
+            <a:custGeom>
+              <a:avLst/>
+              <a:gdLst>
+                <a:gd name="connsiteX0" fmla="*/ 283335 w 1687132"/>
+                <a:gd name="connsiteY0" fmla="*/ 154547 h 1184857"/>
+                <a:gd name="connsiteX1" fmla="*/ 0 w 1687132"/>
+                <a:gd name="connsiteY1" fmla="*/ 579549 h 1184857"/>
+                <a:gd name="connsiteX2" fmla="*/ 77273 w 1687132"/>
+                <a:gd name="connsiteY2" fmla="*/ 940158 h 1184857"/>
+                <a:gd name="connsiteX3" fmla="*/ 643944 w 1687132"/>
+                <a:gd name="connsiteY3" fmla="*/ 1184857 h 1184857"/>
+                <a:gd name="connsiteX4" fmla="*/ 1493949 w 1687132"/>
+                <a:gd name="connsiteY4" fmla="*/ 1146220 h 1184857"/>
+                <a:gd name="connsiteX5" fmla="*/ 1687132 w 1687132"/>
+                <a:gd name="connsiteY5" fmla="*/ 270457 h 1184857"/>
+                <a:gd name="connsiteX6" fmla="*/ 1275008 w 1687132"/>
+                <a:gd name="connsiteY6" fmla="*/ 0 h 1184857"/>
+                <a:gd name="connsiteX7" fmla="*/ 334851 w 1687132"/>
+                <a:gd name="connsiteY7" fmla="*/ 103031 h 1184857"/>
+                <a:gd name="connsiteX8" fmla="*/ 283335 w 1687132"/>
+                <a:gd name="connsiteY8" fmla="*/ 154547 h 1184857"/>
+              </a:gdLst>
+              <a:ahLst/>
+              <a:cxnLst>
+                <a:cxn ang="0">
+                  <a:pos x="connsiteX0" y="connsiteY0"/>
+                </a:cxn>
+                <a:cxn ang="0">
+                  <a:pos x="connsiteX1" y="connsiteY1"/>
+                </a:cxn>
+                <a:cxn ang="0">
+                  <a:pos x="connsiteX2" y="connsiteY2"/>
+                </a:cxn>
+                <a:cxn ang="0">
+                  <a:pos x="connsiteX3" y="connsiteY3"/>
+                </a:cxn>
+                <a:cxn ang="0">
+                  <a:pos x="connsiteX4" y="connsiteY4"/>
+                </a:cxn>
+                <a:cxn ang="0">
+                  <a:pos x="connsiteX5" y="connsiteY5"/>
+                </a:cxn>
+                <a:cxn ang="0">
+                  <a:pos x="connsiteX6" y="connsiteY6"/>
+                </a:cxn>
+                <a:cxn ang="0">
+                  <a:pos x="connsiteX7" y="connsiteY7"/>
+                </a:cxn>
+                <a:cxn ang="0">
+                  <a:pos x="connsiteX8" y="connsiteY8"/>
+                </a:cxn>
+              </a:cxnLst>
+              <a:rect l="l" t="t" r="r" b="b"/>
+              <a:pathLst>
+                <a:path w="1687132" h="1184857">
+                  <a:moveTo>
+                    <a:pt x="283335" y="154547"/>
+                  </a:moveTo>
+                  <a:lnTo>
+                    <a:pt x="0" y="579549"/>
+                  </a:lnTo>
+                  <a:lnTo>
+                    <a:pt x="77273" y="940158"/>
+                  </a:lnTo>
+                  <a:lnTo>
+                    <a:pt x="643944" y="1184857"/>
+                  </a:lnTo>
+                  <a:lnTo>
+                    <a:pt x="1493949" y="1146220"/>
+                  </a:lnTo>
+                  <a:lnTo>
+                    <a:pt x="1687132" y="270457"/>
+                  </a:lnTo>
+                  <a:lnTo>
+                    <a:pt x="1275008" y="0"/>
+                  </a:lnTo>
+                  <a:lnTo>
+                    <a:pt x="334851" y="103031"/>
+                  </a:lnTo>
+                  <a:lnTo>
+                    <a:pt x="283335" y="154547"/>
+                  </a:lnTo>
+                  <a:close/>
+                </a:path>
+              </a:pathLst>
+            </a:custGeom>
+            <a:solidFill>
+              <a:schemeClr val="bg1">
+                <a:lumMod val="65000"/>
+              </a:schemeClr>
+            </a:solidFill>
+          </p:spPr>
+          <p:style>
+            <a:lnRef idx="2">
+              <a:schemeClr val="accent1">
+                <a:shade val="50000"/>
+              </a:schemeClr>
+            </a:lnRef>
+            <a:fillRef idx="1">
+              <a:schemeClr val="accent1"/>
+            </a:fillRef>
+            <a:effectRef idx="0">
+              <a:schemeClr val="accent1"/>
+            </a:effectRef>
+            <a:fontRef idx="minor">
+              <a:schemeClr val="lt1"/>
+            </a:fontRef>
+          </p:style>
+          <p:txBody>
+            <a:bodyPr rtlCol="0" anchor="ctr"/>
+            <a:lstStyle/>
+            <a:p>
+              <a:pPr algn="ctr"/>
+              <a:endParaRPr lang="ko-KR" altLang="en-US" dirty="0"/>
+            </a:p>
+          </p:txBody>
+        </p:sp>
+        <p:sp>
+          <p:nvSpPr>
+            <p:cNvPr id="5" name="직사각형 4">
+              <a:extLst>
+                <a:ext uri="{FF2B5EF4-FFF2-40B4-BE49-F238E27FC236}">
+                  <a16:creationId xmlns:a16="http://schemas.microsoft.com/office/drawing/2014/main" id="{14DB12B7-5286-46B4-9E72-BB1E617DFEEC}"/>
+                </a:ext>
+              </a:extLst>
+            </p:cNvPr>
+            <p:cNvSpPr/>
+            <p:nvPr/>
+          </p:nvSpPr>
+          <p:spPr>
+            <a:xfrm flipV="1">
+              <a:off x="5486980" y="3626059"/>
+              <a:ext cx="369947" cy="206192"/>
+            </a:xfrm>
+            <a:prstGeom prst="rect">
+              <a:avLst/>
+            </a:prstGeom>
+            <a:solidFill>
+              <a:schemeClr val="tx1">
+                <a:lumMod val="85000"/>
+                <a:lumOff val="15000"/>
+              </a:schemeClr>
+            </a:solidFill>
+          </p:spPr>
+          <p:style>
+            <a:lnRef idx="2">
+              <a:schemeClr val="accent1">
+                <a:shade val="50000"/>
+              </a:schemeClr>
+            </a:lnRef>
+            <a:fillRef idx="1">
+              <a:schemeClr val="accent1"/>
+            </a:fillRef>
+            <a:effectRef idx="0">
+              <a:schemeClr val="accent1"/>
+            </a:effectRef>
+            <a:fontRef idx="minor">
+              <a:schemeClr val="lt1"/>
+            </a:fontRef>
+          </p:style>
+          <p:txBody>
+            <a:bodyPr rtlCol="0" anchor="ctr"/>
+            <a:lstStyle/>
+            <a:p>
+              <a:pPr algn="ctr"/>
+              <a:endParaRPr lang="ko-KR" altLang="en-US"/>
+            </a:p>
+          </p:txBody>
+        </p:sp>
+        <p:sp>
+          <p:nvSpPr>
+            <p:cNvPr id="6" name="직사각형 5">
+              <a:extLst>
+                <a:ext uri="{FF2B5EF4-FFF2-40B4-BE49-F238E27FC236}">
+                  <a16:creationId xmlns:a16="http://schemas.microsoft.com/office/drawing/2014/main" id="{BA119CD0-A442-4FB9-A60C-EECC34AAE2A7}"/>
+                </a:ext>
+              </a:extLst>
+            </p:cNvPr>
+            <p:cNvSpPr/>
+            <p:nvPr/>
+          </p:nvSpPr>
+          <p:spPr>
+            <a:xfrm flipV="1">
+              <a:off x="6135355" y="4020077"/>
+              <a:ext cx="369947" cy="206192"/>
+            </a:xfrm>
+            <a:prstGeom prst="rect">
+              <a:avLst/>
+            </a:prstGeom>
+            <a:solidFill>
+              <a:schemeClr val="tx1">
+                <a:lumMod val="85000"/>
+                <a:lumOff val="15000"/>
+              </a:schemeClr>
+            </a:solidFill>
+          </p:spPr>
+          <p:style>
+            <a:lnRef idx="2">
+              <a:schemeClr val="accent1">
+                <a:shade val="50000"/>
+              </a:schemeClr>
+            </a:lnRef>
+            <a:fillRef idx="1">
+              <a:schemeClr val="accent1"/>
+            </a:fillRef>
+            <a:effectRef idx="0">
+              <a:schemeClr val="accent1"/>
+            </a:effectRef>
+            <a:fontRef idx="minor">
+              <a:schemeClr val="lt1"/>
+            </a:fontRef>
+          </p:style>
+          <p:txBody>
+            <a:bodyPr rtlCol="0" anchor="ctr"/>
+            <a:lstStyle/>
+            <a:p>
+              <a:pPr algn="ctr"/>
+              <a:endParaRPr lang="ko-KR" altLang="en-US"/>
+            </a:p>
+          </p:txBody>
+        </p:sp>
+      </p:grpSp>
+      <p:cxnSp>
+        <p:nvCxnSpPr>
+          <p:cNvPr id="9" name="직선 화살표 연결선 8">
+            <a:extLst>
+              <a:ext uri="{FF2B5EF4-FFF2-40B4-BE49-F238E27FC236}">
+                <a16:creationId xmlns:a16="http://schemas.microsoft.com/office/drawing/2014/main" id="{EDAD2B1A-CEA0-4DC9-8CFE-33F96EDA01F5}"/>
+              </a:ext>
+            </a:extLst>
+          </p:cNvPr>
+          <p:cNvCxnSpPr/>
+          <p:nvPr/>
+        </p:nvCxnSpPr>
+        <p:spPr>
+          <a:xfrm>
+            <a:off x="5470358" y="2872331"/>
+            <a:ext cx="3818021" cy="556668"/>
+          </a:xfrm>
+          <a:prstGeom prst="straightConnector1">
+            <a:avLst/>
+          </a:prstGeom>
+          <a:ln>
+            <a:tailEnd type="triangle"/>
+          </a:ln>
+        </p:spPr>
+        <p:style>
+          <a:lnRef idx="1">
+            <a:schemeClr val="accent1"/>
+          </a:lnRef>
+          <a:fillRef idx="0">
+            <a:schemeClr val="accent1"/>
+          </a:fillRef>
+          <a:effectRef idx="0">
+            <a:schemeClr val="accent1"/>
+          </a:effectRef>
+          <a:fontRef idx="minor">
+            <a:schemeClr val="tx1"/>
+          </a:fontRef>
+        </p:style>
+      </p:cxnSp>
+      <p:cxnSp>
+        <p:nvCxnSpPr>
+          <p:cNvPr id="11" name="직선 화살표 연결선 10">
+            <a:extLst>
+              <a:ext uri="{FF2B5EF4-FFF2-40B4-BE49-F238E27FC236}">
+                <a16:creationId xmlns:a16="http://schemas.microsoft.com/office/drawing/2014/main" id="{73BEAD85-6567-4A81-BE9A-BA7230F308AB}"/>
+              </a:ext>
+            </a:extLst>
+          </p:cNvPr>
+          <p:cNvCxnSpPr/>
+          <p:nvPr/>
+        </p:nvCxnSpPr>
+        <p:spPr>
+          <a:xfrm flipV="1">
+            <a:off x="7040379" y="3685536"/>
+            <a:ext cx="2248000" cy="333864"/>
+          </a:xfrm>
+          <a:prstGeom prst="straightConnector1">
+            <a:avLst/>
+          </a:prstGeom>
+          <a:ln>
+            <a:tailEnd type="triangle"/>
+          </a:ln>
+        </p:spPr>
+        <p:style>
+          <a:lnRef idx="1">
+            <a:schemeClr val="accent1"/>
+          </a:lnRef>
+          <a:fillRef idx="0">
+            <a:schemeClr val="accent1"/>
+          </a:fillRef>
+          <a:effectRef idx="0">
+            <a:schemeClr val="accent1"/>
+          </a:effectRef>
+          <a:fontRef idx="minor">
+            <a:schemeClr val="tx1"/>
+          </a:fontRef>
+        </p:style>
+      </p:cxnSp>
+      <p:cxnSp>
+        <p:nvCxnSpPr>
+          <p:cNvPr id="13" name="직선 화살표 연결선 12">
+            <a:extLst>
+              <a:ext uri="{FF2B5EF4-FFF2-40B4-BE49-F238E27FC236}">
+                <a16:creationId xmlns:a16="http://schemas.microsoft.com/office/drawing/2014/main" id="{F27D696D-42A9-44F7-A073-BE0F0FB79D5D}"/>
+              </a:ext>
+            </a:extLst>
+          </p:cNvPr>
+          <p:cNvCxnSpPr/>
+          <p:nvPr/>
+        </p:nvCxnSpPr>
+        <p:spPr>
+          <a:xfrm flipH="1">
+            <a:off x="2662989" y="3719266"/>
+            <a:ext cx="2165685" cy="133202"/>
+          </a:xfrm>
+          <a:prstGeom prst="straightConnector1">
+            <a:avLst/>
+          </a:prstGeom>
+          <a:ln>
+            <a:tailEnd type="triangle"/>
+          </a:ln>
+        </p:spPr>
+        <p:style>
+          <a:lnRef idx="1">
+            <a:schemeClr val="accent1"/>
+          </a:lnRef>
+          <a:fillRef idx="0">
+            <a:schemeClr val="accent1"/>
+          </a:fillRef>
+          <a:effectRef idx="0">
+            <a:schemeClr val="accent1"/>
+          </a:effectRef>
+          <a:fontRef idx="minor">
+            <a:schemeClr val="tx1"/>
+          </a:fontRef>
+        </p:style>
+      </p:cxnSp>
+      <p:sp>
+        <p:nvSpPr>
+          <p:cNvPr id="14" name="TextBox 13">
+            <a:extLst>
+              <a:ext uri="{FF2B5EF4-FFF2-40B4-BE49-F238E27FC236}">
+                <a16:creationId xmlns:a16="http://schemas.microsoft.com/office/drawing/2014/main" id="{D02573AC-9457-4F02-A072-A5A39F33F87E}"/>
+              </a:ext>
+            </a:extLst>
+          </p:cNvPr>
+          <p:cNvSpPr txBox="1"/>
+          <p:nvPr/>
+        </p:nvSpPr>
+        <p:spPr>
+          <a:xfrm>
+            <a:off x="2268880" y="3685536"/>
+            <a:ext cx="441146" cy="400110"/>
+          </a:xfrm>
+          <a:prstGeom prst="rect">
+            <a:avLst/>
+          </a:prstGeom>
+          <a:noFill/>
+        </p:spPr>
+        <p:txBody>
+          <a:bodyPr wrap="none" rtlCol="0">
+            <a:spAutoFit/>
+          </a:bodyPr>
+          <a:lstStyle/>
+          <a:p>
+            <a:r>
+              <a:rPr lang="ko-KR" altLang="en-US" sz="2000" dirty="0"/>
+              <a:t>①</a:t>
+            </a:r>
+          </a:p>
+        </p:txBody>
+      </p:sp>
+      <p:sp>
+        <p:nvSpPr>
+          <p:cNvPr id="15" name="TextBox 14">
+            <a:extLst>
+              <a:ext uri="{FF2B5EF4-FFF2-40B4-BE49-F238E27FC236}">
+                <a16:creationId xmlns:a16="http://schemas.microsoft.com/office/drawing/2014/main" id="{EE6D4A4A-41F9-4934-9311-24DBBEAB8FC6}"/>
+              </a:ext>
+            </a:extLst>
+          </p:cNvPr>
+          <p:cNvSpPr txBox="1"/>
+          <p:nvPr/>
+        </p:nvSpPr>
+        <p:spPr>
+          <a:xfrm>
+            <a:off x="9288379" y="3385757"/>
+            <a:ext cx="441146" cy="400110"/>
+          </a:xfrm>
+          <a:prstGeom prst="rect">
+            <a:avLst/>
+          </a:prstGeom>
+          <a:noFill/>
+        </p:spPr>
+        <p:txBody>
+          <a:bodyPr wrap="none" rtlCol="0">
+            <a:spAutoFit/>
+          </a:bodyPr>
+          <a:lstStyle/>
+          <a:p>
+            <a:r>
+              <a:rPr lang="ko-KR" altLang="en-US" sz="2000" dirty="0"/>
+              <a:t>②</a:t>
+            </a:r>
+          </a:p>
+        </p:txBody>
+      </p:sp>
+    </p:spTree>
+    <p:extLst>
+      <p:ext uri="{BB962C8B-B14F-4D97-AF65-F5344CB8AC3E}">
+        <p14:creationId xmlns:p14="http://schemas.microsoft.com/office/powerpoint/2010/main" val="2767477743"/>
+      </p:ext>
+    </p:extLst>
+  </p:cSld>
+  <p:clrMapOvr>
+    <a:masterClrMapping/>
+  </p:clrMapOvr>
+</p:sld>
+</file>
+
+<file path=ppt/slides/slide5.xml><?xml version="1.0" encoding="utf-8"?>
 <p:sld xmlns:a="http://schemas.openxmlformats.org/drawingml/2006/main" xmlns:r="http://schemas.openxmlformats.org/officeDocument/2006/relationships" xmlns:p="http://schemas.openxmlformats.org/presentationml/2006/main">
   <p:cSld>
     <p:spTree>
@@ -20824,6 +23206,6017 @@
 </p:sld>
 </file>
 
+<file path=ppt/slides/slide6.xml><?xml version="1.0" encoding="utf-8"?>
+<p:sld xmlns:a="http://schemas.openxmlformats.org/drawingml/2006/main" xmlns:r="http://schemas.openxmlformats.org/officeDocument/2006/relationships" xmlns:p="http://schemas.openxmlformats.org/presentationml/2006/main">
+  <p:cSld>
+    <p:spTree>
+      <p:nvGrpSpPr>
+        <p:cNvPr id="1" name=""/>
+        <p:cNvGrpSpPr/>
+        <p:nvPr/>
+      </p:nvGrpSpPr>
+      <p:grpSpPr>
+        <a:xfrm>
+          <a:off x="0" y="0"/>
+          <a:ext cx="0" cy="0"/>
+          <a:chOff x="0" y="0"/>
+          <a:chExt cx="0" cy="0"/>
+        </a:xfrm>
+      </p:grpSpPr>
+      <p:grpSp>
+        <p:nvGrpSpPr>
+          <p:cNvPr id="4" name="그룹 3">
+            <a:extLst>
+              <a:ext uri="{FF2B5EF4-FFF2-40B4-BE49-F238E27FC236}">
+                <a16:creationId xmlns:a16="http://schemas.microsoft.com/office/drawing/2014/main" id="{A80BAE33-9D75-47EB-9D66-066887B4E8C5}"/>
+              </a:ext>
+            </a:extLst>
+          </p:cNvPr>
+          <p:cNvGrpSpPr/>
+          <p:nvPr/>
+        </p:nvGrpSpPr>
+        <p:grpSpPr>
+          <a:xfrm>
+            <a:off x="3917410" y="1108214"/>
+            <a:ext cx="3047255" cy="4073386"/>
+            <a:chOff x="528034" y="3058934"/>
+            <a:chExt cx="2577089" cy="3444897"/>
+          </a:xfrm>
+        </p:grpSpPr>
+        <p:sp>
+          <p:nvSpPr>
+            <p:cNvPr id="5" name="자유형: 도형 4">
+              <a:extLst>
+                <a:ext uri="{FF2B5EF4-FFF2-40B4-BE49-F238E27FC236}">
+                  <a16:creationId xmlns:a16="http://schemas.microsoft.com/office/drawing/2014/main" id="{CC513AF4-A391-41C1-BDE4-A0EF748366C3}"/>
+                </a:ext>
+              </a:extLst>
+            </p:cNvPr>
+            <p:cNvSpPr/>
+            <p:nvPr/>
+          </p:nvSpPr>
+          <p:spPr>
+            <a:xfrm>
+              <a:off x="542228" y="3058934"/>
+              <a:ext cx="2562895" cy="3425781"/>
+            </a:xfrm>
+            <a:custGeom>
+              <a:avLst/>
+              <a:gdLst>
+                <a:gd name="connsiteX0" fmla="*/ 489397 w 2562895"/>
+                <a:gd name="connsiteY0" fmla="*/ 1777285 h 3425781"/>
+                <a:gd name="connsiteX1" fmla="*/ 1249250 w 2562895"/>
+                <a:gd name="connsiteY1" fmla="*/ 3412902 h 3425781"/>
+                <a:gd name="connsiteX2" fmla="*/ 1455312 w 2562895"/>
+                <a:gd name="connsiteY2" fmla="*/ 3425781 h 3425781"/>
+                <a:gd name="connsiteX3" fmla="*/ 1609859 w 2562895"/>
+                <a:gd name="connsiteY3" fmla="*/ 3193961 h 3425781"/>
+                <a:gd name="connsiteX4" fmla="*/ 1803042 w 2562895"/>
+                <a:gd name="connsiteY4" fmla="*/ 3361386 h 3425781"/>
+                <a:gd name="connsiteX5" fmla="*/ 2343955 w 2562895"/>
+                <a:gd name="connsiteY5" fmla="*/ 2910626 h 3425781"/>
+                <a:gd name="connsiteX6" fmla="*/ 2562895 w 2562895"/>
+                <a:gd name="connsiteY6" fmla="*/ 1622738 h 3425781"/>
+                <a:gd name="connsiteX7" fmla="*/ 2472743 w 2562895"/>
+                <a:gd name="connsiteY7" fmla="*/ 296214 h 3425781"/>
+                <a:gd name="connsiteX8" fmla="*/ 1468191 w 2562895"/>
+                <a:gd name="connsiteY8" fmla="*/ 0 h 3425781"/>
+                <a:gd name="connsiteX9" fmla="*/ 631064 w 2562895"/>
+                <a:gd name="connsiteY9" fmla="*/ 180305 h 3425781"/>
+                <a:gd name="connsiteX10" fmla="*/ 154546 w 2562895"/>
+                <a:gd name="connsiteY10" fmla="*/ 502276 h 3425781"/>
+                <a:gd name="connsiteX11" fmla="*/ 51515 w 2562895"/>
+                <a:gd name="connsiteY11" fmla="*/ 682581 h 3425781"/>
+                <a:gd name="connsiteX12" fmla="*/ 0 w 2562895"/>
+                <a:gd name="connsiteY12" fmla="*/ 1275009 h 3425781"/>
+                <a:gd name="connsiteX13" fmla="*/ 321972 w 2562895"/>
+                <a:gd name="connsiteY13" fmla="*/ 1854558 h 3425781"/>
+                <a:gd name="connsiteX14" fmla="*/ 489397 w 2562895"/>
+                <a:gd name="connsiteY14" fmla="*/ 1777285 h 3425781"/>
+                <a:gd name="connsiteX0" fmla="*/ 489397 w 2562895"/>
+                <a:gd name="connsiteY0" fmla="*/ 1777285 h 3451538"/>
+                <a:gd name="connsiteX1" fmla="*/ 1068946 w 2562895"/>
+                <a:gd name="connsiteY1" fmla="*/ 3451538 h 3451538"/>
+                <a:gd name="connsiteX2" fmla="*/ 1455312 w 2562895"/>
+                <a:gd name="connsiteY2" fmla="*/ 3425781 h 3451538"/>
+                <a:gd name="connsiteX3" fmla="*/ 1609859 w 2562895"/>
+                <a:gd name="connsiteY3" fmla="*/ 3193961 h 3451538"/>
+                <a:gd name="connsiteX4" fmla="*/ 1803042 w 2562895"/>
+                <a:gd name="connsiteY4" fmla="*/ 3361386 h 3451538"/>
+                <a:gd name="connsiteX5" fmla="*/ 2343955 w 2562895"/>
+                <a:gd name="connsiteY5" fmla="*/ 2910626 h 3451538"/>
+                <a:gd name="connsiteX6" fmla="*/ 2562895 w 2562895"/>
+                <a:gd name="connsiteY6" fmla="*/ 1622738 h 3451538"/>
+                <a:gd name="connsiteX7" fmla="*/ 2472743 w 2562895"/>
+                <a:gd name="connsiteY7" fmla="*/ 296214 h 3451538"/>
+                <a:gd name="connsiteX8" fmla="*/ 1468191 w 2562895"/>
+                <a:gd name="connsiteY8" fmla="*/ 0 h 3451538"/>
+                <a:gd name="connsiteX9" fmla="*/ 631064 w 2562895"/>
+                <a:gd name="connsiteY9" fmla="*/ 180305 h 3451538"/>
+                <a:gd name="connsiteX10" fmla="*/ 154546 w 2562895"/>
+                <a:gd name="connsiteY10" fmla="*/ 502276 h 3451538"/>
+                <a:gd name="connsiteX11" fmla="*/ 51515 w 2562895"/>
+                <a:gd name="connsiteY11" fmla="*/ 682581 h 3451538"/>
+                <a:gd name="connsiteX12" fmla="*/ 0 w 2562895"/>
+                <a:gd name="connsiteY12" fmla="*/ 1275009 h 3451538"/>
+                <a:gd name="connsiteX13" fmla="*/ 321972 w 2562895"/>
+                <a:gd name="connsiteY13" fmla="*/ 1854558 h 3451538"/>
+                <a:gd name="connsiteX14" fmla="*/ 489397 w 2562895"/>
+                <a:gd name="connsiteY14" fmla="*/ 1777285 h 3451538"/>
+                <a:gd name="connsiteX0" fmla="*/ 489397 w 2562895"/>
+                <a:gd name="connsiteY0" fmla="*/ 1777285 h 3451538"/>
+                <a:gd name="connsiteX1" fmla="*/ 1068946 w 2562895"/>
+                <a:gd name="connsiteY1" fmla="*/ 3451538 h 3451538"/>
+                <a:gd name="connsiteX2" fmla="*/ 1416675 w 2562895"/>
+                <a:gd name="connsiteY2" fmla="*/ 3425781 h 3451538"/>
+                <a:gd name="connsiteX3" fmla="*/ 1609859 w 2562895"/>
+                <a:gd name="connsiteY3" fmla="*/ 3193961 h 3451538"/>
+                <a:gd name="connsiteX4" fmla="*/ 1803042 w 2562895"/>
+                <a:gd name="connsiteY4" fmla="*/ 3361386 h 3451538"/>
+                <a:gd name="connsiteX5" fmla="*/ 2343955 w 2562895"/>
+                <a:gd name="connsiteY5" fmla="*/ 2910626 h 3451538"/>
+                <a:gd name="connsiteX6" fmla="*/ 2562895 w 2562895"/>
+                <a:gd name="connsiteY6" fmla="*/ 1622738 h 3451538"/>
+                <a:gd name="connsiteX7" fmla="*/ 2472743 w 2562895"/>
+                <a:gd name="connsiteY7" fmla="*/ 296214 h 3451538"/>
+                <a:gd name="connsiteX8" fmla="*/ 1468191 w 2562895"/>
+                <a:gd name="connsiteY8" fmla="*/ 0 h 3451538"/>
+                <a:gd name="connsiteX9" fmla="*/ 631064 w 2562895"/>
+                <a:gd name="connsiteY9" fmla="*/ 180305 h 3451538"/>
+                <a:gd name="connsiteX10" fmla="*/ 154546 w 2562895"/>
+                <a:gd name="connsiteY10" fmla="*/ 502276 h 3451538"/>
+                <a:gd name="connsiteX11" fmla="*/ 51515 w 2562895"/>
+                <a:gd name="connsiteY11" fmla="*/ 682581 h 3451538"/>
+                <a:gd name="connsiteX12" fmla="*/ 0 w 2562895"/>
+                <a:gd name="connsiteY12" fmla="*/ 1275009 h 3451538"/>
+                <a:gd name="connsiteX13" fmla="*/ 321972 w 2562895"/>
+                <a:gd name="connsiteY13" fmla="*/ 1854558 h 3451538"/>
+                <a:gd name="connsiteX14" fmla="*/ 489397 w 2562895"/>
+                <a:gd name="connsiteY14" fmla="*/ 1777285 h 3451538"/>
+                <a:gd name="connsiteX0" fmla="*/ 489397 w 2562895"/>
+                <a:gd name="connsiteY0" fmla="*/ 1777285 h 3451538"/>
+                <a:gd name="connsiteX1" fmla="*/ 1068946 w 2562895"/>
+                <a:gd name="connsiteY1" fmla="*/ 3451538 h 3451538"/>
+                <a:gd name="connsiteX2" fmla="*/ 1416675 w 2562895"/>
+                <a:gd name="connsiteY2" fmla="*/ 3425781 h 3451538"/>
+                <a:gd name="connsiteX3" fmla="*/ 1700011 w 2562895"/>
+                <a:gd name="connsiteY3" fmla="*/ 3065172 h 3451538"/>
+                <a:gd name="connsiteX4" fmla="*/ 1803042 w 2562895"/>
+                <a:gd name="connsiteY4" fmla="*/ 3361386 h 3451538"/>
+                <a:gd name="connsiteX5" fmla="*/ 2343955 w 2562895"/>
+                <a:gd name="connsiteY5" fmla="*/ 2910626 h 3451538"/>
+                <a:gd name="connsiteX6" fmla="*/ 2562895 w 2562895"/>
+                <a:gd name="connsiteY6" fmla="*/ 1622738 h 3451538"/>
+                <a:gd name="connsiteX7" fmla="*/ 2472743 w 2562895"/>
+                <a:gd name="connsiteY7" fmla="*/ 296214 h 3451538"/>
+                <a:gd name="connsiteX8" fmla="*/ 1468191 w 2562895"/>
+                <a:gd name="connsiteY8" fmla="*/ 0 h 3451538"/>
+                <a:gd name="connsiteX9" fmla="*/ 631064 w 2562895"/>
+                <a:gd name="connsiteY9" fmla="*/ 180305 h 3451538"/>
+                <a:gd name="connsiteX10" fmla="*/ 154546 w 2562895"/>
+                <a:gd name="connsiteY10" fmla="*/ 502276 h 3451538"/>
+                <a:gd name="connsiteX11" fmla="*/ 51515 w 2562895"/>
+                <a:gd name="connsiteY11" fmla="*/ 682581 h 3451538"/>
+                <a:gd name="connsiteX12" fmla="*/ 0 w 2562895"/>
+                <a:gd name="connsiteY12" fmla="*/ 1275009 h 3451538"/>
+                <a:gd name="connsiteX13" fmla="*/ 321972 w 2562895"/>
+                <a:gd name="connsiteY13" fmla="*/ 1854558 h 3451538"/>
+                <a:gd name="connsiteX14" fmla="*/ 489397 w 2562895"/>
+                <a:gd name="connsiteY14" fmla="*/ 1777285 h 3451538"/>
+                <a:gd name="connsiteX0" fmla="*/ 489397 w 2562895"/>
+                <a:gd name="connsiteY0" fmla="*/ 1777285 h 3451538"/>
+                <a:gd name="connsiteX1" fmla="*/ 1068946 w 2562895"/>
+                <a:gd name="connsiteY1" fmla="*/ 3451538 h 3451538"/>
+                <a:gd name="connsiteX2" fmla="*/ 1416675 w 2562895"/>
+                <a:gd name="connsiteY2" fmla="*/ 3425781 h 3451538"/>
+                <a:gd name="connsiteX3" fmla="*/ 1700011 w 2562895"/>
+                <a:gd name="connsiteY3" fmla="*/ 3065172 h 3451538"/>
+                <a:gd name="connsiteX4" fmla="*/ 2021983 w 2562895"/>
+                <a:gd name="connsiteY4" fmla="*/ 3013657 h 3451538"/>
+                <a:gd name="connsiteX5" fmla="*/ 2343955 w 2562895"/>
+                <a:gd name="connsiteY5" fmla="*/ 2910626 h 3451538"/>
+                <a:gd name="connsiteX6" fmla="*/ 2562895 w 2562895"/>
+                <a:gd name="connsiteY6" fmla="*/ 1622738 h 3451538"/>
+                <a:gd name="connsiteX7" fmla="*/ 2472743 w 2562895"/>
+                <a:gd name="connsiteY7" fmla="*/ 296214 h 3451538"/>
+                <a:gd name="connsiteX8" fmla="*/ 1468191 w 2562895"/>
+                <a:gd name="connsiteY8" fmla="*/ 0 h 3451538"/>
+                <a:gd name="connsiteX9" fmla="*/ 631064 w 2562895"/>
+                <a:gd name="connsiteY9" fmla="*/ 180305 h 3451538"/>
+                <a:gd name="connsiteX10" fmla="*/ 154546 w 2562895"/>
+                <a:gd name="connsiteY10" fmla="*/ 502276 h 3451538"/>
+                <a:gd name="connsiteX11" fmla="*/ 51515 w 2562895"/>
+                <a:gd name="connsiteY11" fmla="*/ 682581 h 3451538"/>
+                <a:gd name="connsiteX12" fmla="*/ 0 w 2562895"/>
+                <a:gd name="connsiteY12" fmla="*/ 1275009 h 3451538"/>
+                <a:gd name="connsiteX13" fmla="*/ 321972 w 2562895"/>
+                <a:gd name="connsiteY13" fmla="*/ 1854558 h 3451538"/>
+                <a:gd name="connsiteX14" fmla="*/ 489397 w 2562895"/>
+                <a:gd name="connsiteY14" fmla="*/ 1777285 h 3451538"/>
+                <a:gd name="connsiteX0" fmla="*/ 489397 w 2562895"/>
+                <a:gd name="connsiteY0" fmla="*/ 1777285 h 3451538"/>
+                <a:gd name="connsiteX1" fmla="*/ 1068946 w 2562895"/>
+                <a:gd name="connsiteY1" fmla="*/ 3451538 h 3451538"/>
+                <a:gd name="connsiteX2" fmla="*/ 1532585 w 2562895"/>
+                <a:gd name="connsiteY2" fmla="*/ 3348508 h 3451538"/>
+                <a:gd name="connsiteX3" fmla="*/ 1700011 w 2562895"/>
+                <a:gd name="connsiteY3" fmla="*/ 3065172 h 3451538"/>
+                <a:gd name="connsiteX4" fmla="*/ 2021983 w 2562895"/>
+                <a:gd name="connsiteY4" fmla="*/ 3013657 h 3451538"/>
+                <a:gd name="connsiteX5" fmla="*/ 2343955 w 2562895"/>
+                <a:gd name="connsiteY5" fmla="*/ 2910626 h 3451538"/>
+                <a:gd name="connsiteX6" fmla="*/ 2562895 w 2562895"/>
+                <a:gd name="connsiteY6" fmla="*/ 1622738 h 3451538"/>
+                <a:gd name="connsiteX7" fmla="*/ 2472743 w 2562895"/>
+                <a:gd name="connsiteY7" fmla="*/ 296214 h 3451538"/>
+                <a:gd name="connsiteX8" fmla="*/ 1468191 w 2562895"/>
+                <a:gd name="connsiteY8" fmla="*/ 0 h 3451538"/>
+                <a:gd name="connsiteX9" fmla="*/ 631064 w 2562895"/>
+                <a:gd name="connsiteY9" fmla="*/ 180305 h 3451538"/>
+                <a:gd name="connsiteX10" fmla="*/ 154546 w 2562895"/>
+                <a:gd name="connsiteY10" fmla="*/ 502276 h 3451538"/>
+                <a:gd name="connsiteX11" fmla="*/ 51515 w 2562895"/>
+                <a:gd name="connsiteY11" fmla="*/ 682581 h 3451538"/>
+                <a:gd name="connsiteX12" fmla="*/ 0 w 2562895"/>
+                <a:gd name="connsiteY12" fmla="*/ 1275009 h 3451538"/>
+                <a:gd name="connsiteX13" fmla="*/ 321972 w 2562895"/>
+                <a:gd name="connsiteY13" fmla="*/ 1854558 h 3451538"/>
+                <a:gd name="connsiteX14" fmla="*/ 489397 w 2562895"/>
+                <a:gd name="connsiteY14" fmla="*/ 1777285 h 3451538"/>
+                <a:gd name="connsiteX0" fmla="*/ 489397 w 2562895"/>
+                <a:gd name="connsiteY0" fmla="*/ 1777285 h 3451538"/>
+                <a:gd name="connsiteX1" fmla="*/ 1068946 w 2562895"/>
+                <a:gd name="connsiteY1" fmla="*/ 3451538 h 3451538"/>
+                <a:gd name="connsiteX2" fmla="*/ 1532585 w 2562895"/>
+                <a:gd name="connsiteY2" fmla="*/ 3348508 h 3451538"/>
+                <a:gd name="connsiteX3" fmla="*/ 1790163 w 2562895"/>
+                <a:gd name="connsiteY3" fmla="*/ 3026536 h 3451538"/>
+                <a:gd name="connsiteX4" fmla="*/ 2021983 w 2562895"/>
+                <a:gd name="connsiteY4" fmla="*/ 3013657 h 3451538"/>
+                <a:gd name="connsiteX5" fmla="*/ 2343955 w 2562895"/>
+                <a:gd name="connsiteY5" fmla="*/ 2910626 h 3451538"/>
+                <a:gd name="connsiteX6" fmla="*/ 2562895 w 2562895"/>
+                <a:gd name="connsiteY6" fmla="*/ 1622738 h 3451538"/>
+                <a:gd name="connsiteX7" fmla="*/ 2472743 w 2562895"/>
+                <a:gd name="connsiteY7" fmla="*/ 296214 h 3451538"/>
+                <a:gd name="connsiteX8" fmla="*/ 1468191 w 2562895"/>
+                <a:gd name="connsiteY8" fmla="*/ 0 h 3451538"/>
+                <a:gd name="connsiteX9" fmla="*/ 631064 w 2562895"/>
+                <a:gd name="connsiteY9" fmla="*/ 180305 h 3451538"/>
+                <a:gd name="connsiteX10" fmla="*/ 154546 w 2562895"/>
+                <a:gd name="connsiteY10" fmla="*/ 502276 h 3451538"/>
+                <a:gd name="connsiteX11" fmla="*/ 51515 w 2562895"/>
+                <a:gd name="connsiteY11" fmla="*/ 682581 h 3451538"/>
+                <a:gd name="connsiteX12" fmla="*/ 0 w 2562895"/>
+                <a:gd name="connsiteY12" fmla="*/ 1275009 h 3451538"/>
+                <a:gd name="connsiteX13" fmla="*/ 321972 w 2562895"/>
+                <a:gd name="connsiteY13" fmla="*/ 1854558 h 3451538"/>
+                <a:gd name="connsiteX14" fmla="*/ 489397 w 2562895"/>
+                <a:gd name="connsiteY14" fmla="*/ 1777285 h 3451538"/>
+                <a:gd name="connsiteX0" fmla="*/ 489397 w 2562895"/>
+                <a:gd name="connsiteY0" fmla="*/ 1596980 h 3271233"/>
+                <a:gd name="connsiteX1" fmla="*/ 1068946 w 2562895"/>
+                <a:gd name="connsiteY1" fmla="*/ 3271233 h 3271233"/>
+                <a:gd name="connsiteX2" fmla="*/ 1532585 w 2562895"/>
+                <a:gd name="connsiteY2" fmla="*/ 3168203 h 3271233"/>
+                <a:gd name="connsiteX3" fmla="*/ 1790163 w 2562895"/>
+                <a:gd name="connsiteY3" fmla="*/ 2846231 h 3271233"/>
+                <a:gd name="connsiteX4" fmla="*/ 2021983 w 2562895"/>
+                <a:gd name="connsiteY4" fmla="*/ 2833352 h 3271233"/>
+                <a:gd name="connsiteX5" fmla="*/ 2343955 w 2562895"/>
+                <a:gd name="connsiteY5" fmla="*/ 2730321 h 3271233"/>
+                <a:gd name="connsiteX6" fmla="*/ 2562895 w 2562895"/>
+                <a:gd name="connsiteY6" fmla="*/ 1442433 h 3271233"/>
+                <a:gd name="connsiteX7" fmla="*/ 2472743 w 2562895"/>
+                <a:gd name="connsiteY7" fmla="*/ 115909 h 3271233"/>
+                <a:gd name="connsiteX8" fmla="*/ 1481070 w 2562895"/>
+                <a:gd name="connsiteY8" fmla="*/ 489396 h 3271233"/>
+                <a:gd name="connsiteX9" fmla="*/ 631064 w 2562895"/>
+                <a:gd name="connsiteY9" fmla="*/ 0 h 3271233"/>
+                <a:gd name="connsiteX10" fmla="*/ 154546 w 2562895"/>
+                <a:gd name="connsiteY10" fmla="*/ 321971 h 3271233"/>
+                <a:gd name="connsiteX11" fmla="*/ 51515 w 2562895"/>
+                <a:gd name="connsiteY11" fmla="*/ 502276 h 3271233"/>
+                <a:gd name="connsiteX12" fmla="*/ 0 w 2562895"/>
+                <a:gd name="connsiteY12" fmla="*/ 1094704 h 3271233"/>
+                <a:gd name="connsiteX13" fmla="*/ 321972 w 2562895"/>
+                <a:gd name="connsiteY13" fmla="*/ 1674253 h 3271233"/>
+                <a:gd name="connsiteX14" fmla="*/ 489397 w 2562895"/>
+                <a:gd name="connsiteY14" fmla="*/ 1596980 h 3271233"/>
+                <a:gd name="connsiteX0" fmla="*/ 489397 w 2562895"/>
+                <a:gd name="connsiteY0" fmla="*/ 1751528 h 3425781"/>
+                <a:gd name="connsiteX1" fmla="*/ 1068946 w 2562895"/>
+                <a:gd name="connsiteY1" fmla="*/ 3425781 h 3425781"/>
+                <a:gd name="connsiteX2" fmla="*/ 1532585 w 2562895"/>
+                <a:gd name="connsiteY2" fmla="*/ 3322751 h 3425781"/>
+                <a:gd name="connsiteX3" fmla="*/ 1790163 w 2562895"/>
+                <a:gd name="connsiteY3" fmla="*/ 3000779 h 3425781"/>
+                <a:gd name="connsiteX4" fmla="*/ 2021983 w 2562895"/>
+                <a:gd name="connsiteY4" fmla="*/ 2987900 h 3425781"/>
+                <a:gd name="connsiteX5" fmla="*/ 2343955 w 2562895"/>
+                <a:gd name="connsiteY5" fmla="*/ 2884869 h 3425781"/>
+                <a:gd name="connsiteX6" fmla="*/ 2562895 w 2562895"/>
+                <a:gd name="connsiteY6" fmla="*/ 1596981 h 3425781"/>
+                <a:gd name="connsiteX7" fmla="*/ 2472743 w 2562895"/>
+                <a:gd name="connsiteY7" fmla="*/ 270457 h 3425781"/>
+                <a:gd name="connsiteX8" fmla="*/ 1468191 w 2562895"/>
+                <a:gd name="connsiteY8" fmla="*/ 0 h 3425781"/>
+                <a:gd name="connsiteX9" fmla="*/ 631064 w 2562895"/>
+                <a:gd name="connsiteY9" fmla="*/ 154548 h 3425781"/>
+                <a:gd name="connsiteX10" fmla="*/ 154546 w 2562895"/>
+                <a:gd name="connsiteY10" fmla="*/ 476519 h 3425781"/>
+                <a:gd name="connsiteX11" fmla="*/ 51515 w 2562895"/>
+                <a:gd name="connsiteY11" fmla="*/ 656824 h 3425781"/>
+                <a:gd name="connsiteX12" fmla="*/ 0 w 2562895"/>
+                <a:gd name="connsiteY12" fmla="*/ 1249252 h 3425781"/>
+                <a:gd name="connsiteX13" fmla="*/ 321972 w 2562895"/>
+                <a:gd name="connsiteY13" fmla="*/ 1828801 h 3425781"/>
+                <a:gd name="connsiteX14" fmla="*/ 489397 w 2562895"/>
+                <a:gd name="connsiteY14" fmla="*/ 1751528 h 3425781"/>
+              </a:gdLst>
+              <a:ahLst/>
+              <a:cxnLst>
+                <a:cxn ang="0">
+                  <a:pos x="connsiteX0" y="connsiteY0"/>
+                </a:cxn>
+                <a:cxn ang="0">
+                  <a:pos x="connsiteX1" y="connsiteY1"/>
+                </a:cxn>
+                <a:cxn ang="0">
+                  <a:pos x="connsiteX2" y="connsiteY2"/>
+                </a:cxn>
+                <a:cxn ang="0">
+                  <a:pos x="connsiteX3" y="connsiteY3"/>
+                </a:cxn>
+                <a:cxn ang="0">
+                  <a:pos x="connsiteX4" y="connsiteY4"/>
+                </a:cxn>
+                <a:cxn ang="0">
+                  <a:pos x="connsiteX5" y="connsiteY5"/>
+                </a:cxn>
+                <a:cxn ang="0">
+                  <a:pos x="connsiteX6" y="connsiteY6"/>
+                </a:cxn>
+                <a:cxn ang="0">
+                  <a:pos x="connsiteX7" y="connsiteY7"/>
+                </a:cxn>
+                <a:cxn ang="0">
+                  <a:pos x="connsiteX8" y="connsiteY8"/>
+                </a:cxn>
+                <a:cxn ang="0">
+                  <a:pos x="connsiteX9" y="connsiteY9"/>
+                </a:cxn>
+                <a:cxn ang="0">
+                  <a:pos x="connsiteX10" y="connsiteY10"/>
+                </a:cxn>
+                <a:cxn ang="0">
+                  <a:pos x="connsiteX11" y="connsiteY11"/>
+                </a:cxn>
+                <a:cxn ang="0">
+                  <a:pos x="connsiteX12" y="connsiteY12"/>
+                </a:cxn>
+                <a:cxn ang="0">
+                  <a:pos x="connsiteX13" y="connsiteY13"/>
+                </a:cxn>
+                <a:cxn ang="0">
+                  <a:pos x="connsiteX14" y="connsiteY14"/>
+                </a:cxn>
+              </a:cxnLst>
+              <a:rect l="l" t="t" r="r" b="b"/>
+              <a:pathLst>
+                <a:path w="2562895" h="3425781">
+                  <a:moveTo>
+                    <a:pt x="489397" y="1751528"/>
+                  </a:moveTo>
+                  <a:lnTo>
+                    <a:pt x="1068946" y="3425781"/>
+                  </a:lnTo>
+                  <a:lnTo>
+                    <a:pt x="1532585" y="3322751"/>
+                  </a:lnTo>
+                  <a:lnTo>
+                    <a:pt x="1790163" y="3000779"/>
+                  </a:lnTo>
+                  <a:lnTo>
+                    <a:pt x="2021983" y="2987900"/>
+                  </a:lnTo>
+                  <a:lnTo>
+                    <a:pt x="2343955" y="2884869"/>
+                  </a:lnTo>
+                  <a:lnTo>
+                    <a:pt x="2562895" y="1596981"/>
+                  </a:lnTo>
+                  <a:lnTo>
+                    <a:pt x="2472743" y="270457"/>
+                  </a:lnTo>
+                  <a:lnTo>
+                    <a:pt x="1468191" y="0"/>
+                  </a:lnTo>
+                  <a:lnTo>
+                    <a:pt x="631064" y="154548"/>
+                  </a:lnTo>
+                  <a:lnTo>
+                    <a:pt x="154546" y="476519"/>
+                  </a:lnTo>
+                  <a:lnTo>
+                    <a:pt x="51515" y="656824"/>
+                  </a:lnTo>
+                  <a:lnTo>
+                    <a:pt x="0" y="1249252"/>
+                  </a:lnTo>
+                  <a:lnTo>
+                    <a:pt x="321972" y="1828801"/>
+                  </a:lnTo>
+                  <a:lnTo>
+                    <a:pt x="489397" y="1751528"/>
+                  </a:lnTo>
+                  <a:close/>
+                </a:path>
+              </a:pathLst>
+            </a:custGeom>
+            <a:solidFill>
+              <a:schemeClr val="accent4">
+                <a:lumMod val="40000"/>
+                <a:lumOff val="60000"/>
+              </a:schemeClr>
+            </a:solidFill>
+          </p:spPr>
+          <p:style>
+            <a:lnRef idx="2">
+              <a:schemeClr val="accent1">
+                <a:shade val="50000"/>
+              </a:schemeClr>
+            </a:lnRef>
+            <a:fillRef idx="1">
+              <a:schemeClr val="accent1"/>
+            </a:fillRef>
+            <a:effectRef idx="0">
+              <a:schemeClr val="accent1"/>
+            </a:effectRef>
+            <a:fontRef idx="minor">
+              <a:schemeClr val="lt1"/>
+            </a:fontRef>
+          </p:style>
+          <p:txBody>
+            <a:bodyPr rtlCol="0" anchor="ctr"/>
+            <a:lstStyle/>
+            <a:p>
+              <a:pPr algn="ctr"/>
+              <a:endParaRPr lang="ko-KR" altLang="en-US" dirty="0">
+                <a:solidFill>
+                  <a:schemeClr val="tx1"/>
+                </a:solidFill>
+              </a:endParaRPr>
+            </a:p>
+          </p:txBody>
+        </p:sp>
+        <p:sp>
+          <p:nvSpPr>
+            <p:cNvPr id="6" name="자유형: 도형 5">
+              <a:extLst>
+                <a:ext uri="{FF2B5EF4-FFF2-40B4-BE49-F238E27FC236}">
+                  <a16:creationId xmlns:a16="http://schemas.microsoft.com/office/drawing/2014/main" id="{5E437EAE-2ECB-460D-B2CD-14CBF2CC6FEE}"/>
+                </a:ext>
+              </a:extLst>
+            </p:cNvPr>
+            <p:cNvSpPr/>
+            <p:nvPr/>
+          </p:nvSpPr>
+          <p:spPr>
+            <a:xfrm>
+              <a:off x="528034" y="3554569"/>
+              <a:ext cx="1584101" cy="2949262"/>
+            </a:xfrm>
+            <a:custGeom>
+              <a:avLst/>
+              <a:gdLst>
+                <a:gd name="connsiteX0" fmla="*/ 141667 w 1584101"/>
+                <a:gd name="connsiteY0" fmla="*/ 0 h 2949262"/>
+                <a:gd name="connsiteX1" fmla="*/ 1171977 w 1584101"/>
+                <a:gd name="connsiteY1" fmla="*/ 914400 h 2949262"/>
+                <a:gd name="connsiteX2" fmla="*/ 1584101 w 1584101"/>
+                <a:gd name="connsiteY2" fmla="*/ 2794716 h 2949262"/>
+                <a:gd name="connsiteX3" fmla="*/ 1068946 w 1584101"/>
+                <a:gd name="connsiteY3" fmla="*/ 2949262 h 2949262"/>
+                <a:gd name="connsiteX4" fmla="*/ 489397 w 1584101"/>
+                <a:gd name="connsiteY4" fmla="*/ 1262130 h 2949262"/>
+                <a:gd name="connsiteX5" fmla="*/ 334851 w 1584101"/>
+                <a:gd name="connsiteY5" fmla="*/ 1326524 h 2949262"/>
+                <a:gd name="connsiteX6" fmla="*/ 0 w 1584101"/>
+                <a:gd name="connsiteY6" fmla="*/ 746975 h 2949262"/>
+                <a:gd name="connsiteX7" fmla="*/ 77273 w 1584101"/>
+                <a:gd name="connsiteY7" fmla="*/ 128789 h 2949262"/>
+                <a:gd name="connsiteX8" fmla="*/ 141667 w 1584101"/>
+                <a:gd name="connsiteY8" fmla="*/ 0 h 2949262"/>
+                <a:gd name="connsiteX0" fmla="*/ 141667 w 1584101"/>
+                <a:gd name="connsiteY0" fmla="*/ 0 h 2949262"/>
+                <a:gd name="connsiteX1" fmla="*/ 1043188 w 1584101"/>
+                <a:gd name="connsiteY1" fmla="*/ 528034 h 2949262"/>
+                <a:gd name="connsiteX2" fmla="*/ 1584101 w 1584101"/>
+                <a:gd name="connsiteY2" fmla="*/ 2794716 h 2949262"/>
+                <a:gd name="connsiteX3" fmla="*/ 1068946 w 1584101"/>
+                <a:gd name="connsiteY3" fmla="*/ 2949262 h 2949262"/>
+                <a:gd name="connsiteX4" fmla="*/ 489397 w 1584101"/>
+                <a:gd name="connsiteY4" fmla="*/ 1262130 h 2949262"/>
+                <a:gd name="connsiteX5" fmla="*/ 334851 w 1584101"/>
+                <a:gd name="connsiteY5" fmla="*/ 1326524 h 2949262"/>
+                <a:gd name="connsiteX6" fmla="*/ 0 w 1584101"/>
+                <a:gd name="connsiteY6" fmla="*/ 746975 h 2949262"/>
+                <a:gd name="connsiteX7" fmla="*/ 77273 w 1584101"/>
+                <a:gd name="connsiteY7" fmla="*/ 128789 h 2949262"/>
+                <a:gd name="connsiteX8" fmla="*/ 141667 w 1584101"/>
+                <a:gd name="connsiteY8" fmla="*/ 0 h 2949262"/>
+                <a:gd name="connsiteX0" fmla="*/ 141667 w 1584101"/>
+                <a:gd name="connsiteY0" fmla="*/ 0 h 2949262"/>
+                <a:gd name="connsiteX1" fmla="*/ 1043188 w 1584101"/>
+                <a:gd name="connsiteY1" fmla="*/ 528034 h 2949262"/>
+                <a:gd name="connsiteX2" fmla="*/ 1236372 w 1584101"/>
+                <a:gd name="connsiteY2" fmla="*/ 1365161 h 2949262"/>
+                <a:gd name="connsiteX3" fmla="*/ 1584101 w 1584101"/>
+                <a:gd name="connsiteY3" fmla="*/ 2794716 h 2949262"/>
+                <a:gd name="connsiteX4" fmla="*/ 1068946 w 1584101"/>
+                <a:gd name="connsiteY4" fmla="*/ 2949262 h 2949262"/>
+                <a:gd name="connsiteX5" fmla="*/ 489397 w 1584101"/>
+                <a:gd name="connsiteY5" fmla="*/ 1262130 h 2949262"/>
+                <a:gd name="connsiteX6" fmla="*/ 334851 w 1584101"/>
+                <a:gd name="connsiteY6" fmla="*/ 1326524 h 2949262"/>
+                <a:gd name="connsiteX7" fmla="*/ 0 w 1584101"/>
+                <a:gd name="connsiteY7" fmla="*/ 746975 h 2949262"/>
+                <a:gd name="connsiteX8" fmla="*/ 77273 w 1584101"/>
+                <a:gd name="connsiteY8" fmla="*/ 128789 h 2949262"/>
+                <a:gd name="connsiteX9" fmla="*/ 141667 w 1584101"/>
+                <a:gd name="connsiteY9" fmla="*/ 0 h 2949262"/>
+                <a:gd name="connsiteX0" fmla="*/ 141667 w 1584101"/>
+                <a:gd name="connsiteY0" fmla="*/ 0 h 2949262"/>
+                <a:gd name="connsiteX1" fmla="*/ 1043188 w 1584101"/>
+                <a:gd name="connsiteY1" fmla="*/ 528034 h 2949262"/>
+                <a:gd name="connsiteX2" fmla="*/ 1481070 w 1584101"/>
+                <a:gd name="connsiteY2" fmla="*/ 1584102 h 2949262"/>
+                <a:gd name="connsiteX3" fmla="*/ 1584101 w 1584101"/>
+                <a:gd name="connsiteY3" fmla="*/ 2794716 h 2949262"/>
+                <a:gd name="connsiteX4" fmla="*/ 1068946 w 1584101"/>
+                <a:gd name="connsiteY4" fmla="*/ 2949262 h 2949262"/>
+                <a:gd name="connsiteX5" fmla="*/ 489397 w 1584101"/>
+                <a:gd name="connsiteY5" fmla="*/ 1262130 h 2949262"/>
+                <a:gd name="connsiteX6" fmla="*/ 334851 w 1584101"/>
+                <a:gd name="connsiteY6" fmla="*/ 1326524 h 2949262"/>
+                <a:gd name="connsiteX7" fmla="*/ 0 w 1584101"/>
+                <a:gd name="connsiteY7" fmla="*/ 746975 h 2949262"/>
+                <a:gd name="connsiteX8" fmla="*/ 77273 w 1584101"/>
+                <a:gd name="connsiteY8" fmla="*/ 128789 h 2949262"/>
+                <a:gd name="connsiteX9" fmla="*/ 141667 w 1584101"/>
+                <a:gd name="connsiteY9" fmla="*/ 0 h 2949262"/>
+                <a:gd name="connsiteX0" fmla="*/ 141667 w 1584101"/>
+                <a:gd name="connsiteY0" fmla="*/ 0 h 2949262"/>
+                <a:gd name="connsiteX1" fmla="*/ 1043188 w 1584101"/>
+                <a:gd name="connsiteY1" fmla="*/ 528034 h 2949262"/>
+                <a:gd name="connsiteX2" fmla="*/ 1481070 w 1584101"/>
+                <a:gd name="connsiteY2" fmla="*/ 1584102 h 2949262"/>
+                <a:gd name="connsiteX3" fmla="*/ 1584101 w 1584101"/>
+                <a:gd name="connsiteY3" fmla="*/ 2794716 h 2949262"/>
+                <a:gd name="connsiteX4" fmla="*/ 1068946 w 1584101"/>
+                <a:gd name="connsiteY4" fmla="*/ 2949262 h 2949262"/>
+                <a:gd name="connsiteX5" fmla="*/ 489397 w 1584101"/>
+                <a:gd name="connsiteY5" fmla="*/ 1262130 h 2949262"/>
+                <a:gd name="connsiteX6" fmla="*/ 334851 w 1584101"/>
+                <a:gd name="connsiteY6" fmla="*/ 1326524 h 2949262"/>
+                <a:gd name="connsiteX7" fmla="*/ 0 w 1584101"/>
+                <a:gd name="connsiteY7" fmla="*/ 746975 h 2949262"/>
+                <a:gd name="connsiteX8" fmla="*/ 77273 w 1584101"/>
+                <a:gd name="connsiteY8" fmla="*/ 128789 h 2949262"/>
+                <a:gd name="connsiteX9" fmla="*/ 141667 w 1584101"/>
+                <a:gd name="connsiteY9" fmla="*/ 0 h 2949262"/>
+                <a:gd name="connsiteX0" fmla="*/ 141667 w 1584101"/>
+                <a:gd name="connsiteY0" fmla="*/ 0 h 2949262"/>
+                <a:gd name="connsiteX1" fmla="*/ 1043188 w 1584101"/>
+                <a:gd name="connsiteY1" fmla="*/ 528034 h 2949262"/>
+                <a:gd name="connsiteX2" fmla="*/ 1481070 w 1584101"/>
+                <a:gd name="connsiteY2" fmla="*/ 1584102 h 2949262"/>
+                <a:gd name="connsiteX3" fmla="*/ 1584101 w 1584101"/>
+                <a:gd name="connsiteY3" fmla="*/ 2794716 h 2949262"/>
+                <a:gd name="connsiteX4" fmla="*/ 1068946 w 1584101"/>
+                <a:gd name="connsiteY4" fmla="*/ 2949262 h 2949262"/>
+                <a:gd name="connsiteX5" fmla="*/ 489397 w 1584101"/>
+                <a:gd name="connsiteY5" fmla="*/ 1262130 h 2949262"/>
+                <a:gd name="connsiteX6" fmla="*/ 334851 w 1584101"/>
+                <a:gd name="connsiteY6" fmla="*/ 1326524 h 2949262"/>
+                <a:gd name="connsiteX7" fmla="*/ 0 w 1584101"/>
+                <a:gd name="connsiteY7" fmla="*/ 746975 h 2949262"/>
+                <a:gd name="connsiteX8" fmla="*/ 77273 w 1584101"/>
+                <a:gd name="connsiteY8" fmla="*/ 128789 h 2949262"/>
+                <a:gd name="connsiteX9" fmla="*/ 141667 w 1584101"/>
+                <a:gd name="connsiteY9" fmla="*/ 0 h 2949262"/>
+                <a:gd name="connsiteX0" fmla="*/ 141667 w 1584101"/>
+                <a:gd name="connsiteY0" fmla="*/ 0 h 2949262"/>
+                <a:gd name="connsiteX1" fmla="*/ 579549 w 1584101"/>
+                <a:gd name="connsiteY1" fmla="*/ 270456 h 2949262"/>
+                <a:gd name="connsiteX2" fmla="*/ 1043188 w 1584101"/>
+                <a:gd name="connsiteY2" fmla="*/ 528034 h 2949262"/>
+                <a:gd name="connsiteX3" fmla="*/ 1481070 w 1584101"/>
+                <a:gd name="connsiteY3" fmla="*/ 1584102 h 2949262"/>
+                <a:gd name="connsiteX4" fmla="*/ 1584101 w 1584101"/>
+                <a:gd name="connsiteY4" fmla="*/ 2794716 h 2949262"/>
+                <a:gd name="connsiteX5" fmla="*/ 1068946 w 1584101"/>
+                <a:gd name="connsiteY5" fmla="*/ 2949262 h 2949262"/>
+                <a:gd name="connsiteX6" fmla="*/ 489397 w 1584101"/>
+                <a:gd name="connsiteY6" fmla="*/ 1262130 h 2949262"/>
+                <a:gd name="connsiteX7" fmla="*/ 334851 w 1584101"/>
+                <a:gd name="connsiteY7" fmla="*/ 1326524 h 2949262"/>
+                <a:gd name="connsiteX8" fmla="*/ 0 w 1584101"/>
+                <a:gd name="connsiteY8" fmla="*/ 746975 h 2949262"/>
+                <a:gd name="connsiteX9" fmla="*/ 77273 w 1584101"/>
+                <a:gd name="connsiteY9" fmla="*/ 128789 h 2949262"/>
+                <a:gd name="connsiteX10" fmla="*/ 141667 w 1584101"/>
+                <a:gd name="connsiteY10" fmla="*/ 0 h 2949262"/>
+                <a:gd name="connsiteX0" fmla="*/ 141667 w 1584101"/>
+                <a:gd name="connsiteY0" fmla="*/ 0 h 2949262"/>
+                <a:gd name="connsiteX1" fmla="*/ 437882 w 1584101"/>
+                <a:gd name="connsiteY1" fmla="*/ 425002 h 2949262"/>
+                <a:gd name="connsiteX2" fmla="*/ 1043188 w 1584101"/>
+                <a:gd name="connsiteY2" fmla="*/ 528034 h 2949262"/>
+                <a:gd name="connsiteX3" fmla="*/ 1481070 w 1584101"/>
+                <a:gd name="connsiteY3" fmla="*/ 1584102 h 2949262"/>
+                <a:gd name="connsiteX4" fmla="*/ 1584101 w 1584101"/>
+                <a:gd name="connsiteY4" fmla="*/ 2794716 h 2949262"/>
+                <a:gd name="connsiteX5" fmla="*/ 1068946 w 1584101"/>
+                <a:gd name="connsiteY5" fmla="*/ 2949262 h 2949262"/>
+                <a:gd name="connsiteX6" fmla="*/ 489397 w 1584101"/>
+                <a:gd name="connsiteY6" fmla="*/ 1262130 h 2949262"/>
+                <a:gd name="connsiteX7" fmla="*/ 334851 w 1584101"/>
+                <a:gd name="connsiteY7" fmla="*/ 1326524 h 2949262"/>
+                <a:gd name="connsiteX8" fmla="*/ 0 w 1584101"/>
+                <a:gd name="connsiteY8" fmla="*/ 746975 h 2949262"/>
+                <a:gd name="connsiteX9" fmla="*/ 77273 w 1584101"/>
+                <a:gd name="connsiteY9" fmla="*/ 128789 h 2949262"/>
+                <a:gd name="connsiteX10" fmla="*/ 141667 w 1584101"/>
+                <a:gd name="connsiteY10" fmla="*/ 0 h 2949262"/>
+                <a:gd name="connsiteX0" fmla="*/ 141667 w 1584101"/>
+                <a:gd name="connsiteY0" fmla="*/ 0 h 2949262"/>
+                <a:gd name="connsiteX1" fmla="*/ 437882 w 1584101"/>
+                <a:gd name="connsiteY1" fmla="*/ 425002 h 2949262"/>
+                <a:gd name="connsiteX2" fmla="*/ 1043188 w 1584101"/>
+                <a:gd name="connsiteY2" fmla="*/ 528034 h 2949262"/>
+                <a:gd name="connsiteX3" fmla="*/ 1352281 w 1584101"/>
+                <a:gd name="connsiteY3" fmla="*/ 1828801 h 2949262"/>
+                <a:gd name="connsiteX4" fmla="*/ 1584101 w 1584101"/>
+                <a:gd name="connsiteY4" fmla="*/ 2794716 h 2949262"/>
+                <a:gd name="connsiteX5" fmla="*/ 1068946 w 1584101"/>
+                <a:gd name="connsiteY5" fmla="*/ 2949262 h 2949262"/>
+                <a:gd name="connsiteX6" fmla="*/ 489397 w 1584101"/>
+                <a:gd name="connsiteY6" fmla="*/ 1262130 h 2949262"/>
+                <a:gd name="connsiteX7" fmla="*/ 334851 w 1584101"/>
+                <a:gd name="connsiteY7" fmla="*/ 1326524 h 2949262"/>
+                <a:gd name="connsiteX8" fmla="*/ 0 w 1584101"/>
+                <a:gd name="connsiteY8" fmla="*/ 746975 h 2949262"/>
+                <a:gd name="connsiteX9" fmla="*/ 77273 w 1584101"/>
+                <a:gd name="connsiteY9" fmla="*/ 128789 h 2949262"/>
+                <a:gd name="connsiteX10" fmla="*/ 141667 w 1584101"/>
+                <a:gd name="connsiteY10" fmla="*/ 0 h 2949262"/>
+              </a:gdLst>
+              <a:ahLst/>
+              <a:cxnLst>
+                <a:cxn ang="0">
+                  <a:pos x="connsiteX0" y="connsiteY0"/>
+                </a:cxn>
+                <a:cxn ang="0">
+                  <a:pos x="connsiteX1" y="connsiteY1"/>
+                </a:cxn>
+                <a:cxn ang="0">
+                  <a:pos x="connsiteX2" y="connsiteY2"/>
+                </a:cxn>
+                <a:cxn ang="0">
+                  <a:pos x="connsiteX3" y="connsiteY3"/>
+                </a:cxn>
+                <a:cxn ang="0">
+                  <a:pos x="connsiteX4" y="connsiteY4"/>
+                </a:cxn>
+                <a:cxn ang="0">
+                  <a:pos x="connsiteX5" y="connsiteY5"/>
+                </a:cxn>
+                <a:cxn ang="0">
+                  <a:pos x="connsiteX6" y="connsiteY6"/>
+                </a:cxn>
+                <a:cxn ang="0">
+                  <a:pos x="connsiteX7" y="connsiteY7"/>
+                </a:cxn>
+                <a:cxn ang="0">
+                  <a:pos x="connsiteX8" y="connsiteY8"/>
+                </a:cxn>
+                <a:cxn ang="0">
+                  <a:pos x="connsiteX9" y="connsiteY9"/>
+                </a:cxn>
+                <a:cxn ang="0">
+                  <a:pos x="connsiteX10" y="connsiteY10"/>
+                </a:cxn>
+              </a:cxnLst>
+              <a:rect l="l" t="t" r="r" b="b"/>
+              <a:pathLst>
+                <a:path w="1584101" h="2949262">
+                  <a:moveTo>
+                    <a:pt x="141667" y="0"/>
+                  </a:moveTo>
+                  <a:lnTo>
+                    <a:pt x="437882" y="425002"/>
+                  </a:lnTo>
+                  <a:lnTo>
+                    <a:pt x="1043188" y="528034"/>
+                  </a:lnTo>
+                  <a:cubicBezTo>
+                    <a:pt x="1189149" y="880057"/>
+                    <a:pt x="575255" y="1605567"/>
+                    <a:pt x="1352281" y="1828801"/>
+                  </a:cubicBezTo>
+                  <a:cubicBezTo>
+                    <a:pt x="1116169" y="2477037"/>
+                    <a:pt x="1549757" y="2391178"/>
+                    <a:pt x="1584101" y="2794716"/>
+                  </a:cubicBezTo>
+                  <a:lnTo>
+                    <a:pt x="1068946" y="2949262"/>
+                  </a:lnTo>
+                  <a:lnTo>
+                    <a:pt x="489397" y="1262130"/>
+                  </a:lnTo>
+                  <a:lnTo>
+                    <a:pt x="334851" y="1326524"/>
+                  </a:lnTo>
+                  <a:lnTo>
+                    <a:pt x="0" y="746975"/>
+                  </a:lnTo>
+                  <a:lnTo>
+                    <a:pt x="77273" y="128789"/>
+                  </a:lnTo>
+                  <a:lnTo>
+                    <a:pt x="141667" y="0"/>
+                  </a:lnTo>
+                  <a:close/>
+                </a:path>
+              </a:pathLst>
+            </a:custGeom>
+          </p:spPr>
+          <p:style>
+            <a:lnRef idx="2">
+              <a:schemeClr val="accent1">
+                <a:shade val="50000"/>
+              </a:schemeClr>
+            </a:lnRef>
+            <a:fillRef idx="1">
+              <a:schemeClr val="accent1"/>
+            </a:fillRef>
+            <a:effectRef idx="0">
+              <a:schemeClr val="accent1"/>
+            </a:effectRef>
+            <a:fontRef idx="minor">
+              <a:schemeClr val="lt1"/>
+            </a:fontRef>
+          </p:style>
+          <p:txBody>
+            <a:bodyPr rtlCol="0" anchor="ctr"/>
+            <a:lstStyle/>
+            <a:p>
+              <a:pPr algn="ctr"/>
+              <a:endParaRPr lang="ko-KR" altLang="en-US"/>
+            </a:p>
+          </p:txBody>
+        </p:sp>
+        <p:sp>
+          <p:nvSpPr>
+            <p:cNvPr id="7" name="자유형: 도형 6">
+              <a:extLst>
+                <a:ext uri="{FF2B5EF4-FFF2-40B4-BE49-F238E27FC236}">
+                  <a16:creationId xmlns:a16="http://schemas.microsoft.com/office/drawing/2014/main" id="{BA160582-D04E-4B01-BCB3-7E8F5CDFBA86}"/>
+                </a:ext>
+              </a:extLst>
+            </p:cNvPr>
+            <p:cNvSpPr/>
+            <p:nvPr/>
+          </p:nvSpPr>
+          <p:spPr>
+            <a:xfrm>
+              <a:off x="1969811" y="3503426"/>
+              <a:ext cx="811369" cy="1815921"/>
+            </a:xfrm>
+            <a:custGeom>
+              <a:avLst/>
+              <a:gdLst>
+                <a:gd name="connsiteX0" fmla="*/ 0 w 811369"/>
+                <a:gd name="connsiteY0" fmla="*/ 0 h 1815921"/>
+                <a:gd name="connsiteX1" fmla="*/ 90152 w 811369"/>
+                <a:gd name="connsiteY1" fmla="*/ 1210614 h 1815921"/>
+                <a:gd name="connsiteX2" fmla="*/ 450761 w 811369"/>
+                <a:gd name="connsiteY2" fmla="*/ 1815921 h 1815921"/>
+                <a:gd name="connsiteX3" fmla="*/ 811369 w 811369"/>
+                <a:gd name="connsiteY3" fmla="*/ 1107583 h 1815921"/>
+                <a:gd name="connsiteX4" fmla="*/ 476518 w 811369"/>
+                <a:gd name="connsiteY4" fmla="*/ 90152 h 1815921"/>
+                <a:gd name="connsiteX5" fmla="*/ 0 w 811369"/>
+                <a:gd name="connsiteY5" fmla="*/ 0 h 1815921"/>
+              </a:gdLst>
+              <a:ahLst/>
+              <a:cxnLst>
+                <a:cxn ang="0">
+                  <a:pos x="connsiteX0" y="connsiteY0"/>
+                </a:cxn>
+                <a:cxn ang="0">
+                  <a:pos x="connsiteX1" y="connsiteY1"/>
+                </a:cxn>
+                <a:cxn ang="0">
+                  <a:pos x="connsiteX2" y="connsiteY2"/>
+                </a:cxn>
+                <a:cxn ang="0">
+                  <a:pos x="connsiteX3" y="connsiteY3"/>
+                </a:cxn>
+                <a:cxn ang="0">
+                  <a:pos x="connsiteX4" y="connsiteY4"/>
+                </a:cxn>
+                <a:cxn ang="0">
+                  <a:pos x="connsiteX5" y="connsiteY5"/>
+                </a:cxn>
+              </a:cxnLst>
+              <a:rect l="l" t="t" r="r" b="b"/>
+              <a:pathLst>
+                <a:path w="811369" h="1815921">
+                  <a:moveTo>
+                    <a:pt x="0" y="0"/>
+                  </a:moveTo>
+                  <a:lnTo>
+                    <a:pt x="90152" y="1210614"/>
+                  </a:lnTo>
+                  <a:lnTo>
+                    <a:pt x="450761" y="1815921"/>
+                  </a:lnTo>
+                  <a:lnTo>
+                    <a:pt x="811369" y="1107583"/>
+                  </a:lnTo>
+                  <a:lnTo>
+                    <a:pt x="476518" y="90152"/>
+                  </a:lnTo>
+                  <a:lnTo>
+                    <a:pt x="0" y="0"/>
+                  </a:lnTo>
+                  <a:close/>
+                </a:path>
+              </a:pathLst>
+            </a:custGeom>
+            <a:solidFill>
+              <a:schemeClr val="accent6">
+                <a:lumMod val="75000"/>
+              </a:schemeClr>
+            </a:solidFill>
+            <a:ln>
+              <a:noFill/>
+            </a:ln>
+          </p:spPr>
+          <p:style>
+            <a:lnRef idx="2">
+              <a:schemeClr val="accent1">
+                <a:shade val="50000"/>
+              </a:schemeClr>
+            </a:lnRef>
+            <a:fillRef idx="1">
+              <a:schemeClr val="accent1"/>
+            </a:fillRef>
+            <a:effectRef idx="0">
+              <a:schemeClr val="accent1"/>
+            </a:effectRef>
+            <a:fontRef idx="minor">
+              <a:schemeClr val="lt1"/>
+            </a:fontRef>
+          </p:style>
+          <p:txBody>
+            <a:bodyPr rtlCol="0" anchor="ctr"/>
+            <a:lstStyle/>
+            <a:p>
+              <a:pPr algn="ctr"/>
+              <a:endParaRPr lang="ko-KR" altLang="en-US"/>
+            </a:p>
+          </p:txBody>
+        </p:sp>
+        <p:sp>
+          <p:nvSpPr>
+            <p:cNvPr id="8" name="타원 7">
+              <a:extLst>
+                <a:ext uri="{FF2B5EF4-FFF2-40B4-BE49-F238E27FC236}">
+                  <a16:creationId xmlns:a16="http://schemas.microsoft.com/office/drawing/2014/main" id="{EA28E4F8-8260-478F-BE1C-076C97296994}"/>
+                </a:ext>
+              </a:extLst>
+            </p:cNvPr>
+            <p:cNvSpPr/>
+            <p:nvPr/>
+          </p:nvSpPr>
+          <p:spPr>
+            <a:xfrm>
+              <a:off x="2111868" y="3650351"/>
+              <a:ext cx="300982" cy="300982"/>
+            </a:xfrm>
+            <a:prstGeom prst="ellipse">
+              <a:avLst/>
+            </a:prstGeom>
+            <a:solidFill>
+              <a:schemeClr val="accent2">
+                <a:lumMod val="75000"/>
+              </a:schemeClr>
+            </a:solidFill>
+            <a:ln>
+              <a:solidFill>
+                <a:schemeClr val="accent6">
+                  <a:lumMod val="75000"/>
+                </a:schemeClr>
+              </a:solidFill>
+            </a:ln>
+          </p:spPr>
+          <p:style>
+            <a:lnRef idx="2">
+              <a:schemeClr val="accent1">
+                <a:shade val="50000"/>
+              </a:schemeClr>
+            </a:lnRef>
+            <a:fillRef idx="1">
+              <a:schemeClr val="accent1"/>
+            </a:fillRef>
+            <a:effectRef idx="0">
+              <a:schemeClr val="accent1"/>
+            </a:effectRef>
+            <a:fontRef idx="minor">
+              <a:schemeClr val="lt1"/>
+            </a:fontRef>
+          </p:style>
+          <p:txBody>
+            <a:bodyPr rtlCol="0" anchor="ctr"/>
+            <a:lstStyle/>
+            <a:p>
+              <a:pPr algn="ctr"/>
+              <a:endParaRPr lang="ko-KR" altLang="en-US"/>
+            </a:p>
+          </p:txBody>
+        </p:sp>
+        <p:sp>
+          <p:nvSpPr>
+            <p:cNvPr id="9" name="타원 8">
+              <a:extLst>
+                <a:ext uri="{FF2B5EF4-FFF2-40B4-BE49-F238E27FC236}">
+                  <a16:creationId xmlns:a16="http://schemas.microsoft.com/office/drawing/2014/main" id="{44A51E1F-0DCE-434B-9671-D99CA223ACF3}"/>
+                </a:ext>
+              </a:extLst>
+            </p:cNvPr>
+            <p:cNvSpPr/>
+            <p:nvPr/>
+          </p:nvSpPr>
+          <p:spPr>
+            <a:xfrm>
+              <a:off x="2129096" y="4161920"/>
+              <a:ext cx="300982" cy="300982"/>
+            </a:xfrm>
+            <a:prstGeom prst="ellipse">
+              <a:avLst/>
+            </a:prstGeom>
+            <a:solidFill>
+              <a:schemeClr val="accent2">
+                <a:lumMod val="75000"/>
+              </a:schemeClr>
+            </a:solidFill>
+            <a:ln>
+              <a:solidFill>
+                <a:schemeClr val="accent6">
+                  <a:lumMod val="75000"/>
+                </a:schemeClr>
+              </a:solidFill>
+            </a:ln>
+          </p:spPr>
+          <p:style>
+            <a:lnRef idx="2">
+              <a:schemeClr val="accent1">
+                <a:shade val="50000"/>
+              </a:schemeClr>
+            </a:lnRef>
+            <a:fillRef idx="1">
+              <a:schemeClr val="accent1"/>
+            </a:fillRef>
+            <a:effectRef idx="0">
+              <a:schemeClr val="accent1"/>
+            </a:effectRef>
+            <a:fontRef idx="minor">
+              <a:schemeClr val="lt1"/>
+            </a:fontRef>
+          </p:style>
+          <p:txBody>
+            <a:bodyPr rtlCol="0" anchor="ctr"/>
+            <a:lstStyle/>
+            <a:p>
+              <a:pPr algn="ctr"/>
+              <a:endParaRPr lang="ko-KR" altLang="en-US"/>
+            </a:p>
+          </p:txBody>
+        </p:sp>
+        <p:sp>
+          <p:nvSpPr>
+            <p:cNvPr id="10" name="타원 9">
+              <a:extLst>
+                <a:ext uri="{FF2B5EF4-FFF2-40B4-BE49-F238E27FC236}">
+                  <a16:creationId xmlns:a16="http://schemas.microsoft.com/office/drawing/2014/main" id="{8701C5A2-5FCB-4AD2-93C7-41D7FAFABC13}"/>
+                </a:ext>
+              </a:extLst>
+            </p:cNvPr>
+            <p:cNvSpPr/>
+            <p:nvPr/>
+          </p:nvSpPr>
+          <p:spPr>
+            <a:xfrm>
+              <a:off x="2307647" y="4621339"/>
+              <a:ext cx="300982" cy="300982"/>
+            </a:xfrm>
+            <a:prstGeom prst="ellipse">
+              <a:avLst/>
+            </a:prstGeom>
+            <a:solidFill>
+              <a:schemeClr val="accent2">
+                <a:lumMod val="75000"/>
+              </a:schemeClr>
+            </a:solidFill>
+            <a:ln>
+              <a:solidFill>
+                <a:schemeClr val="accent6">
+                  <a:lumMod val="75000"/>
+                </a:schemeClr>
+              </a:solidFill>
+            </a:ln>
+          </p:spPr>
+          <p:style>
+            <a:lnRef idx="2">
+              <a:schemeClr val="accent1">
+                <a:shade val="50000"/>
+              </a:schemeClr>
+            </a:lnRef>
+            <a:fillRef idx="1">
+              <a:schemeClr val="accent1"/>
+            </a:fillRef>
+            <a:effectRef idx="0">
+              <a:schemeClr val="accent1"/>
+            </a:effectRef>
+            <a:fontRef idx="minor">
+              <a:schemeClr val="lt1"/>
+            </a:fontRef>
+          </p:style>
+          <p:txBody>
+            <a:bodyPr rtlCol="0" anchor="ctr"/>
+            <a:lstStyle/>
+            <a:p>
+              <a:pPr algn="ctr"/>
+              <a:endParaRPr lang="ko-KR" altLang="en-US"/>
+            </a:p>
+          </p:txBody>
+        </p:sp>
+      </p:grpSp>
+      <p:sp>
+        <p:nvSpPr>
+          <p:cNvPr id="11" name="TextBox 10">
+            <a:extLst>
+              <a:ext uri="{FF2B5EF4-FFF2-40B4-BE49-F238E27FC236}">
+                <a16:creationId xmlns:a16="http://schemas.microsoft.com/office/drawing/2014/main" id="{40807E45-2CB6-4805-8708-67C542CA348F}"/>
+              </a:ext>
+            </a:extLst>
+          </p:cNvPr>
+          <p:cNvSpPr txBox="1"/>
+          <p:nvPr/>
+        </p:nvSpPr>
+        <p:spPr>
+          <a:xfrm>
+            <a:off x="7595616" y="1807529"/>
+            <a:ext cx="415498" cy="369332"/>
+          </a:xfrm>
+          <a:prstGeom prst="rect">
+            <a:avLst/>
+          </a:prstGeom>
+          <a:noFill/>
+        </p:spPr>
+        <p:txBody>
+          <a:bodyPr wrap="none" rtlCol="0">
+            <a:spAutoFit/>
+          </a:bodyPr>
+          <a:lstStyle/>
+          <a:p>
+            <a:r>
+              <a:rPr lang="ko-KR" altLang="en-US" b="1" dirty="0"/>
+              <a:t>①</a:t>
+            </a:r>
+          </a:p>
+        </p:txBody>
+      </p:sp>
+      <p:cxnSp>
+        <p:nvCxnSpPr>
+          <p:cNvPr id="17" name="직선 화살표 연결선 16">
+            <a:extLst>
+              <a:ext uri="{FF2B5EF4-FFF2-40B4-BE49-F238E27FC236}">
+                <a16:creationId xmlns:a16="http://schemas.microsoft.com/office/drawing/2014/main" id="{3F38852E-9DFB-40CD-8F36-85DD487DAC74}"/>
+              </a:ext>
+            </a:extLst>
+          </p:cNvPr>
+          <p:cNvCxnSpPr>
+            <a:stCxn id="8" idx="6"/>
+            <a:endCxn id="11" idx="1"/>
+          </p:cNvCxnSpPr>
+          <p:nvPr/>
+        </p:nvCxnSpPr>
+        <p:spPr>
+          <a:xfrm>
+            <a:off x="6146093" y="1985476"/>
+            <a:ext cx="1449523" cy="6719"/>
+          </a:xfrm>
+          <a:prstGeom prst="straightConnector1">
+            <a:avLst/>
+          </a:prstGeom>
+          <a:ln>
+            <a:solidFill>
+              <a:srgbClr val="FF0000"/>
+            </a:solidFill>
+            <a:tailEnd type="triangle"/>
+          </a:ln>
+        </p:spPr>
+        <p:style>
+          <a:lnRef idx="1">
+            <a:schemeClr val="accent1"/>
+          </a:lnRef>
+          <a:fillRef idx="0">
+            <a:schemeClr val="accent1"/>
+          </a:fillRef>
+          <a:effectRef idx="0">
+            <a:schemeClr val="accent1"/>
+          </a:effectRef>
+          <a:fontRef idx="minor">
+            <a:schemeClr val="tx1"/>
+          </a:fontRef>
+        </p:style>
+      </p:cxnSp>
+      <p:cxnSp>
+        <p:nvCxnSpPr>
+          <p:cNvPr id="19" name="직선 화살표 연결선 18">
+            <a:extLst>
+              <a:ext uri="{FF2B5EF4-FFF2-40B4-BE49-F238E27FC236}">
+                <a16:creationId xmlns:a16="http://schemas.microsoft.com/office/drawing/2014/main" id="{2B026E3F-8A5D-4B9A-938A-C0B29B7592DC}"/>
+              </a:ext>
+            </a:extLst>
+          </p:cNvPr>
+          <p:cNvCxnSpPr>
+            <a:cxnSpLocks/>
+          </p:cNvCxnSpPr>
+          <p:nvPr/>
+        </p:nvCxnSpPr>
+        <p:spPr>
+          <a:xfrm flipV="1">
+            <a:off x="6166464" y="2112501"/>
+            <a:ext cx="1385275" cy="477874"/>
+          </a:xfrm>
+          <a:prstGeom prst="straightConnector1">
+            <a:avLst/>
+          </a:prstGeom>
+          <a:ln>
+            <a:solidFill>
+              <a:srgbClr val="FF0000"/>
+            </a:solidFill>
+            <a:tailEnd type="triangle"/>
+          </a:ln>
+        </p:spPr>
+        <p:style>
+          <a:lnRef idx="1">
+            <a:schemeClr val="accent1"/>
+          </a:lnRef>
+          <a:fillRef idx="0">
+            <a:schemeClr val="accent1"/>
+          </a:fillRef>
+          <a:effectRef idx="0">
+            <a:schemeClr val="accent1"/>
+          </a:effectRef>
+          <a:fontRef idx="minor">
+            <a:schemeClr val="tx1"/>
+          </a:fontRef>
+        </p:style>
+      </p:cxnSp>
+      <p:cxnSp>
+        <p:nvCxnSpPr>
+          <p:cNvPr id="21" name="직선 화살표 연결선 20">
+            <a:extLst>
+              <a:ext uri="{FF2B5EF4-FFF2-40B4-BE49-F238E27FC236}">
+                <a16:creationId xmlns:a16="http://schemas.microsoft.com/office/drawing/2014/main" id="{4268C262-3CEE-4B3C-8417-592D0AF0C70B}"/>
+              </a:ext>
+            </a:extLst>
+          </p:cNvPr>
+          <p:cNvCxnSpPr>
+            <a:cxnSpLocks/>
+            <a:stCxn id="10" idx="6"/>
+          </p:cNvCxnSpPr>
+          <p:nvPr/>
+        </p:nvCxnSpPr>
+        <p:spPr>
+          <a:xfrm flipV="1">
+            <a:off x="6377590" y="2187149"/>
+            <a:ext cx="1303370" cy="946463"/>
+          </a:xfrm>
+          <a:prstGeom prst="straightConnector1">
+            <a:avLst/>
+          </a:prstGeom>
+          <a:ln>
+            <a:solidFill>
+              <a:srgbClr val="FF0000"/>
+            </a:solidFill>
+            <a:tailEnd type="triangle"/>
+          </a:ln>
+        </p:spPr>
+        <p:style>
+          <a:lnRef idx="1">
+            <a:schemeClr val="accent1"/>
+          </a:lnRef>
+          <a:fillRef idx="0">
+            <a:schemeClr val="accent1"/>
+          </a:fillRef>
+          <a:effectRef idx="0">
+            <a:schemeClr val="accent1"/>
+          </a:effectRef>
+          <a:fontRef idx="minor">
+            <a:schemeClr val="tx1"/>
+          </a:fontRef>
+        </p:style>
+      </p:cxnSp>
+      <p:sp>
+        <p:nvSpPr>
+          <p:cNvPr id="26" name="TextBox 25">
+            <a:extLst>
+              <a:ext uri="{FF2B5EF4-FFF2-40B4-BE49-F238E27FC236}">
+                <a16:creationId xmlns:a16="http://schemas.microsoft.com/office/drawing/2014/main" id="{20EB6A38-D795-499F-AA7B-2A90B85E0B28}"/>
+              </a:ext>
+            </a:extLst>
+          </p:cNvPr>
+          <p:cNvSpPr txBox="1"/>
+          <p:nvPr/>
+        </p:nvSpPr>
+        <p:spPr>
+          <a:xfrm>
+            <a:off x="2931622" y="3253270"/>
+            <a:ext cx="415498" cy="369332"/>
+          </a:xfrm>
+          <a:prstGeom prst="rect">
+            <a:avLst/>
+          </a:prstGeom>
+          <a:noFill/>
+        </p:spPr>
+        <p:txBody>
+          <a:bodyPr wrap="none" rtlCol="0">
+            <a:spAutoFit/>
+          </a:bodyPr>
+          <a:lstStyle/>
+          <a:p>
+            <a:r>
+              <a:rPr lang="ko-KR" altLang="en-US" b="1" dirty="0"/>
+              <a:t>②</a:t>
+            </a:r>
+          </a:p>
+        </p:txBody>
+      </p:sp>
+      <p:sp>
+        <p:nvSpPr>
+          <p:cNvPr id="27" name="TextBox 26">
+            <a:extLst>
+              <a:ext uri="{FF2B5EF4-FFF2-40B4-BE49-F238E27FC236}">
+                <a16:creationId xmlns:a16="http://schemas.microsoft.com/office/drawing/2014/main" id="{6B50CB1C-04C3-4535-B549-FBA17750711B}"/>
+              </a:ext>
+            </a:extLst>
+          </p:cNvPr>
+          <p:cNvSpPr txBox="1"/>
+          <p:nvPr/>
+        </p:nvSpPr>
+        <p:spPr>
+          <a:xfrm>
+            <a:off x="7545408" y="3961638"/>
+            <a:ext cx="415498" cy="369332"/>
+          </a:xfrm>
+          <a:prstGeom prst="rect">
+            <a:avLst/>
+          </a:prstGeom>
+          <a:noFill/>
+        </p:spPr>
+        <p:txBody>
+          <a:bodyPr wrap="none" rtlCol="0">
+            <a:spAutoFit/>
+          </a:bodyPr>
+          <a:lstStyle/>
+          <a:p>
+            <a:r>
+              <a:rPr lang="ko-KR" altLang="en-US" b="1" dirty="0"/>
+              <a:t>④</a:t>
+            </a:r>
+          </a:p>
+        </p:txBody>
+      </p:sp>
+      <p:sp>
+        <p:nvSpPr>
+          <p:cNvPr id="28" name="TextBox 27">
+            <a:extLst>
+              <a:ext uri="{FF2B5EF4-FFF2-40B4-BE49-F238E27FC236}">
+                <a16:creationId xmlns:a16="http://schemas.microsoft.com/office/drawing/2014/main" id="{332F1835-8181-453C-97C6-6087B5F60645}"/>
+              </a:ext>
+            </a:extLst>
+          </p:cNvPr>
+          <p:cNvSpPr txBox="1"/>
+          <p:nvPr/>
+        </p:nvSpPr>
+        <p:spPr>
+          <a:xfrm>
+            <a:off x="7564416" y="2869457"/>
+            <a:ext cx="415498" cy="369332"/>
+          </a:xfrm>
+          <a:prstGeom prst="rect">
+            <a:avLst/>
+          </a:prstGeom>
+          <a:noFill/>
+        </p:spPr>
+        <p:txBody>
+          <a:bodyPr wrap="none" rtlCol="0">
+            <a:spAutoFit/>
+          </a:bodyPr>
+          <a:lstStyle/>
+          <a:p>
+            <a:r>
+              <a:rPr lang="ko-KR" altLang="en-US" b="1" dirty="0"/>
+              <a:t>③</a:t>
+            </a:r>
+          </a:p>
+        </p:txBody>
+      </p:sp>
+      <p:cxnSp>
+        <p:nvCxnSpPr>
+          <p:cNvPr id="30" name="직선 화살표 연결선 29">
+            <a:extLst>
+              <a:ext uri="{FF2B5EF4-FFF2-40B4-BE49-F238E27FC236}">
+                <a16:creationId xmlns:a16="http://schemas.microsoft.com/office/drawing/2014/main" id="{E6641C7C-B903-4E3C-AF90-1056C3A7DBB8}"/>
+              </a:ext>
+            </a:extLst>
+          </p:cNvPr>
+          <p:cNvCxnSpPr>
+            <a:stCxn id="6" idx="7"/>
+            <a:endCxn id="26" idx="3"/>
+          </p:cNvCxnSpPr>
+          <p:nvPr/>
+        </p:nvCxnSpPr>
+        <p:spPr>
+          <a:xfrm flipH="1">
+            <a:off x="3347120" y="3262809"/>
+            <a:ext cx="966232" cy="175127"/>
+          </a:xfrm>
+          <a:prstGeom prst="straightConnector1">
+            <a:avLst/>
+          </a:prstGeom>
+          <a:ln>
+            <a:solidFill>
+              <a:srgbClr val="00B050"/>
+            </a:solidFill>
+            <a:tailEnd type="triangle"/>
+          </a:ln>
+        </p:spPr>
+        <p:style>
+          <a:lnRef idx="1">
+            <a:schemeClr val="accent1"/>
+          </a:lnRef>
+          <a:fillRef idx="0">
+            <a:schemeClr val="accent1"/>
+          </a:fillRef>
+          <a:effectRef idx="0">
+            <a:schemeClr val="accent1"/>
+          </a:effectRef>
+          <a:fontRef idx="minor">
+            <a:schemeClr val="tx1"/>
+          </a:fontRef>
+        </p:style>
+      </p:cxnSp>
+      <p:cxnSp>
+        <p:nvCxnSpPr>
+          <p:cNvPr id="32" name="직선 화살표 연결선 31">
+            <a:extLst>
+              <a:ext uri="{FF2B5EF4-FFF2-40B4-BE49-F238E27FC236}">
+                <a16:creationId xmlns:a16="http://schemas.microsoft.com/office/drawing/2014/main" id="{CF553F60-815A-423C-9B67-83AA94F81484}"/>
+              </a:ext>
+            </a:extLst>
+          </p:cNvPr>
+          <p:cNvCxnSpPr>
+            <a:endCxn id="28" idx="1"/>
+          </p:cNvCxnSpPr>
+          <p:nvPr/>
+        </p:nvCxnSpPr>
+        <p:spPr>
+          <a:xfrm>
+            <a:off x="6377590" y="2869457"/>
+            <a:ext cx="1186826" cy="184666"/>
+          </a:xfrm>
+          <a:prstGeom prst="straightConnector1">
+            <a:avLst/>
+          </a:prstGeom>
+          <a:ln>
+            <a:solidFill>
+              <a:schemeClr val="accent4">
+                <a:lumMod val="75000"/>
+              </a:schemeClr>
+            </a:solidFill>
+            <a:tailEnd type="triangle"/>
+          </a:ln>
+        </p:spPr>
+        <p:style>
+          <a:lnRef idx="1">
+            <a:schemeClr val="accent1"/>
+          </a:lnRef>
+          <a:fillRef idx="0">
+            <a:schemeClr val="accent1"/>
+          </a:fillRef>
+          <a:effectRef idx="0">
+            <a:schemeClr val="accent1"/>
+          </a:effectRef>
+          <a:fontRef idx="minor">
+            <a:schemeClr val="tx1"/>
+          </a:fontRef>
+        </p:style>
+      </p:cxnSp>
+      <p:cxnSp>
+        <p:nvCxnSpPr>
+          <p:cNvPr id="34" name="직선 화살표 연결선 33">
+            <a:extLst>
+              <a:ext uri="{FF2B5EF4-FFF2-40B4-BE49-F238E27FC236}">
+                <a16:creationId xmlns:a16="http://schemas.microsoft.com/office/drawing/2014/main" id="{CFF27422-54FB-4617-983C-33B732366F9B}"/>
+              </a:ext>
+            </a:extLst>
+          </p:cNvPr>
+          <p:cNvCxnSpPr>
+            <a:endCxn id="27" idx="1"/>
+          </p:cNvCxnSpPr>
+          <p:nvPr/>
+        </p:nvCxnSpPr>
+        <p:spPr>
+          <a:xfrm>
+            <a:off x="6199643" y="3961638"/>
+            <a:ext cx="1345765" cy="184666"/>
+          </a:xfrm>
+          <a:prstGeom prst="straightConnector1">
+            <a:avLst/>
+          </a:prstGeom>
+          <a:ln>
+            <a:solidFill>
+              <a:srgbClr val="7030A0"/>
+            </a:solidFill>
+            <a:tailEnd type="triangle"/>
+          </a:ln>
+        </p:spPr>
+        <p:style>
+          <a:lnRef idx="1">
+            <a:schemeClr val="accent1"/>
+          </a:lnRef>
+          <a:fillRef idx="0">
+            <a:schemeClr val="accent1"/>
+          </a:fillRef>
+          <a:effectRef idx="0">
+            <a:schemeClr val="accent1"/>
+          </a:effectRef>
+          <a:fontRef idx="minor">
+            <a:schemeClr val="tx1"/>
+          </a:fontRef>
+        </p:style>
+      </p:cxnSp>
+    </p:spTree>
+    <p:extLst>
+      <p:ext uri="{BB962C8B-B14F-4D97-AF65-F5344CB8AC3E}">
+        <p14:creationId xmlns:p14="http://schemas.microsoft.com/office/powerpoint/2010/main" val="2646751202"/>
+      </p:ext>
+    </p:extLst>
+  </p:cSld>
+  <p:clrMapOvr>
+    <a:masterClrMapping/>
+  </p:clrMapOvr>
+</p:sld>
+</file>
+
+<file path=ppt/slides/slide7.xml><?xml version="1.0" encoding="utf-8"?>
+<p:sld xmlns:a="http://schemas.openxmlformats.org/drawingml/2006/main" xmlns:r="http://schemas.openxmlformats.org/officeDocument/2006/relationships" xmlns:p="http://schemas.openxmlformats.org/presentationml/2006/main">
+  <p:cSld>
+    <p:spTree>
+      <p:nvGrpSpPr>
+        <p:cNvPr id="1" name=""/>
+        <p:cNvGrpSpPr/>
+        <p:nvPr/>
+      </p:nvGrpSpPr>
+      <p:grpSpPr>
+        <a:xfrm>
+          <a:off x="0" y="0"/>
+          <a:ext cx="0" cy="0"/>
+          <a:chOff x="0" y="0"/>
+          <a:chExt cx="0" cy="0"/>
+        </a:xfrm>
+      </p:grpSpPr>
+      <p:grpSp>
+        <p:nvGrpSpPr>
+          <p:cNvPr id="4" name="그룹 3">
+            <a:extLst>
+              <a:ext uri="{FF2B5EF4-FFF2-40B4-BE49-F238E27FC236}">
+                <a16:creationId xmlns:a16="http://schemas.microsoft.com/office/drawing/2014/main" id="{F0274EDA-1E02-4673-B047-C3E515220D7D}"/>
+              </a:ext>
+            </a:extLst>
+          </p:cNvPr>
+          <p:cNvGrpSpPr/>
+          <p:nvPr/>
+        </p:nvGrpSpPr>
+        <p:grpSpPr>
+          <a:xfrm>
+            <a:off x="3290900" y="1137944"/>
+            <a:ext cx="5610199" cy="3604743"/>
+            <a:chOff x="7484968" y="991641"/>
+            <a:chExt cx="2846231" cy="1828800"/>
+          </a:xfrm>
+        </p:grpSpPr>
+        <p:sp>
+          <p:nvSpPr>
+            <p:cNvPr id="5" name="자유형: 도형 4">
+              <a:extLst>
+                <a:ext uri="{FF2B5EF4-FFF2-40B4-BE49-F238E27FC236}">
+                  <a16:creationId xmlns:a16="http://schemas.microsoft.com/office/drawing/2014/main" id="{E48546CD-6057-486F-B118-9F2B85822E46}"/>
+                </a:ext>
+              </a:extLst>
+            </p:cNvPr>
+            <p:cNvSpPr/>
+            <p:nvPr/>
+          </p:nvSpPr>
+          <p:spPr>
+            <a:xfrm>
+              <a:off x="7484968" y="991641"/>
+              <a:ext cx="2846231" cy="1828800"/>
+            </a:xfrm>
+            <a:custGeom>
+              <a:avLst/>
+              <a:gdLst>
+                <a:gd name="connsiteX0" fmla="*/ 746975 w 3400023"/>
+                <a:gd name="connsiteY0" fmla="*/ 296214 h 1700011"/>
+                <a:gd name="connsiteX1" fmla="*/ 231820 w 3400023"/>
+                <a:gd name="connsiteY1" fmla="*/ 682580 h 1700011"/>
+                <a:gd name="connsiteX2" fmla="*/ 0 w 3400023"/>
+                <a:gd name="connsiteY2" fmla="*/ 1184856 h 1700011"/>
+                <a:gd name="connsiteX3" fmla="*/ 425003 w 3400023"/>
+                <a:gd name="connsiteY3" fmla="*/ 1532586 h 1700011"/>
+                <a:gd name="connsiteX4" fmla="*/ 1171978 w 3400023"/>
+                <a:gd name="connsiteY4" fmla="*/ 1700011 h 1700011"/>
+                <a:gd name="connsiteX5" fmla="*/ 2472744 w 3400023"/>
+                <a:gd name="connsiteY5" fmla="*/ 1519707 h 1700011"/>
+                <a:gd name="connsiteX6" fmla="*/ 2975020 w 3400023"/>
+                <a:gd name="connsiteY6" fmla="*/ 1210614 h 1700011"/>
+                <a:gd name="connsiteX7" fmla="*/ 3400023 w 3400023"/>
+                <a:gd name="connsiteY7" fmla="*/ 708338 h 1700011"/>
+                <a:gd name="connsiteX8" fmla="*/ 3348507 w 3400023"/>
+                <a:gd name="connsiteY8" fmla="*/ 257578 h 1700011"/>
+                <a:gd name="connsiteX9" fmla="*/ 2446986 w 3400023"/>
+                <a:gd name="connsiteY9" fmla="*/ 115910 h 1700011"/>
+                <a:gd name="connsiteX10" fmla="*/ 2176530 w 3400023"/>
+                <a:gd name="connsiteY10" fmla="*/ 0 h 1700011"/>
+                <a:gd name="connsiteX11" fmla="*/ 746975 w 3400023"/>
+                <a:gd name="connsiteY11" fmla="*/ 296214 h 1700011"/>
+                <a:gd name="connsiteX0" fmla="*/ 746975 w 3400023"/>
+                <a:gd name="connsiteY0" fmla="*/ 296214 h 1700011"/>
+                <a:gd name="connsiteX1" fmla="*/ 231820 w 3400023"/>
+                <a:gd name="connsiteY1" fmla="*/ 682580 h 1700011"/>
+                <a:gd name="connsiteX2" fmla="*/ 0 w 3400023"/>
+                <a:gd name="connsiteY2" fmla="*/ 1184856 h 1700011"/>
+                <a:gd name="connsiteX3" fmla="*/ 425003 w 3400023"/>
+                <a:gd name="connsiteY3" fmla="*/ 1532586 h 1700011"/>
+                <a:gd name="connsiteX4" fmla="*/ 1171978 w 3400023"/>
+                <a:gd name="connsiteY4" fmla="*/ 1700011 h 1700011"/>
+                <a:gd name="connsiteX5" fmla="*/ 2472744 w 3400023"/>
+                <a:gd name="connsiteY5" fmla="*/ 1519707 h 1700011"/>
+                <a:gd name="connsiteX6" fmla="*/ 2975020 w 3400023"/>
+                <a:gd name="connsiteY6" fmla="*/ 1210614 h 1700011"/>
+                <a:gd name="connsiteX7" fmla="*/ 3400023 w 3400023"/>
+                <a:gd name="connsiteY7" fmla="*/ 528034 h 1700011"/>
+                <a:gd name="connsiteX8" fmla="*/ 3348507 w 3400023"/>
+                <a:gd name="connsiteY8" fmla="*/ 257578 h 1700011"/>
+                <a:gd name="connsiteX9" fmla="*/ 2446986 w 3400023"/>
+                <a:gd name="connsiteY9" fmla="*/ 115910 h 1700011"/>
+                <a:gd name="connsiteX10" fmla="*/ 2176530 w 3400023"/>
+                <a:gd name="connsiteY10" fmla="*/ 0 h 1700011"/>
+                <a:gd name="connsiteX11" fmla="*/ 746975 w 3400023"/>
+                <a:gd name="connsiteY11" fmla="*/ 296214 h 1700011"/>
+                <a:gd name="connsiteX0" fmla="*/ 746975 w 3400023"/>
+                <a:gd name="connsiteY0" fmla="*/ 296214 h 1700011"/>
+                <a:gd name="connsiteX1" fmla="*/ 231820 w 3400023"/>
+                <a:gd name="connsiteY1" fmla="*/ 682580 h 1700011"/>
+                <a:gd name="connsiteX2" fmla="*/ 0 w 3400023"/>
+                <a:gd name="connsiteY2" fmla="*/ 1184856 h 1700011"/>
+                <a:gd name="connsiteX3" fmla="*/ 425003 w 3400023"/>
+                <a:gd name="connsiteY3" fmla="*/ 1532586 h 1700011"/>
+                <a:gd name="connsiteX4" fmla="*/ 1171978 w 3400023"/>
+                <a:gd name="connsiteY4" fmla="*/ 1700011 h 1700011"/>
+                <a:gd name="connsiteX5" fmla="*/ 2472744 w 3400023"/>
+                <a:gd name="connsiteY5" fmla="*/ 1519707 h 1700011"/>
+                <a:gd name="connsiteX6" fmla="*/ 2859110 w 3400023"/>
+                <a:gd name="connsiteY6" fmla="*/ 953037 h 1700011"/>
+                <a:gd name="connsiteX7" fmla="*/ 3400023 w 3400023"/>
+                <a:gd name="connsiteY7" fmla="*/ 528034 h 1700011"/>
+                <a:gd name="connsiteX8" fmla="*/ 3348507 w 3400023"/>
+                <a:gd name="connsiteY8" fmla="*/ 257578 h 1700011"/>
+                <a:gd name="connsiteX9" fmla="*/ 2446986 w 3400023"/>
+                <a:gd name="connsiteY9" fmla="*/ 115910 h 1700011"/>
+                <a:gd name="connsiteX10" fmla="*/ 2176530 w 3400023"/>
+                <a:gd name="connsiteY10" fmla="*/ 0 h 1700011"/>
+                <a:gd name="connsiteX11" fmla="*/ 746975 w 3400023"/>
+                <a:gd name="connsiteY11" fmla="*/ 296214 h 1700011"/>
+                <a:gd name="connsiteX0" fmla="*/ 746975 w 3400023"/>
+                <a:gd name="connsiteY0" fmla="*/ 296214 h 1700011"/>
+                <a:gd name="connsiteX1" fmla="*/ 231820 w 3400023"/>
+                <a:gd name="connsiteY1" fmla="*/ 682580 h 1700011"/>
+                <a:gd name="connsiteX2" fmla="*/ 0 w 3400023"/>
+                <a:gd name="connsiteY2" fmla="*/ 1184856 h 1700011"/>
+                <a:gd name="connsiteX3" fmla="*/ 425003 w 3400023"/>
+                <a:gd name="connsiteY3" fmla="*/ 1532586 h 1700011"/>
+                <a:gd name="connsiteX4" fmla="*/ 1171978 w 3400023"/>
+                <a:gd name="connsiteY4" fmla="*/ 1700011 h 1700011"/>
+                <a:gd name="connsiteX5" fmla="*/ 2691685 w 3400023"/>
+                <a:gd name="connsiteY5" fmla="*/ 1519707 h 1700011"/>
+                <a:gd name="connsiteX6" fmla="*/ 2859110 w 3400023"/>
+                <a:gd name="connsiteY6" fmla="*/ 953037 h 1700011"/>
+                <a:gd name="connsiteX7" fmla="*/ 3400023 w 3400023"/>
+                <a:gd name="connsiteY7" fmla="*/ 528034 h 1700011"/>
+                <a:gd name="connsiteX8" fmla="*/ 3348507 w 3400023"/>
+                <a:gd name="connsiteY8" fmla="*/ 257578 h 1700011"/>
+                <a:gd name="connsiteX9" fmla="*/ 2446986 w 3400023"/>
+                <a:gd name="connsiteY9" fmla="*/ 115910 h 1700011"/>
+                <a:gd name="connsiteX10" fmla="*/ 2176530 w 3400023"/>
+                <a:gd name="connsiteY10" fmla="*/ 0 h 1700011"/>
+                <a:gd name="connsiteX11" fmla="*/ 746975 w 3400023"/>
+                <a:gd name="connsiteY11" fmla="*/ 296214 h 1700011"/>
+                <a:gd name="connsiteX0" fmla="*/ 746975 w 3400023"/>
+                <a:gd name="connsiteY0" fmla="*/ 425003 h 1828800"/>
+                <a:gd name="connsiteX1" fmla="*/ 231820 w 3400023"/>
+                <a:gd name="connsiteY1" fmla="*/ 811369 h 1828800"/>
+                <a:gd name="connsiteX2" fmla="*/ 0 w 3400023"/>
+                <a:gd name="connsiteY2" fmla="*/ 1313645 h 1828800"/>
+                <a:gd name="connsiteX3" fmla="*/ 425003 w 3400023"/>
+                <a:gd name="connsiteY3" fmla="*/ 1661375 h 1828800"/>
+                <a:gd name="connsiteX4" fmla="*/ 1171978 w 3400023"/>
+                <a:gd name="connsiteY4" fmla="*/ 1828800 h 1828800"/>
+                <a:gd name="connsiteX5" fmla="*/ 2691685 w 3400023"/>
+                <a:gd name="connsiteY5" fmla="*/ 1648496 h 1828800"/>
+                <a:gd name="connsiteX6" fmla="*/ 2859110 w 3400023"/>
+                <a:gd name="connsiteY6" fmla="*/ 1081826 h 1828800"/>
+                <a:gd name="connsiteX7" fmla="*/ 3400023 w 3400023"/>
+                <a:gd name="connsiteY7" fmla="*/ 656823 h 1828800"/>
+                <a:gd name="connsiteX8" fmla="*/ 3348507 w 3400023"/>
+                <a:gd name="connsiteY8" fmla="*/ 386367 h 1828800"/>
+                <a:gd name="connsiteX9" fmla="*/ 2395470 w 3400023"/>
+                <a:gd name="connsiteY9" fmla="*/ 0 h 1828800"/>
+                <a:gd name="connsiteX10" fmla="*/ 2176530 w 3400023"/>
+                <a:gd name="connsiteY10" fmla="*/ 128789 h 1828800"/>
+                <a:gd name="connsiteX11" fmla="*/ 746975 w 3400023"/>
+                <a:gd name="connsiteY11" fmla="*/ 425003 h 1828800"/>
+                <a:gd name="connsiteX0" fmla="*/ 746975 w 3400023"/>
+                <a:gd name="connsiteY0" fmla="*/ 425003 h 1828800"/>
+                <a:gd name="connsiteX1" fmla="*/ 231820 w 3400023"/>
+                <a:gd name="connsiteY1" fmla="*/ 811369 h 1828800"/>
+                <a:gd name="connsiteX2" fmla="*/ 0 w 3400023"/>
+                <a:gd name="connsiteY2" fmla="*/ 1313645 h 1828800"/>
+                <a:gd name="connsiteX3" fmla="*/ 425003 w 3400023"/>
+                <a:gd name="connsiteY3" fmla="*/ 1661375 h 1828800"/>
+                <a:gd name="connsiteX4" fmla="*/ 1171978 w 3400023"/>
+                <a:gd name="connsiteY4" fmla="*/ 1828800 h 1828800"/>
+                <a:gd name="connsiteX5" fmla="*/ 2691685 w 3400023"/>
+                <a:gd name="connsiteY5" fmla="*/ 1648496 h 1828800"/>
+                <a:gd name="connsiteX6" fmla="*/ 2859110 w 3400023"/>
+                <a:gd name="connsiteY6" fmla="*/ 1081826 h 1828800"/>
+                <a:gd name="connsiteX7" fmla="*/ 3400023 w 3400023"/>
+                <a:gd name="connsiteY7" fmla="*/ 656823 h 1828800"/>
+                <a:gd name="connsiteX8" fmla="*/ 3348507 w 3400023"/>
+                <a:gd name="connsiteY8" fmla="*/ 386367 h 1828800"/>
+                <a:gd name="connsiteX9" fmla="*/ 3282192 w 3400023"/>
+                <a:gd name="connsiteY9" fmla="*/ 228600 h 1828800"/>
+                <a:gd name="connsiteX10" fmla="*/ 2395470 w 3400023"/>
+                <a:gd name="connsiteY10" fmla="*/ 0 h 1828800"/>
+                <a:gd name="connsiteX11" fmla="*/ 2176530 w 3400023"/>
+                <a:gd name="connsiteY11" fmla="*/ 128789 h 1828800"/>
+                <a:gd name="connsiteX12" fmla="*/ 746975 w 3400023"/>
+                <a:gd name="connsiteY12" fmla="*/ 425003 h 1828800"/>
+                <a:gd name="connsiteX0" fmla="*/ 515155 w 3168203"/>
+                <a:gd name="connsiteY0" fmla="*/ 425003 h 1828800"/>
+                <a:gd name="connsiteX1" fmla="*/ 0 w 3168203"/>
+                <a:gd name="connsiteY1" fmla="*/ 811369 h 1828800"/>
+                <a:gd name="connsiteX2" fmla="*/ 437881 w 3168203"/>
+                <a:gd name="connsiteY2" fmla="*/ 1210614 h 1828800"/>
+                <a:gd name="connsiteX3" fmla="*/ 193183 w 3168203"/>
+                <a:gd name="connsiteY3" fmla="*/ 1661375 h 1828800"/>
+                <a:gd name="connsiteX4" fmla="*/ 940158 w 3168203"/>
+                <a:gd name="connsiteY4" fmla="*/ 1828800 h 1828800"/>
+                <a:gd name="connsiteX5" fmla="*/ 2459865 w 3168203"/>
+                <a:gd name="connsiteY5" fmla="*/ 1648496 h 1828800"/>
+                <a:gd name="connsiteX6" fmla="*/ 2627290 w 3168203"/>
+                <a:gd name="connsiteY6" fmla="*/ 1081826 h 1828800"/>
+                <a:gd name="connsiteX7" fmla="*/ 3168203 w 3168203"/>
+                <a:gd name="connsiteY7" fmla="*/ 656823 h 1828800"/>
+                <a:gd name="connsiteX8" fmla="*/ 3116687 w 3168203"/>
+                <a:gd name="connsiteY8" fmla="*/ 386367 h 1828800"/>
+                <a:gd name="connsiteX9" fmla="*/ 3050372 w 3168203"/>
+                <a:gd name="connsiteY9" fmla="*/ 228600 h 1828800"/>
+                <a:gd name="connsiteX10" fmla="*/ 2163650 w 3168203"/>
+                <a:gd name="connsiteY10" fmla="*/ 0 h 1828800"/>
+                <a:gd name="connsiteX11" fmla="*/ 1944710 w 3168203"/>
+                <a:gd name="connsiteY11" fmla="*/ 128789 h 1828800"/>
+                <a:gd name="connsiteX12" fmla="*/ 515155 w 3168203"/>
+                <a:gd name="connsiteY12" fmla="*/ 425003 h 1828800"/>
+                <a:gd name="connsiteX0" fmla="*/ 515155 w 3168203"/>
+                <a:gd name="connsiteY0" fmla="*/ 425003 h 1828800"/>
+                <a:gd name="connsiteX1" fmla="*/ 0 w 3168203"/>
+                <a:gd name="connsiteY1" fmla="*/ 811369 h 1828800"/>
+                <a:gd name="connsiteX2" fmla="*/ 437881 w 3168203"/>
+                <a:gd name="connsiteY2" fmla="*/ 1210614 h 1828800"/>
+                <a:gd name="connsiteX3" fmla="*/ 592428 w 3168203"/>
+                <a:gd name="connsiteY3" fmla="*/ 1609859 h 1828800"/>
+                <a:gd name="connsiteX4" fmla="*/ 940158 w 3168203"/>
+                <a:gd name="connsiteY4" fmla="*/ 1828800 h 1828800"/>
+                <a:gd name="connsiteX5" fmla="*/ 2459865 w 3168203"/>
+                <a:gd name="connsiteY5" fmla="*/ 1648496 h 1828800"/>
+                <a:gd name="connsiteX6" fmla="*/ 2627290 w 3168203"/>
+                <a:gd name="connsiteY6" fmla="*/ 1081826 h 1828800"/>
+                <a:gd name="connsiteX7" fmla="*/ 3168203 w 3168203"/>
+                <a:gd name="connsiteY7" fmla="*/ 656823 h 1828800"/>
+                <a:gd name="connsiteX8" fmla="*/ 3116687 w 3168203"/>
+                <a:gd name="connsiteY8" fmla="*/ 386367 h 1828800"/>
+                <a:gd name="connsiteX9" fmla="*/ 3050372 w 3168203"/>
+                <a:gd name="connsiteY9" fmla="*/ 228600 h 1828800"/>
+                <a:gd name="connsiteX10" fmla="*/ 2163650 w 3168203"/>
+                <a:gd name="connsiteY10" fmla="*/ 0 h 1828800"/>
+                <a:gd name="connsiteX11" fmla="*/ 1944710 w 3168203"/>
+                <a:gd name="connsiteY11" fmla="*/ 128789 h 1828800"/>
+                <a:gd name="connsiteX12" fmla="*/ 515155 w 3168203"/>
+                <a:gd name="connsiteY12" fmla="*/ 425003 h 1828800"/>
+                <a:gd name="connsiteX0" fmla="*/ 193183 w 2846231"/>
+                <a:gd name="connsiteY0" fmla="*/ 425003 h 1828800"/>
+                <a:gd name="connsiteX1" fmla="*/ 0 w 2846231"/>
+                <a:gd name="connsiteY1" fmla="*/ 798491 h 1828800"/>
+                <a:gd name="connsiteX2" fmla="*/ 115909 w 2846231"/>
+                <a:gd name="connsiteY2" fmla="*/ 1210614 h 1828800"/>
+                <a:gd name="connsiteX3" fmla="*/ 270456 w 2846231"/>
+                <a:gd name="connsiteY3" fmla="*/ 1609859 h 1828800"/>
+                <a:gd name="connsiteX4" fmla="*/ 618186 w 2846231"/>
+                <a:gd name="connsiteY4" fmla="*/ 1828800 h 1828800"/>
+                <a:gd name="connsiteX5" fmla="*/ 2137893 w 2846231"/>
+                <a:gd name="connsiteY5" fmla="*/ 1648496 h 1828800"/>
+                <a:gd name="connsiteX6" fmla="*/ 2305318 w 2846231"/>
+                <a:gd name="connsiteY6" fmla="*/ 1081826 h 1828800"/>
+                <a:gd name="connsiteX7" fmla="*/ 2846231 w 2846231"/>
+                <a:gd name="connsiteY7" fmla="*/ 656823 h 1828800"/>
+                <a:gd name="connsiteX8" fmla="*/ 2794715 w 2846231"/>
+                <a:gd name="connsiteY8" fmla="*/ 386367 h 1828800"/>
+                <a:gd name="connsiteX9" fmla="*/ 2728400 w 2846231"/>
+                <a:gd name="connsiteY9" fmla="*/ 228600 h 1828800"/>
+                <a:gd name="connsiteX10" fmla="*/ 1841678 w 2846231"/>
+                <a:gd name="connsiteY10" fmla="*/ 0 h 1828800"/>
+                <a:gd name="connsiteX11" fmla="*/ 1622738 w 2846231"/>
+                <a:gd name="connsiteY11" fmla="*/ 128789 h 1828800"/>
+                <a:gd name="connsiteX12" fmla="*/ 193183 w 2846231"/>
+                <a:gd name="connsiteY12" fmla="*/ 425003 h 1828800"/>
+              </a:gdLst>
+              <a:ahLst/>
+              <a:cxnLst>
+                <a:cxn ang="0">
+                  <a:pos x="connsiteX0" y="connsiteY0"/>
+                </a:cxn>
+                <a:cxn ang="0">
+                  <a:pos x="connsiteX1" y="connsiteY1"/>
+                </a:cxn>
+                <a:cxn ang="0">
+                  <a:pos x="connsiteX2" y="connsiteY2"/>
+                </a:cxn>
+                <a:cxn ang="0">
+                  <a:pos x="connsiteX3" y="connsiteY3"/>
+                </a:cxn>
+                <a:cxn ang="0">
+                  <a:pos x="connsiteX4" y="connsiteY4"/>
+                </a:cxn>
+                <a:cxn ang="0">
+                  <a:pos x="connsiteX5" y="connsiteY5"/>
+                </a:cxn>
+                <a:cxn ang="0">
+                  <a:pos x="connsiteX6" y="connsiteY6"/>
+                </a:cxn>
+                <a:cxn ang="0">
+                  <a:pos x="connsiteX7" y="connsiteY7"/>
+                </a:cxn>
+                <a:cxn ang="0">
+                  <a:pos x="connsiteX8" y="connsiteY8"/>
+                </a:cxn>
+                <a:cxn ang="0">
+                  <a:pos x="connsiteX9" y="connsiteY9"/>
+                </a:cxn>
+                <a:cxn ang="0">
+                  <a:pos x="connsiteX10" y="connsiteY10"/>
+                </a:cxn>
+                <a:cxn ang="0">
+                  <a:pos x="connsiteX11" y="connsiteY11"/>
+                </a:cxn>
+                <a:cxn ang="0">
+                  <a:pos x="connsiteX12" y="connsiteY12"/>
+                </a:cxn>
+              </a:cxnLst>
+              <a:rect l="l" t="t" r="r" b="b"/>
+              <a:pathLst>
+                <a:path w="2846231" h="1828800">
+                  <a:moveTo>
+                    <a:pt x="193183" y="425003"/>
+                  </a:moveTo>
+                  <a:lnTo>
+                    <a:pt x="0" y="798491"/>
+                  </a:lnTo>
+                  <a:lnTo>
+                    <a:pt x="115909" y="1210614"/>
+                  </a:lnTo>
+                  <a:lnTo>
+                    <a:pt x="270456" y="1609859"/>
+                  </a:lnTo>
+                  <a:lnTo>
+                    <a:pt x="618186" y="1828800"/>
+                  </a:lnTo>
+                  <a:lnTo>
+                    <a:pt x="2137893" y="1648496"/>
+                  </a:lnTo>
+                  <a:lnTo>
+                    <a:pt x="2305318" y="1081826"/>
+                  </a:lnTo>
+                  <a:lnTo>
+                    <a:pt x="2846231" y="656823"/>
+                  </a:lnTo>
+                  <a:lnTo>
+                    <a:pt x="2794715" y="386367"/>
+                  </a:lnTo>
+                  <a:cubicBezTo>
+                    <a:pt x="2639528" y="316606"/>
+                    <a:pt x="2883587" y="298361"/>
+                    <a:pt x="2728400" y="228600"/>
+                  </a:cubicBezTo>
+                  <a:lnTo>
+                    <a:pt x="1841678" y="0"/>
+                  </a:lnTo>
+                  <a:lnTo>
+                    <a:pt x="1622738" y="128789"/>
+                  </a:lnTo>
+                  <a:lnTo>
+                    <a:pt x="193183" y="425003"/>
+                  </a:lnTo>
+                  <a:close/>
+                </a:path>
+              </a:pathLst>
+            </a:custGeom>
+            <a:solidFill>
+              <a:schemeClr val="tx1">
+                <a:lumMod val="65000"/>
+                <a:lumOff val="35000"/>
+              </a:schemeClr>
+            </a:solidFill>
+          </p:spPr>
+          <p:style>
+            <a:lnRef idx="2">
+              <a:schemeClr val="accent1">
+                <a:shade val="50000"/>
+              </a:schemeClr>
+            </a:lnRef>
+            <a:fillRef idx="1">
+              <a:schemeClr val="accent1"/>
+            </a:fillRef>
+            <a:effectRef idx="0">
+              <a:schemeClr val="accent1"/>
+            </a:effectRef>
+            <a:fontRef idx="minor">
+              <a:schemeClr val="lt1"/>
+            </a:fontRef>
+          </p:style>
+          <p:txBody>
+            <a:bodyPr rtlCol="0" anchor="ctr"/>
+            <a:lstStyle/>
+            <a:p>
+              <a:pPr algn="ctr"/>
+              <a:endParaRPr lang="ko-KR" altLang="en-US" dirty="0"/>
+            </a:p>
+          </p:txBody>
+        </p:sp>
+        <p:sp>
+          <p:nvSpPr>
+            <p:cNvPr id="6" name="자유형: 도형 5">
+              <a:extLst>
+                <a:ext uri="{FF2B5EF4-FFF2-40B4-BE49-F238E27FC236}">
+                  <a16:creationId xmlns:a16="http://schemas.microsoft.com/office/drawing/2014/main" id="{1DD5B86C-56B6-48FC-B284-0D76F4E97135}"/>
+                </a:ext>
+              </a:extLst>
+            </p:cNvPr>
+            <p:cNvSpPr/>
+            <p:nvPr/>
+          </p:nvSpPr>
+          <p:spPr>
+            <a:xfrm>
+              <a:off x="8564451" y="1545465"/>
+              <a:ext cx="901521" cy="643943"/>
+            </a:xfrm>
+            <a:custGeom>
+              <a:avLst/>
+              <a:gdLst>
+                <a:gd name="connsiteX0" fmla="*/ 373487 w 901521"/>
+                <a:gd name="connsiteY0" fmla="*/ 115910 h 643943"/>
+                <a:gd name="connsiteX1" fmla="*/ 373487 w 901521"/>
+                <a:gd name="connsiteY1" fmla="*/ 115910 h 643943"/>
+                <a:gd name="connsiteX2" fmla="*/ 0 w 901521"/>
+                <a:gd name="connsiteY2" fmla="*/ 373487 h 643943"/>
+                <a:gd name="connsiteX3" fmla="*/ 128788 w 901521"/>
+                <a:gd name="connsiteY3" fmla="*/ 631065 h 643943"/>
+                <a:gd name="connsiteX4" fmla="*/ 618186 w 901521"/>
+                <a:gd name="connsiteY4" fmla="*/ 643943 h 643943"/>
+                <a:gd name="connsiteX5" fmla="*/ 901521 w 901521"/>
+                <a:gd name="connsiteY5" fmla="*/ 283335 h 643943"/>
+                <a:gd name="connsiteX6" fmla="*/ 798490 w 901521"/>
+                <a:gd name="connsiteY6" fmla="*/ 0 h 643943"/>
+                <a:gd name="connsiteX7" fmla="*/ 373487 w 901521"/>
+                <a:gd name="connsiteY7" fmla="*/ 115910 h 643943"/>
+              </a:gdLst>
+              <a:ahLst/>
+              <a:cxnLst>
+                <a:cxn ang="0">
+                  <a:pos x="connsiteX0" y="connsiteY0"/>
+                </a:cxn>
+                <a:cxn ang="0">
+                  <a:pos x="connsiteX1" y="connsiteY1"/>
+                </a:cxn>
+                <a:cxn ang="0">
+                  <a:pos x="connsiteX2" y="connsiteY2"/>
+                </a:cxn>
+                <a:cxn ang="0">
+                  <a:pos x="connsiteX3" y="connsiteY3"/>
+                </a:cxn>
+                <a:cxn ang="0">
+                  <a:pos x="connsiteX4" y="connsiteY4"/>
+                </a:cxn>
+                <a:cxn ang="0">
+                  <a:pos x="connsiteX5" y="connsiteY5"/>
+                </a:cxn>
+                <a:cxn ang="0">
+                  <a:pos x="connsiteX6" y="connsiteY6"/>
+                </a:cxn>
+                <a:cxn ang="0">
+                  <a:pos x="connsiteX7" y="connsiteY7"/>
+                </a:cxn>
+              </a:cxnLst>
+              <a:rect l="l" t="t" r="r" b="b"/>
+              <a:pathLst>
+                <a:path w="901521" h="643943">
+                  <a:moveTo>
+                    <a:pt x="373487" y="115910"/>
+                  </a:moveTo>
+                  <a:lnTo>
+                    <a:pt x="373487" y="115910"/>
+                  </a:lnTo>
+                  <a:lnTo>
+                    <a:pt x="0" y="373487"/>
+                  </a:lnTo>
+                  <a:lnTo>
+                    <a:pt x="128788" y="631065"/>
+                  </a:lnTo>
+                  <a:lnTo>
+                    <a:pt x="618186" y="643943"/>
+                  </a:lnTo>
+                  <a:lnTo>
+                    <a:pt x="901521" y="283335"/>
+                  </a:lnTo>
+                  <a:lnTo>
+                    <a:pt x="798490" y="0"/>
+                  </a:lnTo>
+                  <a:lnTo>
+                    <a:pt x="373487" y="115910"/>
+                  </a:lnTo>
+                  <a:close/>
+                </a:path>
+              </a:pathLst>
+            </a:custGeom>
+            <a:solidFill>
+              <a:schemeClr val="accent3">
+                <a:lumMod val="60000"/>
+                <a:lumOff val="40000"/>
+              </a:schemeClr>
+            </a:solidFill>
+          </p:spPr>
+          <p:style>
+            <a:lnRef idx="2">
+              <a:schemeClr val="accent1">
+                <a:shade val="50000"/>
+              </a:schemeClr>
+            </a:lnRef>
+            <a:fillRef idx="1">
+              <a:schemeClr val="accent1"/>
+            </a:fillRef>
+            <a:effectRef idx="0">
+              <a:schemeClr val="accent1"/>
+            </a:effectRef>
+            <a:fontRef idx="minor">
+              <a:schemeClr val="lt1"/>
+            </a:fontRef>
+          </p:style>
+          <p:txBody>
+            <a:bodyPr rtlCol="0" anchor="ctr"/>
+            <a:lstStyle/>
+            <a:p>
+              <a:pPr algn="ctr"/>
+              <a:endParaRPr lang="ko-KR" altLang="en-US"/>
+            </a:p>
+          </p:txBody>
+        </p:sp>
+        <p:sp>
+          <p:nvSpPr>
+            <p:cNvPr id="7" name="육각형 6">
+              <a:extLst>
+                <a:ext uri="{FF2B5EF4-FFF2-40B4-BE49-F238E27FC236}">
+                  <a16:creationId xmlns:a16="http://schemas.microsoft.com/office/drawing/2014/main" id="{07CAEDD8-B46D-48B0-B969-B10DE573FD26}"/>
+                </a:ext>
+              </a:extLst>
+            </p:cNvPr>
+            <p:cNvSpPr/>
+            <p:nvPr/>
+          </p:nvSpPr>
+          <p:spPr>
+            <a:xfrm>
+              <a:off x="8118480" y="1927021"/>
+              <a:ext cx="203974" cy="175840"/>
+            </a:xfrm>
+            <a:prstGeom prst="hexagon">
+              <a:avLst/>
+            </a:prstGeom>
+            <a:solidFill>
+              <a:schemeClr val="bg1">
+                <a:lumMod val="75000"/>
+              </a:schemeClr>
+            </a:solidFill>
+            <a:ln>
+              <a:solidFill>
+                <a:schemeClr val="accent2">
+                  <a:lumMod val="75000"/>
+                </a:schemeClr>
+              </a:solidFill>
+            </a:ln>
+          </p:spPr>
+          <p:style>
+            <a:lnRef idx="2">
+              <a:schemeClr val="accent1">
+                <a:shade val="50000"/>
+              </a:schemeClr>
+            </a:lnRef>
+            <a:fillRef idx="1">
+              <a:schemeClr val="accent1"/>
+            </a:fillRef>
+            <a:effectRef idx="0">
+              <a:schemeClr val="accent1"/>
+            </a:effectRef>
+            <a:fontRef idx="minor">
+              <a:schemeClr val="lt1"/>
+            </a:fontRef>
+          </p:style>
+          <p:txBody>
+            <a:bodyPr rtlCol="0" anchor="ctr"/>
+            <a:lstStyle/>
+            <a:p>
+              <a:pPr algn="ctr"/>
+              <a:endParaRPr lang="ko-KR" altLang="en-US"/>
+            </a:p>
+          </p:txBody>
+        </p:sp>
+        <p:sp>
+          <p:nvSpPr>
+            <p:cNvPr id="8" name="육각형 7">
+              <a:extLst>
+                <a:ext uri="{FF2B5EF4-FFF2-40B4-BE49-F238E27FC236}">
+                  <a16:creationId xmlns:a16="http://schemas.microsoft.com/office/drawing/2014/main" id="{88ABAD7C-AA37-4DEE-B1AB-27FF61AB0B56}"/>
+                </a:ext>
+              </a:extLst>
+            </p:cNvPr>
+            <p:cNvSpPr/>
+            <p:nvPr/>
+          </p:nvSpPr>
+          <p:spPr>
+            <a:xfrm>
+              <a:off x="7739786" y="1845159"/>
+              <a:ext cx="203974" cy="175840"/>
+            </a:xfrm>
+            <a:prstGeom prst="hexagon">
+              <a:avLst/>
+            </a:prstGeom>
+            <a:solidFill>
+              <a:schemeClr val="bg1">
+                <a:lumMod val="75000"/>
+              </a:schemeClr>
+            </a:solidFill>
+            <a:ln>
+              <a:solidFill>
+                <a:schemeClr val="accent2">
+                  <a:lumMod val="75000"/>
+                </a:schemeClr>
+              </a:solidFill>
+            </a:ln>
+          </p:spPr>
+          <p:style>
+            <a:lnRef idx="2">
+              <a:schemeClr val="accent1">
+                <a:shade val="50000"/>
+              </a:schemeClr>
+            </a:lnRef>
+            <a:fillRef idx="1">
+              <a:schemeClr val="accent1"/>
+            </a:fillRef>
+            <a:effectRef idx="0">
+              <a:schemeClr val="accent1"/>
+            </a:effectRef>
+            <a:fontRef idx="minor">
+              <a:schemeClr val="lt1"/>
+            </a:fontRef>
+          </p:style>
+          <p:txBody>
+            <a:bodyPr rtlCol="0" anchor="ctr"/>
+            <a:lstStyle/>
+            <a:p>
+              <a:pPr algn="ctr"/>
+              <a:endParaRPr lang="ko-KR" altLang="en-US"/>
+            </a:p>
+          </p:txBody>
+        </p:sp>
+      </p:grpSp>
+      <p:cxnSp>
+        <p:nvCxnSpPr>
+          <p:cNvPr id="10" name="직선 화살표 연결선 9">
+            <a:extLst>
+              <a:ext uri="{FF2B5EF4-FFF2-40B4-BE49-F238E27FC236}">
+                <a16:creationId xmlns:a16="http://schemas.microsoft.com/office/drawing/2014/main" id="{B77DB326-ABDB-4272-BFBB-D5314EC28EB7}"/>
+              </a:ext>
+            </a:extLst>
+          </p:cNvPr>
+          <p:cNvCxnSpPr/>
+          <p:nvPr/>
+        </p:nvCxnSpPr>
+        <p:spPr>
+          <a:xfrm>
+            <a:off x="6486144" y="3154968"/>
+            <a:ext cx="2414955" cy="173299"/>
+          </a:xfrm>
+          <a:prstGeom prst="straightConnector1">
+            <a:avLst/>
+          </a:prstGeom>
+          <a:ln>
+            <a:solidFill>
+              <a:srgbClr val="7030A0"/>
+            </a:solidFill>
+            <a:tailEnd type="triangle"/>
+          </a:ln>
+        </p:spPr>
+        <p:style>
+          <a:lnRef idx="1">
+            <a:schemeClr val="accent1"/>
+          </a:lnRef>
+          <a:fillRef idx="0">
+            <a:schemeClr val="accent1"/>
+          </a:fillRef>
+          <a:effectRef idx="0">
+            <a:schemeClr val="accent1"/>
+          </a:effectRef>
+          <a:fontRef idx="minor">
+            <a:schemeClr val="tx1"/>
+          </a:fontRef>
+        </p:style>
+      </p:cxnSp>
+      <p:cxnSp>
+        <p:nvCxnSpPr>
+          <p:cNvPr id="12" name="직선 화살표 연결선 11">
+            <a:extLst>
+              <a:ext uri="{FF2B5EF4-FFF2-40B4-BE49-F238E27FC236}">
+                <a16:creationId xmlns:a16="http://schemas.microsoft.com/office/drawing/2014/main" id="{C752C00C-B691-4DDA-8C20-C3C853C2A977}"/>
+              </a:ext>
+            </a:extLst>
+          </p:cNvPr>
+          <p:cNvCxnSpPr>
+            <a:cxnSpLocks/>
+          </p:cNvCxnSpPr>
+          <p:nvPr/>
+        </p:nvCxnSpPr>
+        <p:spPr>
+          <a:xfrm flipH="1">
+            <a:off x="2569729" y="2981669"/>
+            <a:ext cx="1424468" cy="98590"/>
+          </a:xfrm>
+          <a:prstGeom prst="straightConnector1">
+            <a:avLst/>
+          </a:prstGeom>
+          <a:ln>
+            <a:solidFill>
+              <a:srgbClr val="00B050"/>
+            </a:solidFill>
+            <a:tailEnd type="triangle"/>
+          </a:ln>
+        </p:spPr>
+        <p:style>
+          <a:lnRef idx="1">
+            <a:schemeClr val="accent1"/>
+          </a:lnRef>
+          <a:fillRef idx="0">
+            <a:schemeClr val="accent1"/>
+          </a:fillRef>
+          <a:effectRef idx="0">
+            <a:schemeClr val="accent1"/>
+          </a:effectRef>
+          <a:fontRef idx="minor">
+            <a:schemeClr val="tx1"/>
+          </a:fontRef>
+        </p:style>
+      </p:cxnSp>
+      <p:cxnSp>
+        <p:nvCxnSpPr>
+          <p:cNvPr id="14" name="직선 화살표 연결선 13">
+            <a:extLst>
+              <a:ext uri="{FF2B5EF4-FFF2-40B4-BE49-F238E27FC236}">
+                <a16:creationId xmlns:a16="http://schemas.microsoft.com/office/drawing/2014/main" id="{D20DCC6F-3C6A-4208-87C6-C3C4A7F2C135}"/>
+              </a:ext>
+            </a:extLst>
+          </p:cNvPr>
+          <p:cNvCxnSpPr/>
+          <p:nvPr/>
+        </p:nvCxnSpPr>
+        <p:spPr>
+          <a:xfrm flipH="1" flipV="1">
+            <a:off x="2569729" y="3166909"/>
+            <a:ext cx="2170911" cy="74708"/>
+          </a:xfrm>
+          <a:prstGeom prst="straightConnector1">
+            <a:avLst/>
+          </a:prstGeom>
+          <a:ln>
+            <a:solidFill>
+              <a:srgbClr val="00B050"/>
+            </a:solidFill>
+            <a:tailEnd type="triangle"/>
+          </a:ln>
+        </p:spPr>
+        <p:style>
+          <a:lnRef idx="1">
+            <a:schemeClr val="accent1"/>
+          </a:lnRef>
+          <a:fillRef idx="0">
+            <a:schemeClr val="accent1"/>
+          </a:fillRef>
+          <a:effectRef idx="0">
+            <a:schemeClr val="accent1"/>
+          </a:effectRef>
+          <a:fontRef idx="minor">
+            <a:schemeClr val="tx1"/>
+          </a:fontRef>
+        </p:style>
+      </p:cxnSp>
+      <p:cxnSp>
+        <p:nvCxnSpPr>
+          <p:cNvPr id="17" name="직선 화살표 연결선 16">
+            <a:extLst>
+              <a:ext uri="{FF2B5EF4-FFF2-40B4-BE49-F238E27FC236}">
+                <a16:creationId xmlns:a16="http://schemas.microsoft.com/office/drawing/2014/main" id="{D89440A9-5267-444F-8E02-671B4B3AC5AF}"/>
+              </a:ext>
+            </a:extLst>
+          </p:cNvPr>
+          <p:cNvCxnSpPr/>
+          <p:nvPr/>
+        </p:nvCxnSpPr>
+        <p:spPr>
+          <a:xfrm>
+            <a:off x="7351776" y="1914144"/>
+            <a:ext cx="2182368" cy="315441"/>
+          </a:xfrm>
+          <a:prstGeom prst="straightConnector1">
+            <a:avLst/>
+          </a:prstGeom>
+          <a:ln>
+            <a:solidFill>
+              <a:srgbClr val="FF0000"/>
+            </a:solidFill>
+            <a:tailEnd type="triangle"/>
+          </a:ln>
+        </p:spPr>
+        <p:style>
+          <a:lnRef idx="1">
+            <a:schemeClr val="accent1"/>
+          </a:lnRef>
+          <a:fillRef idx="0">
+            <a:schemeClr val="accent1"/>
+          </a:fillRef>
+          <a:effectRef idx="0">
+            <a:schemeClr val="accent1"/>
+          </a:effectRef>
+          <a:fontRef idx="minor">
+            <a:schemeClr val="tx1"/>
+          </a:fontRef>
+        </p:style>
+      </p:cxnSp>
+      <p:sp>
+        <p:nvSpPr>
+          <p:cNvPr id="18" name="TextBox 17">
+            <a:extLst>
+              <a:ext uri="{FF2B5EF4-FFF2-40B4-BE49-F238E27FC236}">
+                <a16:creationId xmlns:a16="http://schemas.microsoft.com/office/drawing/2014/main" id="{D0CD4F50-219B-4A09-8978-42440CB39A26}"/>
+              </a:ext>
+            </a:extLst>
+          </p:cNvPr>
+          <p:cNvSpPr txBox="1"/>
+          <p:nvPr/>
+        </p:nvSpPr>
+        <p:spPr>
+          <a:xfrm>
+            <a:off x="9482519" y="2071864"/>
+            <a:ext cx="415498" cy="369332"/>
+          </a:xfrm>
+          <a:prstGeom prst="rect">
+            <a:avLst/>
+          </a:prstGeom>
+          <a:noFill/>
+        </p:spPr>
+        <p:txBody>
+          <a:bodyPr wrap="none" rtlCol="0">
+            <a:spAutoFit/>
+          </a:bodyPr>
+          <a:lstStyle/>
+          <a:p>
+            <a:r>
+              <a:rPr lang="ko-KR" altLang="en-US" dirty="0"/>
+              <a:t>①</a:t>
+            </a:r>
+          </a:p>
+        </p:txBody>
+      </p:sp>
+      <p:sp>
+        <p:nvSpPr>
+          <p:cNvPr id="19" name="TextBox 18">
+            <a:extLst>
+              <a:ext uri="{FF2B5EF4-FFF2-40B4-BE49-F238E27FC236}">
+                <a16:creationId xmlns:a16="http://schemas.microsoft.com/office/drawing/2014/main" id="{054B9DA9-B292-4972-8DEF-74D8F0B7C4B6}"/>
+              </a:ext>
+            </a:extLst>
+          </p:cNvPr>
+          <p:cNvSpPr txBox="1"/>
+          <p:nvPr/>
+        </p:nvSpPr>
+        <p:spPr>
+          <a:xfrm>
+            <a:off x="8881194" y="3204263"/>
+            <a:ext cx="415498" cy="369332"/>
+          </a:xfrm>
+          <a:prstGeom prst="rect">
+            <a:avLst/>
+          </a:prstGeom>
+          <a:noFill/>
+        </p:spPr>
+        <p:txBody>
+          <a:bodyPr wrap="none" rtlCol="0">
+            <a:spAutoFit/>
+          </a:bodyPr>
+          <a:lstStyle/>
+          <a:p>
+            <a:r>
+              <a:rPr lang="ko-KR" altLang="en-US" dirty="0"/>
+              <a:t>③</a:t>
+            </a:r>
+          </a:p>
+        </p:txBody>
+      </p:sp>
+      <p:sp>
+        <p:nvSpPr>
+          <p:cNvPr id="20" name="TextBox 19">
+            <a:extLst>
+              <a:ext uri="{FF2B5EF4-FFF2-40B4-BE49-F238E27FC236}">
+                <a16:creationId xmlns:a16="http://schemas.microsoft.com/office/drawing/2014/main" id="{86DEAC51-D67E-45E9-9CE4-F3E35866B9E5}"/>
+              </a:ext>
+            </a:extLst>
+          </p:cNvPr>
+          <p:cNvSpPr txBox="1"/>
+          <p:nvPr/>
+        </p:nvSpPr>
+        <p:spPr>
+          <a:xfrm>
+            <a:off x="2189725" y="2981669"/>
+            <a:ext cx="415498" cy="369332"/>
+          </a:xfrm>
+          <a:prstGeom prst="rect">
+            <a:avLst/>
+          </a:prstGeom>
+          <a:noFill/>
+        </p:spPr>
+        <p:txBody>
+          <a:bodyPr wrap="none" rtlCol="0">
+            <a:spAutoFit/>
+          </a:bodyPr>
+          <a:lstStyle/>
+          <a:p>
+            <a:r>
+              <a:rPr lang="ko-KR" altLang="en-US" dirty="0"/>
+              <a:t>②</a:t>
+            </a:r>
+          </a:p>
+        </p:txBody>
+      </p:sp>
+    </p:spTree>
+    <p:extLst>
+      <p:ext uri="{BB962C8B-B14F-4D97-AF65-F5344CB8AC3E}">
+        <p14:creationId xmlns:p14="http://schemas.microsoft.com/office/powerpoint/2010/main" val="499919554"/>
+      </p:ext>
+    </p:extLst>
+  </p:cSld>
+  <p:clrMapOvr>
+    <a:masterClrMapping/>
+  </p:clrMapOvr>
+</p:sld>
+</file>
+
+<file path=ppt/slides/slide8.xml><?xml version="1.0" encoding="utf-8"?>
+<p:sld xmlns:a="http://schemas.openxmlformats.org/drawingml/2006/main" xmlns:r="http://schemas.openxmlformats.org/officeDocument/2006/relationships" xmlns:p="http://schemas.openxmlformats.org/presentationml/2006/main">
+  <p:cSld>
+    <p:spTree>
+      <p:nvGrpSpPr>
+        <p:cNvPr id="1" name=""/>
+        <p:cNvGrpSpPr/>
+        <p:nvPr/>
+      </p:nvGrpSpPr>
+      <p:grpSpPr>
+        <a:xfrm>
+          <a:off x="0" y="0"/>
+          <a:ext cx="0" cy="0"/>
+          <a:chOff x="0" y="0"/>
+          <a:chExt cx="0" cy="0"/>
+        </a:xfrm>
+      </p:grpSpPr>
+      <p:grpSp>
+        <p:nvGrpSpPr>
+          <p:cNvPr id="4" name="그룹 3">
+            <a:extLst>
+              <a:ext uri="{FF2B5EF4-FFF2-40B4-BE49-F238E27FC236}">
+                <a16:creationId xmlns:a16="http://schemas.microsoft.com/office/drawing/2014/main" id="{351FE54B-EFE8-4B54-A76B-1D2301A8B911}"/>
+              </a:ext>
+            </a:extLst>
+          </p:cNvPr>
+          <p:cNvGrpSpPr/>
+          <p:nvPr/>
+        </p:nvGrpSpPr>
+        <p:grpSpPr>
+          <a:xfrm>
+            <a:off x="4202089" y="457286"/>
+            <a:ext cx="3787821" cy="5638714"/>
+            <a:chOff x="3631843" y="115910"/>
+            <a:chExt cx="4662151" cy="6940279"/>
+          </a:xfrm>
+        </p:grpSpPr>
+        <p:sp>
+          <p:nvSpPr>
+            <p:cNvPr id="5" name="자유형: 도형 4">
+              <a:extLst>
+                <a:ext uri="{FF2B5EF4-FFF2-40B4-BE49-F238E27FC236}">
+                  <a16:creationId xmlns:a16="http://schemas.microsoft.com/office/drawing/2014/main" id="{7C5C1159-E339-439C-9638-62D714A2F792}"/>
+                </a:ext>
+              </a:extLst>
+            </p:cNvPr>
+            <p:cNvSpPr/>
+            <p:nvPr/>
+          </p:nvSpPr>
+          <p:spPr>
+            <a:xfrm>
+              <a:off x="3631843" y="122796"/>
+              <a:ext cx="4658841" cy="6933393"/>
+            </a:xfrm>
+            <a:custGeom>
+              <a:avLst/>
+              <a:gdLst>
+                <a:gd name="connsiteX0" fmla="*/ 437881 w 3451538"/>
+                <a:gd name="connsiteY0" fmla="*/ 257578 h 4520485"/>
+                <a:gd name="connsiteX1" fmla="*/ 566670 w 3451538"/>
+                <a:gd name="connsiteY1" fmla="*/ 1107583 h 4520485"/>
+                <a:gd name="connsiteX2" fmla="*/ 0 w 3451538"/>
+                <a:gd name="connsiteY2" fmla="*/ 1622738 h 4520485"/>
+                <a:gd name="connsiteX3" fmla="*/ 1171977 w 3451538"/>
+                <a:gd name="connsiteY3" fmla="*/ 1906073 h 4520485"/>
+                <a:gd name="connsiteX4" fmla="*/ 1210614 w 3451538"/>
+                <a:gd name="connsiteY4" fmla="*/ 2421228 h 4520485"/>
+                <a:gd name="connsiteX5" fmla="*/ 631064 w 3451538"/>
+                <a:gd name="connsiteY5" fmla="*/ 2936383 h 4520485"/>
+                <a:gd name="connsiteX6" fmla="*/ 90152 w 3451538"/>
+                <a:gd name="connsiteY6" fmla="*/ 4520485 h 4520485"/>
+                <a:gd name="connsiteX7" fmla="*/ 1056067 w 3451538"/>
+                <a:gd name="connsiteY7" fmla="*/ 3721995 h 4520485"/>
+                <a:gd name="connsiteX8" fmla="*/ 1429554 w 3451538"/>
+                <a:gd name="connsiteY8" fmla="*/ 3915178 h 4520485"/>
+                <a:gd name="connsiteX9" fmla="*/ 1931830 w 3451538"/>
+                <a:gd name="connsiteY9" fmla="*/ 3876541 h 4520485"/>
+                <a:gd name="connsiteX10" fmla="*/ 2086377 w 3451538"/>
+                <a:gd name="connsiteY10" fmla="*/ 3606085 h 4520485"/>
+                <a:gd name="connsiteX11" fmla="*/ 2421228 w 3451538"/>
+                <a:gd name="connsiteY11" fmla="*/ 3464417 h 4520485"/>
+                <a:gd name="connsiteX12" fmla="*/ 2421228 w 3451538"/>
+                <a:gd name="connsiteY12" fmla="*/ 2897747 h 4520485"/>
+                <a:gd name="connsiteX13" fmla="*/ 3013656 w 3451538"/>
+                <a:gd name="connsiteY13" fmla="*/ 2588654 h 4520485"/>
+                <a:gd name="connsiteX14" fmla="*/ 3451538 w 3451538"/>
+                <a:gd name="connsiteY14" fmla="*/ 2137893 h 4520485"/>
+                <a:gd name="connsiteX15" fmla="*/ 3271233 w 3451538"/>
+                <a:gd name="connsiteY15" fmla="*/ 656823 h 4520485"/>
+                <a:gd name="connsiteX16" fmla="*/ 2936383 w 3451538"/>
+                <a:gd name="connsiteY16" fmla="*/ 798490 h 4520485"/>
+                <a:gd name="connsiteX17" fmla="*/ 2305318 w 3451538"/>
+                <a:gd name="connsiteY17" fmla="*/ 0 h 4520485"/>
+                <a:gd name="connsiteX18" fmla="*/ 437881 w 3451538"/>
+                <a:gd name="connsiteY18" fmla="*/ 257578 h 4520485"/>
+                <a:gd name="connsiteX0" fmla="*/ 437881 w 3451538"/>
+                <a:gd name="connsiteY0" fmla="*/ 257578 h 4520485"/>
+                <a:gd name="connsiteX1" fmla="*/ 566670 w 3451538"/>
+                <a:gd name="connsiteY1" fmla="*/ 1107583 h 4520485"/>
+                <a:gd name="connsiteX2" fmla="*/ 0 w 3451538"/>
+                <a:gd name="connsiteY2" fmla="*/ 1622738 h 4520485"/>
+                <a:gd name="connsiteX3" fmla="*/ 1171977 w 3451538"/>
+                <a:gd name="connsiteY3" fmla="*/ 1906073 h 4520485"/>
+                <a:gd name="connsiteX4" fmla="*/ 1210614 w 3451538"/>
+                <a:gd name="connsiteY4" fmla="*/ 2421228 h 4520485"/>
+                <a:gd name="connsiteX5" fmla="*/ 631064 w 3451538"/>
+                <a:gd name="connsiteY5" fmla="*/ 2936383 h 4520485"/>
+                <a:gd name="connsiteX6" fmla="*/ 90152 w 3451538"/>
+                <a:gd name="connsiteY6" fmla="*/ 4520485 h 4520485"/>
+                <a:gd name="connsiteX7" fmla="*/ 1056067 w 3451538"/>
+                <a:gd name="connsiteY7" fmla="*/ 3721995 h 4520485"/>
+                <a:gd name="connsiteX8" fmla="*/ 1429554 w 3451538"/>
+                <a:gd name="connsiteY8" fmla="*/ 3915178 h 4520485"/>
+                <a:gd name="connsiteX9" fmla="*/ 1931830 w 3451538"/>
+                <a:gd name="connsiteY9" fmla="*/ 3876541 h 4520485"/>
+                <a:gd name="connsiteX10" fmla="*/ 2196972 w 3451538"/>
+                <a:gd name="connsiteY10" fmla="*/ 4016867 h 4520485"/>
+                <a:gd name="connsiteX11" fmla="*/ 2421228 w 3451538"/>
+                <a:gd name="connsiteY11" fmla="*/ 3464417 h 4520485"/>
+                <a:gd name="connsiteX12" fmla="*/ 2421228 w 3451538"/>
+                <a:gd name="connsiteY12" fmla="*/ 2897747 h 4520485"/>
+                <a:gd name="connsiteX13" fmla="*/ 3013656 w 3451538"/>
+                <a:gd name="connsiteY13" fmla="*/ 2588654 h 4520485"/>
+                <a:gd name="connsiteX14" fmla="*/ 3451538 w 3451538"/>
+                <a:gd name="connsiteY14" fmla="*/ 2137893 h 4520485"/>
+                <a:gd name="connsiteX15" fmla="*/ 3271233 w 3451538"/>
+                <a:gd name="connsiteY15" fmla="*/ 656823 h 4520485"/>
+                <a:gd name="connsiteX16" fmla="*/ 2936383 w 3451538"/>
+                <a:gd name="connsiteY16" fmla="*/ 798490 h 4520485"/>
+                <a:gd name="connsiteX17" fmla="*/ 2305318 w 3451538"/>
+                <a:gd name="connsiteY17" fmla="*/ 0 h 4520485"/>
+                <a:gd name="connsiteX18" fmla="*/ 437881 w 3451538"/>
+                <a:gd name="connsiteY18" fmla="*/ 257578 h 4520485"/>
+                <a:gd name="connsiteX0" fmla="*/ 437881 w 3451538"/>
+                <a:gd name="connsiteY0" fmla="*/ 257578 h 4520485"/>
+                <a:gd name="connsiteX1" fmla="*/ 566670 w 3451538"/>
+                <a:gd name="connsiteY1" fmla="*/ 1107583 h 4520485"/>
+                <a:gd name="connsiteX2" fmla="*/ 0 w 3451538"/>
+                <a:gd name="connsiteY2" fmla="*/ 1622738 h 4520485"/>
+                <a:gd name="connsiteX3" fmla="*/ 1171977 w 3451538"/>
+                <a:gd name="connsiteY3" fmla="*/ 1906073 h 4520485"/>
+                <a:gd name="connsiteX4" fmla="*/ 1210614 w 3451538"/>
+                <a:gd name="connsiteY4" fmla="*/ 2421228 h 4520485"/>
+                <a:gd name="connsiteX5" fmla="*/ 631064 w 3451538"/>
+                <a:gd name="connsiteY5" fmla="*/ 2936383 h 4520485"/>
+                <a:gd name="connsiteX6" fmla="*/ 90152 w 3451538"/>
+                <a:gd name="connsiteY6" fmla="*/ 4520485 h 4520485"/>
+                <a:gd name="connsiteX7" fmla="*/ 1056067 w 3451538"/>
+                <a:gd name="connsiteY7" fmla="*/ 3721995 h 4520485"/>
+                <a:gd name="connsiteX8" fmla="*/ 1429554 w 3451538"/>
+                <a:gd name="connsiteY8" fmla="*/ 3915178 h 4520485"/>
+                <a:gd name="connsiteX9" fmla="*/ 1931831 w 3451538"/>
+                <a:gd name="connsiteY9" fmla="*/ 4160930 h 4520485"/>
+                <a:gd name="connsiteX10" fmla="*/ 2196972 w 3451538"/>
+                <a:gd name="connsiteY10" fmla="*/ 4016867 h 4520485"/>
+                <a:gd name="connsiteX11" fmla="*/ 2421228 w 3451538"/>
+                <a:gd name="connsiteY11" fmla="*/ 3464417 h 4520485"/>
+                <a:gd name="connsiteX12" fmla="*/ 2421228 w 3451538"/>
+                <a:gd name="connsiteY12" fmla="*/ 2897747 h 4520485"/>
+                <a:gd name="connsiteX13" fmla="*/ 3013656 w 3451538"/>
+                <a:gd name="connsiteY13" fmla="*/ 2588654 h 4520485"/>
+                <a:gd name="connsiteX14" fmla="*/ 3451538 w 3451538"/>
+                <a:gd name="connsiteY14" fmla="*/ 2137893 h 4520485"/>
+                <a:gd name="connsiteX15" fmla="*/ 3271233 w 3451538"/>
+                <a:gd name="connsiteY15" fmla="*/ 656823 h 4520485"/>
+                <a:gd name="connsiteX16" fmla="*/ 2936383 w 3451538"/>
+                <a:gd name="connsiteY16" fmla="*/ 798490 h 4520485"/>
+                <a:gd name="connsiteX17" fmla="*/ 2305318 w 3451538"/>
+                <a:gd name="connsiteY17" fmla="*/ 0 h 4520485"/>
+                <a:gd name="connsiteX18" fmla="*/ 437881 w 3451538"/>
+                <a:gd name="connsiteY18" fmla="*/ 257578 h 4520485"/>
+                <a:gd name="connsiteX0" fmla="*/ 437881 w 3451538"/>
+                <a:gd name="connsiteY0" fmla="*/ 257578 h 4520485"/>
+                <a:gd name="connsiteX1" fmla="*/ 566670 w 3451538"/>
+                <a:gd name="connsiteY1" fmla="*/ 1107583 h 4520485"/>
+                <a:gd name="connsiteX2" fmla="*/ 0 w 3451538"/>
+                <a:gd name="connsiteY2" fmla="*/ 1622738 h 4520485"/>
+                <a:gd name="connsiteX3" fmla="*/ 1171977 w 3451538"/>
+                <a:gd name="connsiteY3" fmla="*/ 1906073 h 4520485"/>
+                <a:gd name="connsiteX4" fmla="*/ 1210614 w 3451538"/>
+                <a:gd name="connsiteY4" fmla="*/ 2421228 h 4520485"/>
+                <a:gd name="connsiteX5" fmla="*/ 631064 w 3451538"/>
+                <a:gd name="connsiteY5" fmla="*/ 2936383 h 4520485"/>
+                <a:gd name="connsiteX6" fmla="*/ 90152 w 3451538"/>
+                <a:gd name="connsiteY6" fmla="*/ 4520485 h 4520485"/>
+                <a:gd name="connsiteX7" fmla="*/ 1056067 w 3451538"/>
+                <a:gd name="connsiteY7" fmla="*/ 3721995 h 4520485"/>
+                <a:gd name="connsiteX8" fmla="*/ 1792938 w 3451538"/>
+                <a:gd name="connsiteY8" fmla="*/ 4515552 h 4520485"/>
+                <a:gd name="connsiteX9" fmla="*/ 1931831 w 3451538"/>
+                <a:gd name="connsiteY9" fmla="*/ 4160930 h 4520485"/>
+                <a:gd name="connsiteX10" fmla="*/ 2196972 w 3451538"/>
+                <a:gd name="connsiteY10" fmla="*/ 4016867 h 4520485"/>
+                <a:gd name="connsiteX11" fmla="*/ 2421228 w 3451538"/>
+                <a:gd name="connsiteY11" fmla="*/ 3464417 h 4520485"/>
+                <a:gd name="connsiteX12" fmla="*/ 2421228 w 3451538"/>
+                <a:gd name="connsiteY12" fmla="*/ 2897747 h 4520485"/>
+                <a:gd name="connsiteX13" fmla="*/ 3013656 w 3451538"/>
+                <a:gd name="connsiteY13" fmla="*/ 2588654 h 4520485"/>
+                <a:gd name="connsiteX14" fmla="*/ 3451538 w 3451538"/>
+                <a:gd name="connsiteY14" fmla="*/ 2137893 h 4520485"/>
+                <a:gd name="connsiteX15" fmla="*/ 3271233 w 3451538"/>
+                <a:gd name="connsiteY15" fmla="*/ 656823 h 4520485"/>
+                <a:gd name="connsiteX16" fmla="*/ 2936383 w 3451538"/>
+                <a:gd name="connsiteY16" fmla="*/ 798490 h 4520485"/>
+                <a:gd name="connsiteX17" fmla="*/ 2305318 w 3451538"/>
+                <a:gd name="connsiteY17" fmla="*/ 0 h 4520485"/>
+                <a:gd name="connsiteX18" fmla="*/ 437881 w 3451538"/>
+                <a:gd name="connsiteY18" fmla="*/ 257578 h 4520485"/>
+                <a:gd name="connsiteX0" fmla="*/ 437881 w 3451538"/>
+                <a:gd name="connsiteY0" fmla="*/ 257578 h 4520485"/>
+                <a:gd name="connsiteX1" fmla="*/ 566670 w 3451538"/>
+                <a:gd name="connsiteY1" fmla="*/ 1107583 h 4520485"/>
+                <a:gd name="connsiteX2" fmla="*/ 0 w 3451538"/>
+                <a:gd name="connsiteY2" fmla="*/ 1622738 h 4520485"/>
+                <a:gd name="connsiteX3" fmla="*/ 1171977 w 3451538"/>
+                <a:gd name="connsiteY3" fmla="*/ 1906073 h 4520485"/>
+                <a:gd name="connsiteX4" fmla="*/ 1210614 w 3451538"/>
+                <a:gd name="connsiteY4" fmla="*/ 2421228 h 4520485"/>
+                <a:gd name="connsiteX5" fmla="*/ 631064 w 3451538"/>
+                <a:gd name="connsiteY5" fmla="*/ 2936383 h 4520485"/>
+                <a:gd name="connsiteX6" fmla="*/ 90152 w 3451538"/>
+                <a:gd name="connsiteY6" fmla="*/ 4520485 h 4520485"/>
+                <a:gd name="connsiteX7" fmla="*/ 929673 w 3451538"/>
+                <a:gd name="connsiteY7" fmla="*/ 4338169 h 4520485"/>
+                <a:gd name="connsiteX8" fmla="*/ 1792938 w 3451538"/>
+                <a:gd name="connsiteY8" fmla="*/ 4515552 h 4520485"/>
+                <a:gd name="connsiteX9" fmla="*/ 1931831 w 3451538"/>
+                <a:gd name="connsiteY9" fmla="*/ 4160930 h 4520485"/>
+                <a:gd name="connsiteX10" fmla="*/ 2196972 w 3451538"/>
+                <a:gd name="connsiteY10" fmla="*/ 4016867 h 4520485"/>
+                <a:gd name="connsiteX11" fmla="*/ 2421228 w 3451538"/>
+                <a:gd name="connsiteY11" fmla="*/ 3464417 h 4520485"/>
+                <a:gd name="connsiteX12" fmla="*/ 2421228 w 3451538"/>
+                <a:gd name="connsiteY12" fmla="*/ 2897747 h 4520485"/>
+                <a:gd name="connsiteX13" fmla="*/ 3013656 w 3451538"/>
+                <a:gd name="connsiteY13" fmla="*/ 2588654 h 4520485"/>
+                <a:gd name="connsiteX14" fmla="*/ 3451538 w 3451538"/>
+                <a:gd name="connsiteY14" fmla="*/ 2137893 h 4520485"/>
+                <a:gd name="connsiteX15" fmla="*/ 3271233 w 3451538"/>
+                <a:gd name="connsiteY15" fmla="*/ 656823 h 4520485"/>
+                <a:gd name="connsiteX16" fmla="*/ 2936383 w 3451538"/>
+                <a:gd name="connsiteY16" fmla="*/ 798490 h 4520485"/>
+                <a:gd name="connsiteX17" fmla="*/ 2305318 w 3451538"/>
+                <a:gd name="connsiteY17" fmla="*/ 0 h 4520485"/>
+                <a:gd name="connsiteX18" fmla="*/ 437881 w 3451538"/>
+                <a:gd name="connsiteY18" fmla="*/ 257578 h 4520485"/>
+                <a:gd name="connsiteX0" fmla="*/ 437881 w 3451538"/>
+                <a:gd name="connsiteY0" fmla="*/ 257578 h 5136658"/>
+                <a:gd name="connsiteX1" fmla="*/ 566670 w 3451538"/>
+                <a:gd name="connsiteY1" fmla="*/ 1107583 h 5136658"/>
+                <a:gd name="connsiteX2" fmla="*/ 0 w 3451538"/>
+                <a:gd name="connsiteY2" fmla="*/ 1622738 h 5136658"/>
+                <a:gd name="connsiteX3" fmla="*/ 1171977 w 3451538"/>
+                <a:gd name="connsiteY3" fmla="*/ 1906073 h 5136658"/>
+                <a:gd name="connsiteX4" fmla="*/ 1210614 w 3451538"/>
+                <a:gd name="connsiteY4" fmla="*/ 2421228 h 5136658"/>
+                <a:gd name="connsiteX5" fmla="*/ 631064 w 3451538"/>
+                <a:gd name="connsiteY5" fmla="*/ 2936383 h 5136658"/>
+                <a:gd name="connsiteX6" fmla="*/ 11155 w 3451538"/>
+                <a:gd name="connsiteY6" fmla="*/ 5136658 h 5136658"/>
+                <a:gd name="connsiteX7" fmla="*/ 929673 w 3451538"/>
+                <a:gd name="connsiteY7" fmla="*/ 4338169 h 5136658"/>
+                <a:gd name="connsiteX8" fmla="*/ 1792938 w 3451538"/>
+                <a:gd name="connsiteY8" fmla="*/ 4515552 h 5136658"/>
+                <a:gd name="connsiteX9" fmla="*/ 1931831 w 3451538"/>
+                <a:gd name="connsiteY9" fmla="*/ 4160930 h 5136658"/>
+                <a:gd name="connsiteX10" fmla="*/ 2196972 w 3451538"/>
+                <a:gd name="connsiteY10" fmla="*/ 4016867 h 5136658"/>
+                <a:gd name="connsiteX11" fmla="*/ 2421228 w 3451538"/>
+                <a:gd name="connsiteY11" fmla="*/ 3464417 h 5136658"/>
+                <a:gd name="connsiteX12" fmla="*/ 2421228 w 3451538"/>
+                <a:gd name="connsiteY12" fmla="*/ 2897747 h 5136658"/>
+                <a:gd name="connsiteX13" fmla="*/ 3013656 w 3451538"/>
+                <a:gd name="connsiteY13" fmla="*/ 2588654 h 5136658"/>
+                <a:gd name="connsiteX14" fmla="*/ 3451538 w 3451538"/>
+                <a:gd name="connsiteY14" fmla="*/ 2137893 h 5136658"/>
+                <a:gd name="connsiteX15" fmla="*/ 3271233 w 3451538"/>
+                <a:gd name="connsiteY15" fmla="*/ 656823 h 5136658"/>
+                <a:gd name="connsiteX16" fmla="*/ 2936383 w 3451538"/>
+                <a:gd name="connsiteY16" fmla="*/ 798490 h 5136658"/>
+                <a:gd name="connsiteX17" fmla="*/ 2305318 w 3451538"/>
+                <a:gd name="connsiteY17" fmla="*/ 0 h 5136658"/>
+                <a:gd name="connsiteX18" fmla="*/ 437881 w 3451538"/>
+                <a:gd name="connsiteY18" fmla="*/ 257578 h 5136658"/>
+              </a:gdLst>
+              <a:ahLst/>
+              <a:cxnLst>
+                <a:cxn ang="0">
+                  <a:pos x="connsiteX0" y="connsiteY0"/>
+                </a:cxn>
+                <a:cxn ang="0">
+                  <a:pos x="connsiteX1" y="connsiteY1"/>
+                </a:cxn>
+                <a:cxn ang="0">
+                  <a:pos x="connsiteX2" y="connsiteY2"/>
+                </a:cxn>
+                <a:cxn ang="0">
+                  <a:pos x="connsiteX3" y="connsiteY3"/>
+                </a:cxn>
+                <a:cxn ang="0">
+                  <a:pos x="connsiteX4" y="connsiteY4"/>
+                </a:cxn>
+                <a:cxn ang="0">
+                  <a:pos x="connsiteX5" y="connsiteY5"/>
+                </a:cxn>
+                <a:cxn ang="0">
+                  <a:pos x="connsiteX6" y="connsiteY6"/>
+                </a:cxn>
+                <a:cxn ang="0">
+                  <a:pos x="connsiteX7" y="connsiteY7"/>
+                </a:cxn>
+                <a:cxn ang="0">
+                  <a:pos x="connsiteX8" y="connsiteY8"/>
+                </a:cxn>
+                <a:cxn ang="0">
+                  <a:pos x="connsiteX9" y="connsiteY9"/>
+                </a:cxn>
+                <a:cxn ang="0">
+                  <a:pos x="connsiteX10" y="connsiteY10"/>
+                </a:cxn>
+                <a:cxn ang="0">
+                  <a:pos x="connsiteX11" y="connsiteY11"/>
+                </a:cxn>
+                <a:cxn ang="0">
+                  <a:pos x="connsiteX12" y="connsiteY12"/>
+                </a:cxn>
+                <a:cxn ang="0">
+                  <a:pos x="connsiteX13" y="connsiteY13"/>
+                </a:cxn>
+                <a:cxn ang="0">
+                  <a:pos x="connsiteX14" y="connsiteY14"/>
+                </a:cxn>
+                <a:cxn ang="0">
+                  <a:pos x="connsiteX15" y="connsiteY15"/>
+                </a:cxn>
+                <a:cxn ang="0">
+                  <a:pos x="connsiteX16" y="connsiteY16"/>
+                </a:cxn>
+                <a:cxn ang="0">
+                  <a:pos x="connsiteX17" y="connsiteY17"/>
+                </a:cxn>
+                <a:cxn ang="0">
+                  <a:pos x="connsiteX18" y="connsiteY18"/>
+                </a:cxn>
+              </a:cxnLst>
+              <a:rect l="l" t="t" r="r" b="b"/>
+              <a:pathLst>
+                <a:path w="3451538" h="5136658">
+                  <a:moveTo>
+                    <a:pt x="437881" y="257578"/>
+                  </a:moveTo>
+                  <a:lnTo>
+                    <a:pt x="566670" y="1107583"/>
+                  </a:lnTo>
+                  <a:lnTo>
+                    <a:pt x="0" y="1622738"/>
+                  </a:lnTo>
+                  <a:lnTo>
+                    <a:pt x="1171977" y="1906073"/>
+                  </a:lnTo>
+                  <a:lnTo>
+                    <a:pt x="1210614" y="2421228"/>
+                  </a:lnTo>
+                  <a:lnTo>
+                    <a:pt x="631064" y="2936383"/>
+                  </a:lnTo>
+                  <a:lnTo>
+                    <a:pt x="11155" y="5136658"/>
+                  </a:lnTo>
+                  <a:lnTo>
+                    <a:pt x="929673" y="4338169"/>
+                  </a:lnTo>
+                  <a:lnTo>
+                    <a:pt x="1792938" y="4515552"/>
+                  </a:lnTo>
+                  <a:lnTo>
+                    <a:pt x="1931831" y="4160930"/>
+                  </a:lnTo>
+                  <a:lnTo>
+                    <a:pt x="2196972" y="4016867"/>
+                  </a:lnTo>
+                  <a:lnTo>
+                    <a:pt x="2421228" y="3464417"/>
+                  </a:lnTo>
+                  <a:lnTo>
+                    <a:pt x="2421228" y="2897747"/>
+                  </a:lnTo>
+                  <a:lnTo>
+                    <a:pt x="3013656" y="2588654"/>
+                  </a:lnTo>
+                  <a:lnTo>
+                    <a:pt x="3451538" y="2137893"/>
+                  </a:lnTo>
+                  <a:lnTo>
+                    <a:pt x="3271233" y="656823"/>
+                  </a:lnTo>
+                  <a:lnTo>
+                    <a:pt x="2936383" y="798490"/>
+                  </a:lnTo>
+                  <a:lnTo>
+                    <a:pt x="2305318" y="0"/>
+                  </a:lnTo>
+                  <a:lnTo>
+                    <a:pt x="437881" y="257578"/>
+                  </a:lnTo>
+                  <a:close/>
+                </a:path>
+              </a:pathLst>
+            </a:custGeom>
+            <a:solidFill>
+              <a:schemeClr val="accent6">
+                <a:lumMod val="60000"/>
+                <a:lumOff val="40000"/>
+              </a:schemeClr>
+            </a:solidFill>
+          </p:spPr>
+          <p:style>
+            <a:lnRef idx="2">
+              <a:schemeClr val="accent1">
+                <a:shade val="50000"/>
+              </a:schemeClr>
+            </a:lnRef>
+            <a:fillRef idx="1">
+              <a:schemeClr val="accent1"/>
+            </a:fillRef>
+            <a:effectRef idx="0">
+              <a:schemeClr val="accent1"/>
+            </a:effectRef>
+            <a:fontRef idx="minor">
+              <a:schemeClr val="lt1"/>
+            </a:fontRef>
+          </p:style>
+          <p:txBody>
+            <a:bodyPr rtlCol="0" anchor="ctr"/>
+            <a:lstStyle/>
+            <a:p>
+              <a:pPr algn="ctr"/>
+              <a:endParaRPr lang="ko-KR" altLang="en-US" dirty="0"/>
+            </a:p>
+          </p:txBody>
+        </p:sp>
+        <p:sp>
+          <p:nvSpPr>
+            <p:cNvPr id="6" name="자유형: 도형 5">
+              <a:extLst>
+                <a:ext uri="{FF2B5EF4-FFF2-40B4-BE49-F238E27FC236}">
+                  <a16:creationId xmlns:a16="http://schemas.microsoft.com/office/drawing/2014/main" id="{300A942A-9FDB-4209-AC77-71D3BE51B7B9}"/>
+                </a:ext>
+              </a:extLst>
+            </p:cNvPr>
+            <p:cNvSpPr/>
+            <p:nvPr/>
+          </p:nvSpPr>
+          <p:spPr>
+            <a:xfrm>
+              <a:off x="4224270" y="115910"/>
+              <a:ext cx="2704564" cy="1300766"/>
+            </a:xfrm>
+            <a:custGeom>
+              <a:avLst/>
+              <a:gdLst>
+                <a:gd name="connsiteX0" fmla="*/ 103031 w 2704564"/>
+                <a:gd name="connsiteY0" fmla="*/ 1300766 h 1300766"/>
+                <a:gd name="connsiteX1" fmla="*/ 708338 w 2704564"/>
+                <a:gd name="connsiteY1" fmla="*/ 1030310 h 1300766"/>
+                <a:gd name="connsiteX2" fmla="*/ 1133341 w 2704564"/>
+                <a:gd name="connsiteY2" fmla="*/ 772732 h 1300766"/>
+                <a:gd name="connsiteX3" fmla="*/ 2021984 w 2704564"/>
+                <a:gd name="connsiteY3" fmla="*/ 772732 h 1300766"/>
+                <a:gd name="connsiteX4" fmla="*/ 2704564 w 2704564"/>
+                <a:gd name="connsiteY4" fmla="*/ 206062 h 1300766"/>
+                <a:gd name="connsiteX5" fmla="*/ 2511381 w 2704564"/>
+                <a:gd name="connsiteY5" fmla="*/ 0 h 1300766"/>
+                <a:gd name="connsiteX6" fmla="*/ 0 w 2704564"/>
+                <a:gd name="connsiteY6" fmla="*/ 360608 h 1300766"/>
+                <a:gd name="connsiteX7" fmla="*/ 103031 w 2704564"/>
+                <a:gd name="connsiteY7" fmla="*/ 1300766 h 1300766"/>
+              </a:gdLst>
+              <a:ahLst/>
+              <a:cxnLst>
+                <a:cxn ang="0">
+                  <a:pos x="connsiteX0" y="connsiteY0"/>
+                </a:cxn>
+                <a:cxn ang="0">
+                  <a:pos x="connsiteX1" y="connsiteY1"/>
+                </a:cxn>
+                <a:cxn ang="0">
+                  <a:pos x="connsiteX2" y="connsiteY2"/>
+                </a:cxn>
+                <a:cxn ang="0">
+                  <a:pos x="connsiteX3" y="connsiteY3"/>
+                </a:cxn>
+                <a:cxn ang="0">
+                  <a:pos x="connsiteX4" y="connsiteY4"/>
+                </a:cxn>
+                <a:cxn ang="0">
+                  <a:pos x="connsiteX5" y="connsiteY5"/>
+                </a:cxn>
+                <a:cxn ang="0">
+                  <a:pos x="connsiteX6" y="connsiteY6"/>
+                </a:cxn>
+                <a:cxn ang="0">
+                  <a:pos x="connsiteX7" y="connsiteY7"/>
+                </a:cxn>
+              </a:cxnLst>
+              <a:rect l="l" t="t" r="r" b="b"/>
+              <a:pathLst>
+                <a:path w="2704564" h="1300766">
+                  <a:moveTo>
+                    <a:pt x="103031" y="1300766"/>
+                  </a:moveTo>
+                  <a:lnTo>
+                    <a:pt x="708338" y="1030310"/>
+                  </a:lnTo>
+                  <a:lnTo>
+                    <a:pt x="1133341" y="772732"/>
+                  </a:lnTo>
+                  <a:lnTo>
+                    <a:pt x="2021984" y="772732"/>
+                  </a:lnTo>
+                  <a:lnTo>
+                    <a:pt x="2704564" y="206062"/>
+                  </a:lnTo>
+                  <a:lnTo>
+                    <a:pt x="2511381" y="0"/>
+                  </a:lnTo>
+                  <a:lnTo>
+                    <a:pt x="0" y="360608"/>
+                  </a:lnTo>
+                  <a:lnTo>
+                    <a:pt x="103031" y="1300766"/>
+                  </a:lnTo>
+                  <a:close/>
+                </a:path>
+              </a:pathLst>
+            </a:custGeom>
+            <a:solidFill>
+              <a:schemeClr val="accent6">
+                <a:lumMod val="75000"/>
+              </a:schemeClr>
+            </a:solidFill>
+          </p:spPr>
+          <p:style>
+            <a:lnRef idx="2">
+              <a:schemeClr val="accent1">
+                <a:shade val="50000"/>
+              </a:schemeClr>
+            </a:lnRef>
+            <a:fillRef idx="1">
+              <a:schemeClr val="accent1"/>
+            </a:fillRef>
+            <a:effectRef idx="0">
+              <a:schemeClr val="accent1"/>
+            </a:effectRef>
+            <a:fontRef idx="minor">
+              <a:schemeClr val="lt1"/>
+            </a:fontRef>
+          </p:style>
+          <p:txBody>
+            <a:bodyPr rtlCol="0" anchor="ctr"/>
+            <a:lstStyle/>
+            <a:p>
+              <a:pPr algn="ctr"/>
+              <a:endParaRPr lang="ko-KR" altLang="en-US"/>
+            </a:p>
+          </p:txBody>
+        </p:sp>
+        <p:sp>
+          <p:nvSpPr>
+            <p:cNvPr id="7" name="자유형: 도형 6">
+              <a:extLst>
+                <a:ext uri="{FF2B5EF4-FFF2-40B4-BE49-F238E27FC236}">
+                  <a16:creationId xmlns:a16="http://schemas.microsoft.com/office/drawing/2014/main" id="{A11471CB-691F-4991-AFF8-D4BFBD0C83F0}"/>
+                </a:ext>
+              </a:extLst>
+            </p:cNvPr>
+            <p:cNvSpPr/>
+            <p:nvPr/>
+          </p:nvSpPr>
+          <p:spPr>
+            <a:xfrm>
+              <a:off x="5615189" y="1262130"/>
+              <a:ext cx="1815921" cy="1584101"/>
+            </a:xfrm>
+            <a:custGeom>
+              <a:avLst/>
+              <a:gdLst>
+                <a:gd name="connsiteX0" fmla="*/ 0 w 1815921"/>
+                <a:gd name="connsiteY0" fmla="*/ 231819 h 1584101"/>
+                <a:gd name="connsiteX1" fmla="*/ 283335 w 1815921"/>
+                <a:gd name="connsiteY1" fmla="*/ 682580 h 1584101"/>
+                <a:gd name="connsiteX2" fmla="*/ 862884 w 1815921"/>
+                <a:gd name="connsiteY2" fmla="*/ 643943 h 1584101"/>
+                <a:gd name="connsiteX3" fmla="*/ 1403797 w 1815921"/>
+                <a:gd name="connsiteY3" fmla="*/ 1584101 h 1584101"/>
+                <a:gd name="connsiteX4" fmla="*/ 1815921 w 1815921"/>
+                <a:gd name="connsiteY4" fmla="*/ 1326524 h 1584101"/>
+                <a:gd name="connsiteX5" fmla="*/ 1287887 w 1815921"/>
+                <a:gd name="connsiteY5" fmla="*/ 231819 h 1584101"/>
+                <a:gd name="connsiteX6" fmla="*/ 566670 w 1815921"/>
+                <a:gd name="connsiteY6" fmla="*/ 0 h 1584101"/>
+                <a:gd name="connsiteX7" fmla="*/ 0 w 1815921"/>
+                <a:gd name="connsiteY7" fmla="*/ 231819 h 1584101"/>
+              </a:gdLst>
+              <a:ahLst/>
+              <a:cxnLst>
+                <a:cxn ang="0">
+                  <a:pos x="connsiteX0" y="connsiteY0"/>
+                </a:cxn>
+                <a:cxn ang="0">
+                  <a:pos x="connsiteX1" y="connsiteY1"/>
+                </a:cxn>
+                <a:cxn ang="0">
+                  <a:pos x="connsiteX2" y="connsiteY2"/>
+                </a:cxn>
+                <a:cxn ang="0">
+                  <a:pos x="connsiteX3" y="connsiteY3"/>
+                </a:cxn>
+                <a:cxn ang="0">
+                  <a:pos x="connsiteX4" y="connsiteY4"/>
+                </a:cxn>
+                <a:cxn ang="0">
+                  <a:pos x="connsiteX5" y="connsiteY5"/>
+                </a:cxn>
+                <a:cxn ang="0">
+                  <a:pos x="connsiteX6" y="connsiteY6"/>
+                </a:cxn>
+                <a:cxn ang="0">
+                  <a:pos x="connsiteX7" y="connsiteY7"/>
+                </a:cxn>
+              </a:cxnLst>
+              <a:rect l="l" t="t" r="r" b="b"/>
+              <a:pathLst>
+                <a:path w="1815921" h="1584101">
+                  <a:moveTo>
+                    <a:pt x="0" y="231819"/>
+                  </a:moveTo>
+                  <a:lnTo>
+                    <a:pt x="283335" y="682580"/>
+                  </a:lnTo>
+                  <a:lnTo>
+                    <a:pt x="862884" y="643943"/>
+                  </a:lnTo>
+                  <a:lnTo>
+                    <a:pt x="1403797" y="1584101"/>
+                  </a:lnTo>
+                  <a:lnTo>
+                    <a:pt x="1815921" y="1326524"/>
+                  </a:lnTo>
+                  <a:lnTo>
+                    <a:pt x="1287887" y="231819"/>
+                  </a:lnTo>
+                  <a:lnTo>
+                    <a:pt x="566670" y="0"/>
+                  </a:lnTo>
+                  <a:lnTo>
+                    <a:pt x="0" y="231819"/>
+                  </a:lnTo>
+                  <a:close/>
+                </a:path>
+              </a:pathLst>
+            </a:custGeom>
+            <a:solidFill>
+              <a:schemeClr val="accent6">
+                <a:lumMod val="75000"/>
+              </a:schemeClr>
+            </a:solidFill>
+          </p:spPr>
+          <p:style>
+            <a:lnRef idx="2">
+              <a:schemeClr val="accent1">
+                <a:shade val="50000"/>
+              </a:schemeClr>
+            </a:lnRef>
+            <a:fillRef idx="1">
+              <a:schemeClr val="accent1"/>
+            </a:fillRef>
+            <a:effectRef idx="0">
+              <a:schemeClr val="accent1"/>
+            </a:effectRef>
+            <a:fontRef idx="minor">
+              <a:schemeClr val="lt1"/>
+            </a:fontRef>
+          </p:style>
+          <p:txBody>
+            <a:bodyPr rtlCol="0" anchor="ctr"/>
+            <a:lstStyle/>
+            <a:p>
+              <a:pPr algn="ctr"/>
+              <a:endParaRPr lang="ko-KR" altLang="en-US"/>
+            </a:p>
+          </p:txBody>
+        </p:sp>
+        <p:sp>
+          <p:nvSpPr>
+            <p:cNvPr id="8" name="자유형: 도형 7">
+              <a:extLst>
+                <a:ext uri="{FF2B5EF4-FFF2-40B4-BE49-F238E27FC236}">
+                  <a16:creationId xmlns:a16="http://schemas.microsoft.com/office/drawing/2014/main" id="{B3E50B0B-F1DB-4DC1-8D8F-88AA7A15772C}"/>
+                </a:ext>
+              </a:extLst>
+            </p:cNvPr>
+            <p:cNvSpPr/>
+            <p:nvPr/>
+          </p:nvSpPr>
+          <p:spPr>
+            <a:xfrm>
+              <a:off x="4906851" y="2537138"/>
+              <a:ext cx="3387143" cy="3683358"/>
+            </a:xfrm>
+            <a:custGeom>
+              <a:avLst/>
+              <a:gdLst>
+                <a:gd name="connsiteX0" fmla="*/ 0 w 3387143"/>
+                <a:gd name="connsiteY0" fmla="*/ 3451538 h 3683358"/>
+                <a:gd name="connsiteX1" fmla="*/ 244698 w 3387143"/>
+                <a:gd name="connsiteY1" fmla="*/ 3026535 h 3683358"/>
+                <a:gd name="connsiteX2" fmla="*/ 927279 w 3387143"/>
+                <a:gd name="connsiteY2" fmla="*/ 3206839 h 3683358"/>
+                <a:gd name="connsiteX3" fmla="*/ 1622738 w 3387143"/>
+                <a:gd name="connsiteY3" fmla="*/ 2253803 h 3683358"/>
+                <a:gd name="connsiteX4" fmla="*/ 1609859 w 3387143"/>
+                <a:gd name="connsiteY4" fmla="*/ 1532586 h 3683358"/>
+                <a:gd name="connsiteX5" fmla="*/ 2163650 w 3387143"/>
+                <a:gd name="connsiteY5" fmla="*/ 978794 h 3683358"/>
+                <a:gd name="connsiteX6" fmla="*/ 2936383 w 3387143"/>
+                <a:gd name="connsiteY6" fmla="*/ 631065 h 3683358"/>
+                <a:gd name="connsiteX7" fmla="*/ 3335628 w 3387143"/>
+                <a:gd name="connsiteY7" fmla="*/ 0 h 3683358"/>
+                <a:gd name="connsiteX8" fmla="*/ 3387143 w 3387143"/>
+                <a:gd name="connsiteY8" fmla="*/ 489397 h 3683358"/>
+                <a:gd name="connsiteX9" fmla="*/ 2768957 w 3387143"/>
+                <a:gd name="connsiteY9" fmla="*/ 1120462 h 3683358"/>
+                <a:gd name="connsiteX10" fmla="*/ 1996225 w 3387143"/>
+                <a:gd name="connsiteY10" fmla="*/ 1532586 h 3683358"/>
+                <a:gd name="connsiteX11" fmla="*/ 1983346 w 3387143"/>
+                <a:gd name="connsiteY11" fmla="*/ 2318197 h 3683358"/>
+                <a:gd name="connsiteX12" fmla="*/ 1661374 w 3387143"/>
+                <a:gd name="connsiteY12" fmla="*/ 3039414 h 3683358"/>
+                <a:gd name="connsiteX13" fmla="*/ 1287887 w 3387143"/>
+                <a:gd name="connsiteY13" fmla="*/ 3206839 h 3683358"/>
+                <a:gd name="connsiteX14" fmla="*/ 1133341 w 3387143"/>
+                <a:gd name="connsiteY14" fmla="*/ 3683358 h 3683358"/>
+                <a:gd name="connsiteX15" fmla="*/ 0 w 3387143"/>
+                <a:gd name="connsiteY15" fmla="*/ 3451538 h 3683358"/>
+              </a:gdLst>
+              <a:ahLst/>
+              <a:cxnLst>
+                <a:cxn ang="0">
+                  <a:pos x="connsiteX0" y="connsiteY0"/>
+                </a:cxn>
+                <a:cxn ang="0">
+                  <a:pos x="connsiteX1" y="connsiteY1"/>
+                </a:cxn>
+                <a:cxn ang="0">
+                  <a:pos x="connsiteX2" y="connsiteY2"/>
+                </a:cxn>
+                <a:cxn ang="0">
+                  <a:pos x="connsiteX3" y="connsiteY3"/>
+                </a:cxn>
+                <a:cxn ang="0">
+                  <a:pos x="connsiteX4" y="connsiteY4"/>
+                </a:cxn>
+                <a:cxn ang="0">
+                  <a:pos x="connsiteX5" y="connsiteY5"/>
+                </a:cxn>
+                <a:cxn ang="0">
+                  <a:pos x="connsiteX6" y="connsiteY6"/>
+                </a:cxn>
+                <a:cxn ang="0">
+                  <a:pos x="connsiteX7" y="connsiteY7"/>
+                </a:cxn>
+                <a:cxn ang="0">
+                  <a:pos x="connsiteX8" y="connsiteY8"/>
+                </a:cxn>
+                <a:cxn ang="0">
+                  <a:pos x="connsiteX9" y="connsiteY9"/>
+                </a:cxn>
+                <a:cxn ang="0">
+                  <a:pos x="connsiteX10" y="connsiteY10"/>
+                </a:cxn>
+                <a:cxn ang="0">
+                  <a:pos x="connsiteX11" y="connsiteY11"/>
+                </a:cxn>
+                <a:cxn ang="0">
+                  <a:pos x="connsiteX12" y="connsiteY12"/>
+                </a:cxn>
+                <a:cxn ang="0">
+                  <a:pos x="connsiteX13" y="connsiteY13"/>
+                </a:cxn>
+                <a:cxn ang="0">
+                  <a:pos x="connsiteX14" y="connsiteY14"/>
+                </a:cxn>
+                <a:cxn ang="0">
+                  <a:pos x="connsiteX15" y="connsiteY15"/>
+                </a:cxn>
+              </a:cxnLst>
+              <a:rect l="l" t="t" r="r" b="b"/>
+              <a:pathLst>
+                <a:path w="3387143" h="3683358">
+                  <a:moveTo>
+                    <a:pt x="0" y="3451538"/>
+                  </a:moveTo>
+                  <a:lnTo>
+                    <a:pt x="244698" y="3026535"/>
+                  </a:lnTo>
+                  <a:lnTo>
+                    <a:pt x="927279" y="3206839"/>
+                  </a:lnTo>
+                  <a:lnTo>
+                    <a:pt x="1622738" y="2253803"/>
+                  </a:lnTo>
+                  <a:lnTo>
+                    <a:pt x="1609859" y="1532586"/>
+                  </a:lnTo>
+                  <a:lnTo>
+                    <a:pt x="2163650" y="978794"/>
+                  </a:lnTo>
+                  <a:lnTo>
+                    <a:pt x="2936383" y="631065"/>
+                  </a:lnTo>
+                  <a:lnTo>
+                    <a:pt x="3335628" y="0"/>
+                  </a:lnTo>
+                  <a:lnTo>
+                    <a:pt x="3387143" y="489397"/>
+                  </a:lnTo>
+                  <a:lnTo>
+                    <a:pt x="2768957" y="1120462"/>
+                  </a:lnTo>
+                  <a:lnTo>
+                    <a:pt x="1996225" y="1532586"/>
+                  </a:lnTo>
+                  <a:lnTo>
+                    <a:pt x="1983346" y="2318197"/>
+                  </a:lnTo>
+                  <a:lnTo>
+                    <a:pt x="1661374" y="3039414"/>
+                  </a:lnTo>
+                  <a:lnTo>
+                    <a:pt x="1287887" y="3206839"/>
+                  </a:lnTo>
+                  <a:lnTo>
+                    <a:pt x="1133341" y="3683358"/>
+                  </a:lnTo>
+                  <a:lnTo>
+                    <a:pt x="0" y="3451538"/>
+                  </a:lnTo>
+                  <a:close/>
+                </a:path>
+              </a:pathLst>
+            </a:custGeom>
+            <a:solidFill>
+              <a:schemeClr val="accent6">
+                <a:lumMod val="75000"/>
+              </a:schemeClr>
+            </a:solidFill>
+          </p:spPr>
+          <p:style>
+            <a:lnRef idx="2">
+              <a:schemeClr val="accent1">
+                <a:shade val="50000"/>
+              </a:schemeClr>
+            </a:lnRef>
+            <a:fillRef idx="1">
+              <a:schemeClr val="accent1"/>
+            </a:fillRef>
+            <a:effectRef idx="0">
+              <a:schemeClr val="accent1"/>
+            </a:effectRef>
+            <a:fontRef idx="minor">
+              <a:schemeClr val="lt1"/>
+            </a:fontRef>
+          </p:style>
+          <p:txBody>
+            <a:bodyPr rtlCol="0" anchor="ctr"/>
+            <a:lstStyle/>
+            <a:p>
+              <a:pPr algn="ctr"/>
+              <a:endParaRPr lang="ko-KR" altLang="en-US"/>
+            </a:p>
+          </p:txBody>
+        </p:sp>
+        <p:sp>
+          <p:nvSpPr>
+            <p:cNvPr id="9" name="자유형: 도형 8">
+              <a:extLst>
+                <a:ext uri="{FF2B5EF4-FFF2-40B4-BE49-F238E27FC236}">
+                  <a16:creationId xmlns:a16="http://schemas.microsoft.com/office/drawing/2014/main" id="{D239656D-470B-494F-A4E5-7297DB0D4D9B}"/>
+                </a:ext>
+              </a:extLst>
+            </p:cNvPr>
+            <p:cNvSpPr/>
+            <p:nvPr/>
+          </p:nvSpPr>
+          <p:spPr>
+            <a:xfrm>
+              <a:off x="3657600" y="1970468"/>
+              <a:ext cx="1957589" cy="3631842"/>
+            </a:xfrm>
+            <a:custGeom>
+              <a:avLst/>
+              <a:gdLst>
+                <a:gd name="connsiteX0" fmla="*/ 347730 w 2112135"/>
+                <a:gd name="connsiteY0" fmla="*/ 0 h 3631842"/>
+                <a:gd name="connsiteX1" fmla="*/ 1352282 w 2112135"/>
+                <a:gd name="connsiteY1" fmla="*/ 128788 h 3631842"/>
+                <a:gd name="connsiteX2" fmla="*/ 1803042 w 2112135"/>
+                <a:gd name="connsiteY2" fmla="*/ 360608 h 3631842"/>
+                <a:gd name="connsiteX3" fmla="*/ 2112135 w 2112135"/>
+                <a:gd name="connsiteY3" fmla="*/ 1687132 h 3631842"/>
+                <a:gd name="connsiteX4" fmla="*/ 1828800 w 2112135"/>
+                <a:gd name="connsiteY4" fmla="*/ 1906073 h 3631842"/>
+                <a:gd name="connsiteX5" fmla="*/ 1171977 w 2112135"/>
+                <a:gd name="connsiteY5" fmla="*/ 2601532 h 3631842"/>
+                <a:gd name="connsiteX6" fmla="*/ 837127 w 2112135"/>
+                <a:gd name="connsiteY6" fmla="*/ 3541690 h 3631842"/>
+                <a:gd name="connsiteX7" fmla="*/ 412124 w 2112135"/>
+                <a:gd name="connsiteY7" fmla="*/ 3631842 h 3631842"/>
+                <a:gd name="connsiteX8" fmla="*/ 811369 w 2112135"/>
+                <a:gd name="connsiteY8" fmla="*/ 2150771 h 3631842"/>
+                <a:gd name="connsiteX9" fmla="*/ 1584101 w 2112135"/>
+                <a:gd name="connsiteY9" fmla="*/ 1416676 h 3631842"/>
+                <a:gd name="connsiteX10" fmla="*/ 1545465 w 2112135"/>
+                <a:gd name="connsiteY10" fmla="*/ 746974 h 3631842"/>
+                <a:gd name="connsiteX11" fmla="*/ 0 w 2112135"/>
+                <a:gd name="connsiteY11" fmla="*/ 360608 h 3631842"/>
+                <a:gd name="connsiteX12" fmla="*/ 347730 w 2112135"/>
+                <a:gd name="connsiteY12" fmla="*/ 0 h 3631842"/>
+                <a:gd name="connsiteX0" fmla="*/ 347730 w 1957589"/>
+                <a:gd name="connsiteY0" fmla="*/ 0 h 3631842"/>
+                <a:gd name="connsiteX1" fmla="*/ 1352282 w 1957589"/>
+                <a:gd name="connsiteY1" fmla="*/ 128788 h 3631842"/>
+                <a:gd name="connsiteX2" fmla="*/ 1803042 w 1957589"/>
+                <a:gd name="connsiteY2" fmla="*/ 360608 h 3631842"/>
+                <a:gd name="connsiteX3" fmla="*/ 1957589 w 1957589"/>
+                <a:gd name="connsiteY3" fmla="*/ 1390918 h 3631842"/>
+                <a:gd name="connsiteX4" fmla="*/ 1828800 w 1957589"/>
+                <a:gd name="connsiteY4" fmla="*/ 1906073 h 3631842"/>
+                <a:gd name="connsiteX5" fmla="*/ 1171977 w 1957589"/>
+                <a:gd name="connsiteY5" fmla="*/ 2601532 h 3631842"/>
+                <a:gd name="connsiteX6" fmla="*/ 837127 w 1957589"/>
+                <a:gd name="connsiteY6" fmla="*/ 3541690 h 3631842"/>
+                <a:gd name="connsiteX7" fmla="*/ 412124 w 1957589"/>
+                <a:gd name="connsiteY7" fmla="*/ 3631842 h 3631842"/>
+                <a:gd name="connsiteX8" fmla="*/ 811369 w 1957589"/>
+                <a:gd name="connsiteY8" fmla="*/ 2150771 h 3631842"/>
+                <a:gd name="connsiteX9" fmla="*/ 1584101 w 1957589"/>
+                <a:gd name="connsiteY9" fmla="*/ 1416676 h 3631842"/>
+                <a:gd name="connsiteX10" fmla="*/ 1545465 w 1957589"/>
+                <a:gd name="connsiteY10" fmla="*/ 746974 h 3631842"/>
+                <a:gd name="connsiteX11" fmla="*/ 0 w 1957589"/>
+                <a:gd name="connsiteY11" fmla="*/ 360608 h 3631842"/>
+                <a:gd name="connsiteX12" fmla="*/ 347730 w 1957589"/>
+                <a:gd name="connsiteY12" fmla="*/ 0 h 3631842"/>
+              </a:gdLst>
+              <a:ahLst/>
+              <a:cxnLst>
+                <a:cxn ang="0">
+                  <a:pos x="connsiteX0" y="connsiteY0"/>
+                </a:cxn>
+                <a:cxn ang="0">
+                  <a:pos x="connsiteX1" y="connsiteY1"/>
+                </a:cxn>
+                <a:cxn ang="0">
+                  <a:pos x="connsiteX2" y="connsiteY2"/>
+                </a:cxn>
+                <a:cxn ang="0">
+                  <a:pos x="connsiteX3" y="connsiteY3"/>
+                </a:cxn>
+                <a:cxn ang="0">
+                  <a:pos x="connsiteX4" y="connsiteY4"/>
+                </a:cxn>
+                <a:cxn ang="0">
+                  <a:pos x="connsiteX5" y="connsiteY5"/>
+                </a:cxn>
+                <a:cxn ang="0">
+                  <a:pos x="connsiteX6" y="connsiteY6"/>
+                </a:cxn>
+                <a:cxn ang="0">
+                  <a:pos x="connsiteX7" y="connsiteY7"/>
+                </a:cxn>
+                <a:cxn ang="0">
+                  <a:pos x="connsiteX8" y="connsiteY8"/>
+                </a:cxn>
+                <a:cxn ang="0">
+                  <a:pos x="connsiteX9" y="connsiteY9"/>
+                </a:cxn>
+                <a:cxn ang="0">
+                  <a:pos x="connsiteX10" y="connsiteY10"/>
+                </a:cxn>
+                <a:cxn ang="0">
+                  <a:pos x="connsiteX11" y="connsiteY11"/>
+                </a:cxn>
+                <a:cxn ang="0">
+                  <a:pos x="connsiteX12" y="connsiteY12"/>
+                </a:cxn>
+              </a:cxnLst>
+              <a:rect l="l" t="t" r="r" b="b"/>
+              <a:pathLst>
+                <a:path w="1957589" h="3631842">
+                  <a:moveTo>
+                    <a:pt x="347730" y="0"/>
+                  </a:moveTo>
+                  <a:lnTo>
+                    <a:pt x="1352282" y="128788"/>
+                  </a:lnTo>
+                  <a:lnTo>
+                    <a:pt x="1803042" y="360608"/>
+                  </a:lnTo>
+                  <a:lnTo>
+                    <a:pt x="1957589" y="1390918"/>
+                  </a:lnTo>
+                  <a:lnTo>
+                    <a:pt x="1828800" y="1906073"/>
+                  </a:lnTo>
+                  <a:lnTo>
+                    <a:pt x="1171977" y="2601532"/>
+                  </a:lnTo>
+                  <a:lnTo>
+                    <a:pt x="837127" y="3541690"/>
+                  </a:lnTo>
+                  <a:lnTo>
+                    <a:pt x="412124" y="3631842"/>
+                  </a:lnTo>
+                  <a:lnTo>
+                    <a:pt x="811369" y="2150771"/>
+                  </a:lnTo>
+                  <a:lnTo>
+                    <a:pt x="1584101" y="1416676"/>
+                  </a:lnTo>
+                  <a:lnTo>
+                    <a:pt x="1545465" y="746974"/>
+                  </a:lnTo>
+                  <a:lnTo>
+                    <a:pt x="0" y="360608"/>
+                  </a:lnTo>
+                  <a:lnTo>
+                    <a:pt x="347730" y="0"/>
+                  </a:lnTo>
+                  <a:close/>
+                </a:path>
+              </a:pathLst>
+            </a:custGeom>
+            <a:solidFill>
+              <a:schemeClr val="accent6">
+                <a:lumMod val="75000"/>
+              </a:schemeClr>
+            </a:solidFill>
+          </p:spPr>
+          <p:style>
+            <a:lnRef idx="2">
+              <a:schemeClr val="accent1">
+                <a:shade val="50000"/>
+              </a:schemeClr>
+            </a:lnRef>
+            <a:fillRef idx="1">
+              <a:schemeClr val="accent1"/>
+            </a:fillRef>
+            <a:effectRef idx="0">
+              <a:schemeClr val="accent1"/>
+            </a:effectRef>
+            <a:fontRef idx="minor">
+              <a:schemeClr val="lt1"/>
+            </a:fontRef>
+          </p:style>
+          <p:txBody>
+            <a:bodyPr rtlCol="0" anchor="ctr"/>
+            <a:lstStyle/>
+            <a:p>
+              <a:pPr algn="ctr"/>
+              <a:endParaRPr lang="ko-KR" altLang="en-US"/>
+            </a:p>
+          </p:txBody>
+        </p:sp>
+        <p:sp>
+          <p:nvSpPr>
+            <p:cNvPr id="10" name="타원 9">
+              <a:extLst>
+                <a:ext uri="{FF2B5EF4-FFF2-40B4-BE49-F238E27FC236}">
+                  <a16:creationId xmlns:a16="http://schemas.microsoft.com/office/drawing/2014/main" id="{5F803AA7-0225-41F3-8DB3-CA2229459EB8}"/>
+                </a:ext>
+              </a:extLst>
+            </p:cNvPr>
+            <p:cNvSpPr/>
+            <p:nvPr/>
+          </p:nvSpPr>
+          <p:spPr>
+            <a:xfrm>
+              <a:off x="4198512" y="2125013"/>
+              <a:ext cx="218941" cy="218941"/>
+            </a:xfrm>
+            <a:prstGeom prst="ellipse">
+              <a:avLst/>
+            </a:prstGeom>
+            <a:solidFill>
+              <a:schemeClr val="accent2">
+                <a:lumMod val="75000"/>
+              </a:schemeClr>
+            </a:solidFill>
+            <a:ln>
+              <a:solidFill>
+                <a:schemeClr val="accent6">
+                  <a:lumMod val="75000"/>
+                </a:schemeClr>
+              </a:solidFill>
+            </a:ln>
+          </p:spPr>
+          <p:style>
+            <a:lnRef idx="2">
+              <a:schemeClr val="accent1">
+                <a:shade val="50000"/>
+              </a:schemeClr>
+            </a:lnRef>
+            <a:fillRef idx="1">
+              <a:schemeClr val="accent1"/>
+            </a:fillRef>
+            <a:effectRef idx="0">
+              <a:schemeClr val="accent1"/>
+            </a:effectRef>
+            <a:fontRef idx="minor">
+              <a:schemeClr val="lt1"/>
+            </a:fontRef>
+          </p:style>
+          <p:txBody>
+            <a:bodyPr rtlCol="0" anchor="ctr"/>
+            <a:lstStyle/>
+            <a:p>
+              <a:pPr algn="ctr"/>
+              <a:endParaRPr lang="ko-KR" altLang="en-US" dirty="0"/>
+            </a:p>
+          </p:txBody>
+        </p:sp>
+        <p:sp>
+          <p:nvSpPr>
+            <p:cNvPr id="11" name="타원 10">
+              <a:extLst>
+                <a:ext uri="{FF2B5EF4-FFF2-40B4-BE49-F238E27FC236}">
+                  <a16:creationId xmlns:a16="http://schemas.microsoft.com/office/drawing/2014/main" id="{92F9F2CB-9239-461A-AC19-F9E3B7B01D84}"/>
+                </a:ext>
+              </a:extLst>
+            </p:cNvPr>
+            <p:cNvSpPr/>
+            <p:nvPr/>
+          </p:nvSpPr>
+          <p:spPr>
+            <a:xfrm>
+              <a:off x="4556974" y="2234483"/>
+              <a:ext cx="218941" cy="218941"/>
+            </a:xfrm>
+            <a:prstGeom prst="ellipse">
+              <a:avLst/>
+            </a:prstGeom>
+            <a:solidFill>
+              <a:schemeClr val="accent2">
+                <a:lumMod val="75000"/>
+              </a:schemeClr>
+            </a:solidFill>
+            <a:ln>
+              <a:solidFill>
+                <a:schemeClr val="accent6">
+                  <a:lumMod val="75000"/>
+                </a:schemeClr>
+              </a:solidFill>
+            </a:ln>
+          </p:spPr>
+          <p:style>
+            <a:lnRef idx="2">
+              <a:schemeClr val="accent1">
+                <a:shade val="50000"/>
+              </a:schemeClr>
+            </a:lnRef>
+            <a:fillRef idx="1">
+              <a:schemeClr val="accent1"/>
+            </a:fillRef>
+            <a:effectRef idx="0">
+              <a:schemeClr val="accent1"/>
+            </a:effectRef>
+            <a:fontRef idx="minor">
+              <a:schemeClr val="lt1"/>
+            </a:fontRef>
+          </p:style>
+          <p:txBody>
+            <a:bodyPr rtlCol="0" anchor="ctr"/>
+            <a:lstStyle/>
+            <a:p>
+              <a:pPr algn="ctr"/>
+              <a:endParaRPr lang="ko-KR" altLang="en-US"/>
+            </a:p>
+          </p:txBody>
+        </p:sp>
+        <p:sp>
+          <p:nvSpPr>
+            <p:cNvPr id="12" name="타원 11">
+              <a:extLst>
+                <a:ext uri="{FF2B5EF4-FFF2-40B4-BE49-F238E27FC236}">
+                  <a16:creationId xmlns:a16="http://schemas.microsoft.com/office/drawing/2014/main" id="{EED70D76-4536-4D54-83AD-A34233AA1F7D}"/>
+                </a:ext>
+              </a:extLst>
+            </p:cNvPr>
+            <p:cNvSpPr/>
+            <p:nvPr/>
+          </p:nvSpPr>
+          <p:spPr>
+            <a:xfrm>
+              <a:off x="5082859" y="2343953"/>
+              <a:ext cx="218941" cy="218941"/>
+            </a:xfrm>
+            <a:prstGeom prst="ellipse">
+              <a:avLst/>
+            </a:prstGeom>
+            <a:solidFill>
+              <a:schemeClr val="accent2">
+                <a:lumMod val="75000"/>
+              </a:schemeClr>
+            </a:solidFill>
+            <a:ln>
+              <a:solidFill>
+                <a:schemeClr val="accent6">
+                  <a:lumMod val="75000"/>
+                </a:schemeClr>
+              </a:solidFill>
+            </a:ln>
+          </p:spPr>
+          <p:style>
+            <a:lnRef idx="2">
+              <a:schemeClr val="accent1">
+                <a:shade val="50000"/>
+              </a:schemeClr>
+            </a:lnRef>
+            <a:fillRef idx="1">
+              <a:schemeClr val="accent1"/>
+            </a:fillRef>
+            <a:effectRef idx="0">
+              <a:schemeClr val="accent1"/>
+            </a:effectRef>
+            <a:fontRef idx="minor">
+              <a:schemeClr val="lt1"/>
+            </a:fontRef>
+          </p:style>
+          <p:txBody>
+            <a:bodyPr rtlCol="0" anchor="ctr"/>
+            <a:lstStyle/>
+            <a:p>
+              <a:pPr algn="ctr"/>
+              <a:endParaRPr lang="ko-KR" altLang="en-US"/>
+            </a:p>
+          </p:txBody>
+        </p:sp>
+        <p:sp>
+          <p:nvSpPr>
+            <p:cNvPr id="13" name="타원 12">
+              <a:extLst>
+                <a:ext uri="{FF2B5EF4-FFF2-40B4-BE49-F238E27FC236}">
+                  <a16:creationId xmlns:a16="http://schemas.microsoft.com/office/drawing/2014/main" id="{25D43424-A12D-4BEF-B3BC-6D1399BB67FE}"/>
+                </a:ext>
+              </a:extLst>
+            </p:cNvPr>
+            <p:cNvSpPr/>
+            <p:nvPr/>
+          </p:nvSpPr>
+          <p:spPr>
+            <a:xfrm>
+              <a:off x="5301800" y="2779689"/>
+              <a:ext cx="218941" cy="218941"/>
+            </a:xfrm>
+            <a:prstGeom prst="ellipse">
+              <a:avLst/>
+            </a:prstGeom>
+            <a:solidFill>
+              <a:schemeClr val="accent2">
+                <a:lumMod val="75000"/>
+              </a:schemeClr>
+            </a:solidFill>
+            <a:ln>
+              <a:solidFill>
+                <a:schemeClr val="accent6">
+                  <a:lumMod val="75000"/>
+                </a:schemeClr>
+              </a:solidFill>
+            </a:ln>
+          </p:spPr>
+          <p:style>
+            <a:lnRef idx="2">
+              <a:schemeClr val="accent1">
+                <a:shade val="50000"/>
+              </a:schemeClr>
+            </a:lnRef>
+            <a:fillRef idx="1">
+              <a:schemeClr val="accent1"/>
+            </a:fillRef>
+            <a:effectRef idx="0">
+              <a:schemeClr val="accent1"/>
+            </a:effectRef>
+            <a:fontRef idx="minor">
+              <a:schemeClr val="lt1"/>
+            </a:fontRef>
+          </p:style>
+          <p:txBody>
+            <a:bodyPr rtlCol="0" anchor="ctr"/>
+            <a:lstStyle/>
+            <a:p>
+              <a:pPr algn="ctr"/>
+              <a:endParaRPr lang="ko-KR" altLang="en-US"/>
+            </a:p>
+          </p:txBody>
+        </p:sp>
+        <p:sp>
+          <p:nvSpPr>
+            <p:cNvPr id="14" name="타원 13">
+              <a:extLst>
+                <a:ext uri="{FF2B5EF4-FFF2-40B4-BE49-F238E27FC236}">
+                  <a16:creationId xmlns:a16="http://schemas.microsoft.com/office/drawing/2014/main" id="{9156334D-F262-4186-9989-A23B455015D2}"/>
+                </a:ext>
+              </a:extLst>
+            </p:cNvPr>
+            <p:cNvSpPr/>
+            <p:nvPr/>
+          </p:nvSpPr>
+          <p:spPr>
+            <a:xfrm>
+              <a:off x="5286766" y="3418845"/>
+              <a:ext cx="218941" cy="218941"/>
+            </a:xfrm>
+            <a:prstGeom prst="ellipse">
+              <a:avLst/>
+            </a:prstGeom>
+            <a:solidFill>
+              <a:schemeClr val="accent2">
+                <a:lumMod val="75000"/>
+              </a:schemeClr>
+            </a:solidFill>
+            <a:ln>
+              <a:solidFill>
+                <a:schemeClr val="accent6">
+                  <a:lumMod val="75000"/>
+                </a:schemeClr>
+              </a:solidFill>
+            </a:ln>
+          </p:spPr>
+          <p:style>
+            <a:lnRef idx="2">
+              <a:schemeClr val="accent1">
+                <a:shade val="50000"/>
+              </a:schemeClr>
+            </a:lnRef>
+            <a:fillRef idx="1">
+              <a:schemeClr val="accent1"/>
+            </a:fillRef>
+            <a:effectRef idx="0">
+              <a:schemeClr val="accent1"/>
+            </a:effectRef>
+            <a:fontRef idx="minor">
+              <a:schemeClr val="lt1"/>
+            </a:fontRef>
+          </p:style>
+          <p:txBody>
+            <a:bodyPr rtlCol="0" anchor="ctr"/>
+            <a:lstStyle/>
+            <a:p>
+              <a:pPr algn="ctr"/>
+              <a:endParaRPr lang="ko-KR" altLang="en-US"/>
+            </a:p>
+          </p:txBody>
+        </p:sp>
+        <p:sp>
+          <p:nvSpPr>
+            <p:cNvPr id="15" name="타원 14">
+              <a:extLst>
+                <a:ext uri="{FF2B5EF4-FFF2-40B4-BE49-F238E27FC236}">
+                  <a16:creationId xmlns:a16="http://schemas.microsoft.com/office/drawing/2014/main" id="{665B6142-9F4F-4E00-B856-9C87AF8D4D83}"/>
+                </a:ext>
+              </a:extLst>
+            </p:cNvPr>
+            <p:cNvSpPr/>
+            <p:nvPr/>
+          </p:nvSpPr>
+          <p:spPr>
+            <a:xfrm>
+              <a:off x="5033487" y="3748825"/>
+              <a:ext cx="218941" cy="218941"/>
+            </a:xfrm>
+            <a:prstGeom prst="ellipse">
+              <a:avLst/>
+            </a:prstGeom>
+            <a:solidFill>
+              <a:schemeClr val="accent2">
+                <a:lumMod val="75000"/>
+              </a:schemeClr>
+            </a:solidFill>
+            <a:ln>
+              <a:solidFill>
+                <a:schemeClr val="accent6">
+                  <a:lumMod val="75000"/>
+                </a:schemeClr>
+              </a:solidFill>
+            </a:ln>
+          </p:spPr>
+          <p:style>
+            <a:lnRef idx="2">
+              <a:schemeClr val="accent1">
+                <a:shade val="50000"/>
+              </a:schemeClr>
+            </a:lnRef>
+            <a:fillRef idx="1">
+              <a:schemeClr val="accent1"/>
+            </a:fillRef>
+            <a:effectRef idx="0">
+              <a:schemeClr val="accent1"/>
+            </a:effectRef>
+            <a:fontRef idx="minor">
+              <a:schemeClr val="lt1"/>
+            </a:fontRef>
+          </p:style>
+          <p:txBody>
+            <a:bodyPr rtlCol="0" anchor="ctr"/>
+            <a:lstStyle/>
+            <a:p>
+              <a:pPr algn="ctr"/>
+              <a:endParaRPr lang="ko-KR" altLang="en-US"/>
+            </a:p>
+          </p:txBody>
+        </p:sp>
+        <p:sp>
+          <p:nvSpPr>
+            <p:cNvPr id="16" name="타원 15">
+              <a:extLst>
+                <a:ext uri="{FF2B5EF4-FFF2-40B4-BE49-F238E27FC236}">
+                  <a16:creationId xmlns:a16="http://schemas.microsoft.com/office/drawing/2014/main" id="{7B16D5B1-CBE2-4AE8-A837-EAB57098A2BF}"/>
+                </a:ext>
+              </a:extLst>
+            </p:cNvPr>
+            <p:cNvSpPr/>
+            <p:nvPr/>
+          </p:nvSpPr>
+          <p:spPr>
+            <a:xfrm>
+              <a:off x="4666444" y="4185636"/>
+              <a:ext cx="218941" cy="218941"/>
+            </a:xfrm>
+            <a:prstGeom prst="ellipse">
+              <a:avLst/>
+            </a:prstGeom>
+            <a:solidFill>
+              <a:schemeClr val="accent2">
+                <a:lumMod val="75000"/>
+              </a:schemeClr>
+            </a:solidFill>
+            <a:ln>
+              <a:solidFill>
+                <a:schemeClr val="accent6">
+                  <a:lumMod val="75000"/>
+                </a:schemeClr>
+              </a:solidFill>
+            </a:ln>
+          </p:spPr>
+          <p:style>
+            <a:lnRef idx="2">
+              <a:schemeClr val="accent1">
+                <a:shade val="50000"/>
+              </a:schemeClr>
+            </a:lnRef>
+            <a:fillRef idx="1">
+              <a:schemeClr val="accent1"/>
+            </a:fillRef>
+            <a:effectRef idx="0">
+              <a:schemeClr val="accent1"/>
+            </a:effectRef>
+            <a:fontRef idx="minor">
+              <a:schemeClr val="lt1"/>
+            </a:fontRef>
+          </p:style>
+          <p:txBody>
+            <a:bodyPr rtlCol="0" anchor="ctr"/>
+            <a:lstStyle/>
+            <a:p>
+              <a:pPr algn="ctr"/>
+              <a:endParaRPr lang="ko-KR" altLang="en-US"/>
+            </a:p>
+          </p:txBody>
+        </p:sp>
+        <p:sp>
+          <p:nvSpPr>
+            <p:cNvPr id="17" name="타원 16">
+              <a:extLst>
+                <a:ext uri="{FF2B5EF4-FFF2-40B4-BE49-F238E27FC236}">
+                  <a16:creationId xmlns:a16="http://schemas.microsoft.com/office/drawing/2014/main" id="{709822FB-DDA2-43CD-AED4-5F28FD2A0D7A}"/>
+                </a:ext>
+              </a:extLst>
+            </p:cNvPr>
+            <p:cNvSpPr/>
+            <p:nvPr/>
+          </p:nvSpPr>
+          <p:spPr>
+            <a:xfrm>
+              <a:off x="4385252" y="4817772"/>
+              <a:ext cx="218941" cy="218941"/>
+            </a:xfrm>
+            <a:prstGeom prst="ellipse">
+              <a:avLst/>
+            </a:prstGeom>
+            <a:solidFill>
+              <a:schemeClr val="accent2">
+                <a:lumMod val="75000"/>
+              </a:schemeClr>
+            </a:solidFill>
+            <a:ln>
+              <a:solidFill>
+                <a:schemeClr val="accent6">
+                  <a:lumMod val="75000"/>
+                </a:schemeClr>
+              </a:solidFill>
+            </a:ln>
+          </p:spPr>
+          <p:style>
+            <a:lnRef idx="2">
+              <a:schemeClr val="accent1">
+                <a:shade val="50000"/>
+              </a:schemeClr>
+            </a:lnRef>
+            <a:fillRef idx="1">
+              <a:schemeClr val="accent1"/>
+            </a:fillRef>
+            <a:effectRef idx="0">
+              <a:schemeClr val="accent1"/>
+            </a:effectRef>
+            <a:fontRef idx="minor">
+              <a:schemeClr val="lt1"/>
+            </a:fontRef>
+          </p:style>
+          <p:txBody>
+            <a:bodyPr rtlCol="0" anchor="ctr"/>
+            <a:lstStyle/>
+            <a:p>
+              <a:pPr algn="ctr"/>
+              <a:endParaRPr lang="ko-KR" altLang="en-US"/>
+            </a:p>
+          </p:txBody>
+        </p:sp>
+        <p:sp>
+          <p:nvSpPr>
+            <p:cNvPr id="18" name="타원 17">
+              <a:extLst>
+                <a:ext uri="{FF2B5EF4-FFF2-40B4-BE49-F238E27FC236}">
+                  <a16:creationId xmlns:a16="http://schemas.microsoft.com/office/drawing/2014/main" id="{8852A0DF-EDD2-47A6-B8F7-3EC94A8C71CC}"/>
+                </a:ext>
+              </a:extLst>
+            </p:cNvPr>
+            <p:cNvSpPr/>
+            <p:nvPr/>
+          </p:nvSpPr>
+          <p:spPr>
+            <a:xfrm>
+              <a:off x="4462525" y="907958"/>
+              <a:ext cx="218941" cy="218941"/>
+            </a:xfrm>
+            <a:prstGeom prst="ellipse">
+              <a:avLst/>
+            </a:prstGeom>
+            <a:solidFill>
+              <a:schemeClr val="accent2">
+                <a:lumMod val="75000"/>
+              </a:schemeClr>
+            </a:solidFill>
+            <a:ln>
+              <a:solidFill>
+                <a:schemeClr val="accent6">
+                  <a:lumMod val="75000"/>
+                </a:schemeClr>
+              </a:solidFill>
+            </a:ln>
+          </p:spPr>
+          <p:style>
+            <a:lnRef idx="2">
+              <a:schemeClr val="accent1">
+                <a:shade val="50000"/>
+              </a:schemeClr>
+            </a:lnRef>
+            <a:fillRef idx="1">
+              <a:schemeClr val="accent1"/>
+            </a:fillRef>
+            <a:effectRef idx="0">
+              <a:schemeClr val="accent1"/>
+            </a:effectRef>
+            <a:fontRef idx="minor">
+              <a:schemeClr val="lt1"/>
+            </a:fontRef>
+          </p:style>
+          <p:txBody>
+            <a:bodyPr rtlCol="0" anchor="ctr"/>
+            <a:lstStyle/>
+            <a:p>
+              <a:pPr algn="ctr"/>
+              <a:endParaRPr lang="ko-KR" altLang="en-US"/>
+            </a:p>
+          </p:txBody>
+        </p:sp>
+        <p:sp>
+          <p:nvSpPr>
+            <p:cNvPr id="19" name="타원 18">
+              <a:extLst>
+                <a:ext uri="{FF2B5EF4-FFF2-40B4-BE49-F238E27FC236}">
+                  <a16:creationId xmlns:a16="http://schemas.microsoft.com/office/drawing/2014/main" id="{B8A70A79-DC5C-4E4D-8122-1AE378ABAE8B}"/>
+                </a:ext>
+              </a:extLst>
+            </p:cNvPr>
+            <p:cNvSpPr/>
+            <p:nvPr/>
+          </p:nvSpPr>
+          <p:spPr>
+            <a:xfrm>
+              <a:off x="4487211" y="516589"/>
+              <a:ext cx="218941" cy="218941"/>
+            </a:xfrm>
+            <a:prstGeom prst="ellipse">
+              <a:avLst/>
+            </a:prstGeom>
+            <a:solidFill>
+              <a:schemeClr val="accent2">
+                <a:lumMod val="75000"/>
+              </a:schemeClr>
+            </a:solidFill>
+            <a:ln>
+              <a:solidFill>
+                <a:schemeClr val="accent6">
+                  <a:lumMod val="75000"/>
+                </a:schemeClr>
+              </a:solidFill>
+            </a:ln>
+          </p:spPr>
+          <p:style>
+            <a:lnRef idx="2">
+              <a:schemeClr val="accent1">
+                <a:shade val="50000"/>
+              </a:schemeClr>
+            </a:lnRef>
+            <a:fillRef idx="1">
+              <a:schemeClr val="accent1"/>
+            </a:fillRef>
+            <a:effectRef idx="0">
+              <a:schemeClr val="accent1"/>
+            </a:effectRef>
+            <a:fontRef idx="minor">
+              <a:schemeClr val="lt1"/>
+            </a:fontRef>
+          </p:style>
+          <p:txBody>
+            <a:bodyPr rtlCol="0" anchor="ctr"/>
+            <a:lstStyle/>
+            <a:p>
+              <a:pPr algn="ctr"/>
+              <a:endParaRPr lang="ko-KR" altLang="en-US"/>
+            </a:p>
+          </p:txBody>
+        </p:sp>
+        <p:sp>
+          <p:nvSpPr>
+            <p:cNvPr id="20" name="타원 19">
+              <a:extLst>
+                <a:ext uri="{FF2B5EF4-FFF2-40B4-BE49-F238E27FC236}">
+                  <a16:creationId xmlns:a16="http://schemas.microsoft.com/office/drawing/2014/main" id="{39C30A31-C512-49CA-87E9-33C0B48B36E6}"/>
+                </a:ext>
+              </a:extLst>
+            </p:cNvPr>
+            <p:cNvSpPr/>
+            <p:nvPr/>
+          </p:nvSpPr>
+          <p:spPr>
+            <a:xfrm>
+              <a:off x="4924016" y="611744"/>
+              <a:ext cx="218941" cy="218941"/>
+            </a:xfrm>
+            <a:prstGeom prst="ellipse">
+              <a:avLst/>
+            </a:prstGeom>
+            <a:solidFill>
+              <a:schemeClr val="accent2">
+                <a:lumMod val="75000"/>
+              </a:schemeClr>
+            </a:solidFill>
+            <a:ln>
+              <a:solidFill>
+                <a:schemeClr val="accent6">
+                  <a:lumMod val="75000"/>
+                </a:schemeClr>
+              </a:solidFill>
+            </a:ln>
+          </p:spPr>
+          <p:style>
+            <a:lnRef idx="2">
+              <a:schemeClr val="accent1">
+                <a:shade val="50000"/>
+              </a:schemeClr>
+            </a:lnRef>
+            <a:fillRef idx="1">
+              <a:schemeClr val="accent1"/>
+            </a:fillRef>
+            <a:effectRef idx="0">
+              <a:schemeClr val="accent1"/>
+            </a:effectRef>
+            <a:fontRef idx="minor">
+              <a:schemeClr val="lt1"/>
+            </a:fontRef>
+          </p:style>
+          <p:txBody>
+            <a:bodyPr rtlCol="0" anchor="ctr"/>
+            <a:lstStyle/>
+            <a:p>
+              <a:pPr algn="ctr"/>
+              <a:endParaRPr lang="ko-KR" altLang="en-US"/>
+            </a:p>
+          </p:txBody>
+        </p:sp>
+        <p:sp>
+          <p:nvSpPr>
+            <p:cNvPr id="21" name="타원 20">
+              <a:extLst>
+                <a:ext uri="{FF2B5EF4-FFF2-40B4-BE49-F238E27FC236}">
+                  <a16:creationId xmlns:a16="http://schemas.microsoft.com/office/drawing/2014/main" id="{F819B599-02B0-4383-8DC7-E1CDC0786270}"/>
+                </a:ext>
+              </a:extLst>
+            </p:cNvPr>
+            <p:cNvSpPr/>
+            <p:nvPr/>
+          </p:nvSpPr>
+          <p:spPr>
+            <a:xfrm>
+              <a:off x="5411269" y="495830"/>
+              <a:ext cx="218941" cy="218941"/>
+            </a:xfrm>
+            <a:prstGeom prst="ellipse">
+              <a:avLst/>
+            </a:prstGeom>
+            <a:solidFill>
+              <a:schemeClr val="accent2">
+                <a:lumMod val="75000"/>
+              </a:schemeClr>
+            </a:solidFill>
+            <a:ln>
+              <a:solidFill>
+                <a:schemeClr val="accent6">
+                  <a:lumMod val="75000"/>
+                </a:schemeClr>
+              </a:solidFill>
+            </a:ln>
+          </p:spPr>
+          <p:style>
+            <a:lnRef idx="2">
+              <a:schemeClr val="accent1">
+                <a:shade val="50000"/>
+              </a:schemeClr>
+            </a:lnRef>
+            <a:fillRef idx="1">
+              <a:schemeClr val="accent1"/>
+            </a:fillRef>
+            <a:effectRef idx="0">
+              <a:schemeClr val="accent1"/>
+            </a:effectRef>
+            <a:fontRef idx="minor">
+              <a:schemeClr val="lt1"/>
+            </a:fontRef>
+          </p:style>
+          <p:txBody>
+            <a:bodyPr rtlCol="0" anchor="ctr"/>
+            <a:lstStyle/>
+            <a:p>
+              <a:pPr algn="ctr"/>
+              <a:endParaRPr lang="ko-KR" altLang="en-US"/>
+            </a:p>
+          </p:txBody>
+        </p:sp>
+        <p:sp>
+          <p:nvSpPr>
+            <p:cNvPr id="22" name="타원 21">
+              <a:extLst>
+                <a:ext uri="{FF2B5EF4-FFF2-40B4-BE49-F238E27FC236}">
+                  <a16:creationId xmlns:a16="http://schemas.microsoft.com/office/drawing/2014/main" id="{B8508105-EC4F-44E3-9DB7-2358EE6CA828}"/>
+                </a:ext>
+              </a:extLst>
+            </p:cNvPr>
+            <p:cNvSpPr/>
+            <p:nvPr/>
+          </p:nvSpPr>
+          <p:spPr>
+            <a:xfrm>
+              <a:off x="6096000" y="611736"/>
+              <a:ext cx="218941" cy="218941"/>
+            </a:xfrm>
+            <a:prstGeom prst="ellipse">
+              <a:avLst/>
+            </a:prstGeom>
+            <a:solidFill>
+              <a:schemeClr val="accent2">
+                <a:lumMod val="75000"/>
+              </a:schemeClr>
+            </a:solidFill>
+            <a:ln>
+              <a:solidFill>
+                <a:schemeClr val="accent6">
+                  <a:lumMod val="75000"/>
+                </a:schemeClr>
+              </a:solidFill>
+            </a:ln>
+          </p:spPr>
+          <p:style>
+            <a:lnRef idx="2">
+              <a:schemeClr val="accent1">
+                <a:shade val="50000"/>
+              </a:schemeClr>
+            </a:lnRef>
+            <a:fillRef idx="1">
+              <a:schemeClr val="accent1"/>
+            </a:fillRef>
+            <a:effectRef idx="0">
+              <a:schemeClr val="accent1"/>
+            </a:effectRef>
+            <a:fontRef idx="minor">
+              <a:schemeClr val="lt1"/>
+            </a:fontRef>
+          </p:style>
+          <p:txBody>
+            <a:bodyPr rtlCol="0" anchor="ctr"/>
+            <a:lstStyle/>
+            <a:p>
+              <a:pPr algn="ctr"/>
+              <a:endParaRPr lang="ko-KR" altLang="en-US"/>
+            </a:p>
+          </p:txBody>
+        </p:sp>
+        <p:sp>
+          <p:nvSpPr>
+            <p:cNvPr id="23" name="타원 22">
+              <a:extLst>
+                <a:ext uri="{FF2B5EF4-FFF2-40B4-BE49-F238E27FC236}">
+                  <a16:creationId xmlns:a16="http://schemas.microsoft.com/office/drawing/2014/main" id="{216BBA1E-FBFA-45AE-B3EA-DBF34301D0D6}"/>
+                </a:ext>
+              </a:extLst>
+            </p:cNvPr>
+            <p:cNvSpPr/>
+            <p:nvPr/>
+          </p:nvSpPr>
+          <p:spPr>
+            <a:xfrm>
+              <a:off x="6342851" y="297648"/>
+              <a:ext cx="218941" cy="218941"/>
+            </a:xfrm>
+            <a:prstGeom prst="ellipse">
+              <a:avLst/>
+            </a:prstGeom>
+            <a:solidFill>
+              <a:schemeClr val="accent2">
+                <a:lumMod val="75000"/>
+              </a:schemeClr>
+            </a:solidFill>
+            <a:ln>
+              <a:solidFill>
+                <a:schemeClr val="accent6">
+                  <a:lumMod val="75000"/>
+                </a:schemeClr>
+              </a:solidFill>
+            </a:ln>
+          </p:spPr>
+          <p:style>
+            <a:lnRef idx="2">
+              <a:schemeClr val="accent1">
+                <a:shade val="50000"/>
+              </a:schemeClr>
+            </a:lnRef>
+            <a:fillRef idx="1">
+              <a:schemeClr val="accent1"/>
+            </a:fillRef>
+            <a:effectRef idx="0">
+              <a:schemeClr val="accent1"/>
+            </a:effectRef>
+            <a:fontRef idx="minor">
+              <a:schemeClr val="lt1"/>
+            </a:fontRef>
+          </p:style>
+          <p:txBody>
+            <a:bodyPr rtlCol="0" anchor="ctr"/>
+            <a:lstStyle/>
+            <a:p>
+              <a:pPr algn="ctr"/>
+              <a:endParaRPr lang="ko-KR" altLang="en-US"/>
+            </a:p>
+          </p:txBody>
+        </p:sp>
+        <p:sp>
+          <p:nvSpPr>
+            <p:cNvPr id="24" name="타원 23">
+              <a:extLst>
+                <a:ext uri="{FF2B5EF4-FFF2-40B4-BE49-F238E27FC236}">
+                  <a16:creationId xmlns:a16="http://schemas.microsoft.com/office/drawing/2014/main" id="{D08D1363-F31B-44AE-ABC1-727830B13F2E}"/>
+                </a:ext>
+              </a:extLst>
+            </p:cNvPr>
+            <p:cNvSpPr/>
+            <p:nvPr/>
+          </p:nvSpPr>
+          <p:spPr>
+            <a:xfrm>
+              <a:off x="5761143" y="1439213"/>
+              <a:ext cx="218941" cy="218941"/>
+            </a:xfrm>
+            <a:prstGeom prst="ellipse">
+              <a:avLst/>
+            </a:prstGeom>
+            <a:solidFill>
+              <a:schemeClr val="accent2">
+                <a:lumMod val="75000"/>
+              </a:schemeClr>
+            </a:solidFill>
+            <a:ln>
+              <a:solidFill>
+                <a:schemeClr val="accent6">
+                  <a:lumMod val="75000"/>
+                </a:schemeClr>
+              </a:solidFill>
+            </a:ln>
+          </p:spPr>
+          <p:style>
+            <a:lnRef idx="2">
+              <a:schemeClr val="accent1">
+                <a:shade val="50000"/>
+              </a:schemeClr>
+            </a:lnRef>
+            <a:fillRef idx="1">
+              <a:schemeClr val="accent1"/>
+            </a:fillRef>
+            <a:effectRef idx="0">
+              <a:schemeClr val="accent1"/>
+            </a:effectRef>
+            <a:fontRef idx="minor">
+              <a:schemeClr val="lt1"/>
+            </a:fontRef>
+          </p:style>
+          <p:txBody>
+            <a:bodyPr rtlCol="0" anchor="ctr"/>
+            <a:lstStyle/>
+            <a:p>
+              <a:pPr algn="ctr"/>
+              <a:endParaRPr lang="ko-KR" altLang="en-US"/>
+            </a:p>
+          </p:txBody>
+        </p:sp>
+        <p:sp>
+          <p:nvSpPr>
+            <p:cNvPr id="25" name="타원 24">
+              <a:extLst>
+                <a:ext uri="{FF2B5EF4-FFF2-40B4-BE49-F238E27FC236}">
+                  <a16:creationId xmlns:a16="http://schemas.microsoft.com/office/drawing/2014/main" id="{325C69DC-EAA9-4545-932D-83A84152B7A6}"/>
+                </a:ext>
+              </a:extLst>
+            </p:cNvPr>
+            <p:cNvSpPr/>
+            <p:nvPr/>
+          </p:nvSpPr>
+          <p:spPr>
+            <a:xfrm>
+              <a:off x="6452321" y="1522922"/>
+              <a:ext cx="218941" cy="218941"/>
+            </a:xfrm>
+            <a:prstGeom prst="ellipse">
+              <a:avLst/>
+            </a:prstGeom>
+            <a:solidFill>
+              <a:schemeClr val="accent2">
+                <a:lumMod val="75000"/>
+              </a:schemeClr>
+            </a:solidFill>
+            <a:ln>
+              <a:solidFill>
+                <a:schemeClr val="accent6">
+                  <a:lumMod val="75000"/>
+                </a:schemeClr>
+              </a:solidFill>
+            </a:ln>
+          </p:spPr>
+          <p:style>
+            <a:lnRef idx="2">
+              <a:schemeClr val="accent1">
+                <a:shade val="50000"/>
+              </a:schemeClr>
+            </a:lnRef>
+            <a:fillRef idx="1">
+              <a:schemeClr val="accent1"/>
+            </a:fillRef>
+            <a:effectRef idx="0">
+              <a:schemeClr val="accent1"/>
+            </a:effectRef>
+            <a:fontRef idx="minor">
+              <a:schemeClr val="lt1"/>
+            </a:fontRef>
+          </p:style>
+          <p:txBody>
+            <a:bodyPr rtlCol="0" anchor="ctr"/>
+            <a:lstStyle/>
+            <a:p>
+              <a:pPr algn="ctr"/>
+              <a:endParaRPr lang="ko-KR" altLang="en-US"/>
+            </a:p>
+          </p:txBody>
+        </p:sp>
+        <p:sp>
+          <p:nvSpPr>
+            <p:cNvPr id="26" name="타원 25">
+              <a:extLst>
+                <a:ext uri="{FF2B5EF4-FFF2-40B4-BE49-F238E27FC236}">
+                  <a16:creationId xmlns:a16="http://schemas.microsoft.com/office/drawing/2014/main" id="{50430952-69E3-4AF2-ACCD-6094AADE727B}"/>
+                </a:ext>
+              </a:extLst>
+            </p:cNvPr>
+            <p:cNvSpPr/>
+            <p:nvPr/>
+          </p:nvSpPr>
+          <p:spPr>
+            <a:xfrm>
+              <a:off x="6811268" y="1912508"/>
+              <a:ext cx="218941" cy="218941"/>
+            </a:xfrm>
+            <a:prstGeom prst="ellipse">
+              <a:avLst/>
+            </a:prstGeom>
+            <a:solidFill>
+              <a:schemeClr val="accent2">
+                <a:lumMod val="75000"/>
+              </a:schemeClr>
+            </a:solidFill>
+            <a:ln>
+              <a:solidFill>
+                <a:schemeClr val="accent6">
+                  <a:lumMod val="75000"/>
+                </a:schemeClr>
+              </a:solidFill>
+            </a:ln>
+          </p:spPr>
+          <p:style>
+            <a:lnRef idx="2">
+              <a:schemeClr val="accent1">
+                <a:shade val="50000"/>
+              </a:schemeClr>
+            </a:lnRef>
+            <a:fillRef idx="1">
+              <a:schemeClr val="accent1"/>
+            </a:fillRef>
+            <a:effectRef idx="0">
+              <a:schemeClr val="accent1"/>
+            </a:effectRef>
+            <a:fontRef idx="minor">
+              <a:schemeClr val="lt1"/>
+            </a:fontRef>
+          </p:style>
+          <p:txBody>
+            <a:bodyPr rtlCol="0" anchor="ctr"/>
+            <a:lstStyle/>
+            <a:p>
+              <a:pPr algn="ctr"/>
+              <a:endParaRPr lang="ko-KR" altLang="en-US" dirty="0"/>
+            </a:p>
+          </p:txBody>
+        </p:sp>
+        <p:sp>
+          <p:nvSpPr>
+            <p:cNvPr id="27" name="타원 26">
+              <a:extLst>
+                <a:ext uri="{FF2B5EF4-FFF2-40B4-BE49-F238E27FC236}">
+                  <a16:creationId xmlns:a16="http://schemas.microsoft.com/office/drawing/2014/main" id="{4FE2DC11-FFC9-49E5-A1FB-E8E173434049}"/>
+                </a:ext>
+              </a:extLst>
+            </p:cNvPr>
+            <p:cNvSpPr/>
+            <p:nvPr/>
+          </p:nvSpPr>
+          <p:spPr>
+            <a:xfrm>
+              <a:off x="6966388" y="2433029"/>
+              <a:ext cx="218941" cy="218941"/>
+            </a:xfrm>
+            <a:prstGeom prst="ellipse">
+              <a:avLst/>
+            </a:prstGeom>
+            <a:solidFill>
+              <a:schemeClr val="accent2">
+                <a:lumMod val="75000"/>
+              </a:schemeClr>
+            </a:solidFill>
+            <a:ln>
+              <a:solidFill>
+                <a:schemeClr val="accent6">
+                  <a:lumMod val="75000"/>
+                </a:schemeClr>
+              </a:solidFill>
+            </a:ln>
+          </p:spPr>
+          <p:style>
+            <a:lnRef idx="2">
+              <a:schemeClr val="accent1">
+                <a:shade val="50000"/>
+              </a:schemeClr>
+            </a:lnRef>
+            <a:fillRef idx="1">
+              <a:schemeClr val="accent1"/>
+            </a:fillRef>
+            <a:effectRef idx="0">
+              <a:schemeClr val="accent1"/>
+            </a:effectRef>
+            <a:fontRef idx="minor">
+              <a:schemeClr val="lt1"/>
+            </a:fontRef>
+          </p:style>
+          <p:txBody>
+            <a:bodyPr rtlCol="0" anchor="ctr"/>
+            <a:lstStyle/>
+            <a:p>
+              <a:pPr algn="ctr"/>
+              <a:endParaRPr lang="ko-KR" altLang="en-US"/>
+            </a:p>
+          </p:txBody>
+        </p:sp>
+        <p:sp>
+          <p:nvSpPr>
+            <p:cNvPr id="28" name="타원 27">
+              <a:extLst>
+                <a:ext uri="{FF2B5EF4-FFF2-40B4-BE49-F238E27FC236}">
+                  <a16:creationId xmlns:a16="http://schemas.microsoft.com/office/drawing/2014/main" id="{CD325D4B-186C-48B0-814E-74075A079B47}"/>
+                </a:ext>
+              </a:extLst>
+            </p:cNvPr>
+            <p:cNvSpPr/>
+            <p:nvPr/>
+          </p:nvSpPr>
+          <p:spPr>
+            <a:xfrm>
+              <a:off x="7185328" y="3480021"/>
+              <a:ext cx="218941" cy="218941"/>
+            </a:xfrm>
+            <a:prstGeom prst="ellipse">
+              <a:avLst/>
+            </a:prstGeom>
+            <a:solidFill>
+              <a:schemeClr val="accent2">
+                <a:lumMod val="75000"/>
+              </a:schemeClr>
+            </a:solidFill>
+            <a:ln>
+              <a:solidFill>
+                <a:schemeClr val="accent6">
+                  <a:lumMod val="75000"/>
+                </a:schemeClr>
+              </a:solidFill>
+            </a:ln>
+          </p:spPr>
+          <p:style>
+            <a:lnRef idx="2">
+              <a:schemeClr val="accent1">
+                <a:shade val="50000"/>
+              </a:schemeClr>
+            </a:lnRef>
+            <a:fillRef idx="1">
+              <a:schemeClr val="accent1"/>
+            </a:fillRef>
+            <a:effectRef idx="0">
+              <a:schemeClr val="accent1"/>
+            </a:effectRef>
+            <a:fontRef idx="minor">
+              <a:schemeClr val="lt1"/>
+            </a:fontRef>
+          </p:style>
+          <p:txBody>
+            <a:bodyPr rtlCol="0" anchor="ctr"/>
+            <a:lstStyle/>
+            <a:p>
+              <a:pPr algn="ctr"/>
+              <a:endParaRPr lang="ko-KR" altLang="en-US"/>
+            </a:p>
+          </p:txBody>
+        </p:sp>
+        <p:sp>
+          <p:nvSpPr>
+            <p:cNvPr id="29" name="타원 28">
+              <a:extLst>
+                <a:ext uri="{FF2B5EF4-FFF2-40B4-BE49-F238E27FC236}">
+                  <a16:creationId xmlns:a16="http://schemas.microsoft.com/office/drawing/2014/main" id="{A21E7F3D-92F4-4083-8206-A754D0BBF2A4}"/>
+                </a:ext>
+              </a:extLst>
+            </p:cNvPr>
+            <p:cNvSpPr/>
+            <p:nvPr/>
+          </p:nvSpPr>
+          <p:spPr>
+            <a:xfrm>
+              <a:off x="6669108" y="4282040"/>
+              <a:ext cx="218941" cy="218941"/>
+            </a:xfrm>
+            <a:prstGeom prst="ellipse">
+              <a:avLst/>
+            </a:prstGeom>
+            <a:solidFill>
+              <a:schemeClr val="accent2">
+                <a:lumMod val="75000"/>
+              </a:schemeClr>
+            </a:solidFill>
+            <a:ln>
+              <a:solidFill>
+                <a:schemeClr val="accent6">
+                  <a:lumMod val="75000"/>
+                </a:schemeClr>
+              </a:solidFill>
+            </a:ln>
+          </p:spPr>
+          <p:style>
+            <a:lnRef idx="2">
+              <a:schemeClr val="accent1">
+                <a:shade val="50000"/>
+              </a:schemeClr>
+            </a:lnRef>
+            <a:fillRef idx="1">
+              <a:schemeClr val="accent1"/>
+            </a:fillRef>
+            <a:effectRef idx="0">
+              <a:schemeClr val="accent1"/>
+            </a:effectRef>
+            <a:fontRef idx="minor">
+              <a:schemeClr val="lt1"/>
+            </a:fontRef>
+          </p:style>
+          <p:txBody>
+            <a:bodyPr rtlCol="0" anchor="ctr"/>
+            <a:lstStyle/>
+            <a:p>
+              <a:pPr algn="ctr"/>
+              <a:endParaRPr lang="ko-KR" altLang="en-US"/>
+            </a:p>
+          </p:txBody>
+        </p:sp>
+        <p:sp>
+          <p:nvSpPr>
+            <p:cNvPr id="30" name="타원 29">
+              <a:extLst>
+                <a:ext uri="{FF2B5EF4-FFF2-40B4-BE49-F238E27FC236}">
+                  <a16:creationId xmlns:a16="http://schemas.microsoft.com/office/drawing/2014/main" id="{40E738EE-5DA4-4E79-8DD2-AE0544225C15}"/>
+                </a:ext>
+              </a:extLst>
+            </p:cNvPr>
+            <p:cNvSpPr/>
+            <p:nvPr/>
+          </p:nvSpPr>
+          <p:spPr>
+            <a:xfrm>
+              <a:off x="6452321" y="5095743"/>
+              <a:ext cx="218941" cy="218941"/>
+            </a:xfrm>
+            <a:prstGeom prst="ellipse">
+              <a:avLst/>
+            </a:prstGeom>
+            <a:solidFill>
+              <a:schemeClr val="accent2">
+                <a:lumMod val="75000"/>
+              </a:schemeClr>
+            </a:solidFill>
+            <a:ln>
+              <a:solidFill>
+                <a:schemeClr val="accent6">
+                  <a:lumMod val="75000"/>
+                </a:schemeClr>
+              </a:solidFill>
+            </a:ln>
+          </p:spPr>
+          <p:style>
+            <a:lnRef idx="2">
+              <a:schemeClr val="accent1">
+                <a:shade val="50000"/>
+              </a:schemeClr>
+            </a:lnRef>
+            <a:fillRef idx="1">
+              <a:schemeClr val="accent1"/>
+            </a:fillRef>
+            <a:effectRef idx="0">
+              <a:schemeClr val="accent1"/>
+            </a:effectRef>
+            <a:fontRef idx="minor">
+              <a:schemeClr val="lt1"/>
+            </a:fontRef>
+          </p:style>
+          <p:txBody>
+            <a:bodyPr rtlCol="0" anchor="ctr"/>
+            <a:lstStyle/>
+            <a:p>
+              <a:pPr algn="ctr"/>
+              <a:endParaRPr lang="ko-KR" altLang="en-US"/>
+            </a:p>
+          </p:txBody>
+        </p:sp>
+        <p:sp>
+          <p:nvSpPr>
+            <p:cNvPr id="31" name="타원 30">
+              <a:extLst>
+                <a:ext uri="{FF2B5EF4-FFF2-40B4-BE49-F238E27FC236}">
+                  <a16:creationId xmlns:a16="http://schemas.microsoft.com/office/drawing/2014/main" id="{56A29922-2F5A-46E2-A00F-AAB35E2C3D47}"/>
+                </a:ext>
+              </a:extLst>
+            </p:cNvPr>
+            <p:cNvSpPr/>
+            <p:nvPr/>
+          </p:nvSpPr>
+          <p:spPr>
+            <a:xfrm>
+              <a:off x="6031058" y="5492839"/>
+              <a:ext cx="218941" cy="218941"/>
+            </a:xfrm>
+            <a:prstGeom prst="ellipse">
+              <a:avLst/>
+            </a:prstGeom>
+            <a:solidFill>
+              <a:schemeClr val="accent2">
+                <a:lumMod val="75000"/>
+              </a:schemeClr>
+            </a:solidFill>
+            <a:ln>
+              <a:solidFill>
+                <a:schemeClr val="accent6">
+                  <a:lumMod val="75000"/>
+                </a:schemeClr>
+              </a:solidFill>
+            </a:ln>
+          </p:spPr>
+          <p:style>
+            <a:lnRef idx="2">
+              <a:schemeClr val="accent1">
+                <a:shade val="50000"/>
+              </a:schemeClr>
+            </a:lnRef>
+            <a:fillRef idx="1">
+              <a:schemeClr val="accent1"/>
+            </a:fillRef>
+            <a:effectRef idx="0">
+              <a:schemeClr val="accent1"/>
+            </a:effectRef>
+            <a:fontRef idx="minor">
+              <a:schemeClr val="lt1"/>
+            </a:fontRef>
+          </p:style>
+          <p:txBody>
+            <a:bodyPr rtlCol="0" anchor="ctr"/>
+            <a:lstStyle/>
+            <a:p>
+              <a:pPr algn="ctr"/>
+              <a:endParaRPr lang="ko-KR" altLang="en-US"/>
+            </a:p>
+          </p:txBody>
+        </p:sp>
+        <p:sp>
+          <p:nvSpPr>
+            <p:cNvPr id="32" name="타원 31">
+              <a:extLst>
+                <a:ext uri="{FF2B5EF4-FFF2-40B4-BE49-F238E27FC236}">
+                  <a16:creationId xmlns:a16="http://schemas.microsoft.com/office/drawing/2014/main" id="{750659B6-29C7-48C8-B890-CB67469F5562}"/>
+                </a:ext>
+              </a:extLst>
+            </p:cNvPr>
+            <p:cNvSpPr/>
+            <p:nvPr/>
+          </p:nvSpPr>
+          <p:spPr>
+            <a:xfrm>
+              <a:off x="5411268" y="5805153"/>
+              <a:ext cx="218941" cy="218941"/>
+            </a:xfrm>
+            <a:prstGeom prst="ellipse">
+              <a:avLst/>
+            </a:prstGeom>
+            <a:solidFill>
+              <a:schemeClr val="accent2">
+                <a:lumMod val="75000"/>
+              </a:schemeClr>
+            </a:solidFill>
+            <a:ln>
+              <a:solidFill>
+                <a:schemeClr val="accent6">
+                  <a:lumMod val="75000"/>
+                </a:schemeClr>
+              </a:solidFill>
+            </a:ln>
+          </p:spPr>
+          <p:style>
+            <a:lnRef idx="2">
+              <a:schemeClr val="accent1">
+                <a:shade val="50000"/>
+              </a:schemeClr>
+            </a:lnRef>
+            <a:fillRef idx="1">
+              <a:schemeClr val="accent1"/>
+            </a:fillRef>
+            <a:effectRef idx="0">
+              <a:schemeClr val="accent1"/>
+            </a:effectRef>
+            <a:fontRef idx="minor">
+              <a:schemeClr val="lt1"/>
+            </a:fontRef>
+          </p:style>
+          <p:txBody>
+            <a:bodyPr rtlCol="0" anchor="ctr"/>
+            <a:lstStyle/>
+            <a:p>
+              <a:pPr algn="ctr"/>
+              <a:endParaRPr lang="ko-KR" altLang="en-US"/>
+            </a:p>
+          </p:txBody>
+        </p:sp>
+        <p:sp>
+          <p:nvSpPr>
+            <p:cNvPr id="33" name="타원 32">
+              <a:extLst>
+                <a:ext uri="{FF2B5EF4-FFF2-40B4-BE49-F238E27FC236}">
+                  <a16:creationId xmlns:a16="http://schemas.microsoft.com/office/drawing/2014/main" id="{2137EF78-316C-4FC7-805A-6A4C2F955A48}"/>
+                </a:ext>
+              </a:extLst>
+            </p:cNvPr>
+            <p:cNvSpPr/>
+            <p:nvPr/>
+          </p:nvSpPr>
+          <p:spPr>
+            <a:xfrm>
+              <a:off x="5086073" y="5731102"/>
+              <a:ext cx="218941" cy="218941"/>
+            </a:xfrm>
+            <a:prstGeom prst="ellipse">
+              <a:avLst/>
+            </a:prstGeom>
+            <a:solidFill>
+              <a:schemeClr val="accent2">
+                <a:lumMod val="75000"/>
+              </a:schemeClr>
+            </a:solidFill>
+            <a:ln>
+              <a:solidFill>
+                <a:schemeClr val="accent6">
+                  <a:lumMod val="75000"/>
+                </a:schemeClr>
+              </a:solidFill>
+            </a:ln>
+          </p:spPr>
+          <p:style>
+            <a:lnRef idx="2">
+              <a:schemeClr val="accent1">
+                <a:shade val="50000"/>
+              </a:schemeClr>
+            </a:lnRef>
+            <a:fillRef idx="1">
+              <a:schemeClr val="accent1"/>
+            </a:fillRef>
+            <a:effectRef idx="0">
+              <a:schemeClr val="accent1"/>
+            </a:effectRef>
+            <a:fontRef idx="minor">
+              <a:schemeClr val="lt1"/>
+            </a:fontRef>
+          </p:style>
+          <p:txBody>
+            <a:bodyPr rtlCol="0" anchor="ctr"/>
+            <a:lstStyle/>
+            <a:p>
+              <a:pPr algn="ctr"/>
+              <a:endParaRPr lang="ko-KR" altLang="en-US"/>
+            </a:p>
+          </p:txBody>
+        </p:sp>
+        <p:sp>
+          <p:nvSpPr>
+            <p:cNvPr id="34" name="자유형: 도형 33">
+              <a:extLst>
+                <a:ext uri="{FF2B5EF4-FFF2-40B4-BE49-F238E27FC236}">
+                  <a16:creationId xmlns:a16="http://schemas.microsoft.com/office/drawing/2014/main" id="{C9B61706-7294-4F30-9114-61D085A909F4}"/>
+                </a:ext>
+              </a:extLst>
+            </p:cNvPr>
+            <p:cNvSpPr/>
+            <p:nvPr/>
+          </p:nvSpPr>
+          <p:spPr>
+            <a:xfrm>
+              <a:off x="5939305" y="2514600"/>
+              <a:ext cx="566670" cy="450760"/>
+            </a:xfrm>
+            <a:custGeom>
+              <a:avLst/>
+              <a:gdLst>
+                <a:gd name="connsiteX0" fmla="*/ 0 w 566670"/>
+                <a:gd name="connsiteY0" fmla="*/ 128788 h 450760"/>
+                <a:gd name="connsiteX1" fmla="*/ 128788 w 566670"/>
+                <a:gd name="connsiteY1" fmla="*/ 450760 h 450760"/>
+                <a:gd name="connsiteX2" fmla="*/ 540912 w 566670"/>
+                <a:gd name="connsiteY2" fmla="*/ 347729 h 450760"/>
+                <a:gd name="connsiteX3" fmla="*/ 566670 w 566670"/>
+                <a:gd name="connsiteY3" fmla="*/ 180304 h 450760"/>
+                <a:gd name="connsiteX4" fmla="*/ 399245 w 566670"/>
+                <a:gd name="connsiteY4" fmla="*/ 0 h 450760"/>
+                <a:gd name="connsiteX5" fmla="*/ 0 w 566670"/>
+                <a:gd name="connsiteY5" fmla="*/ 128788 h 450760"/>
+              </a:gdLst>
+              <a:ahLst/>
+              <a:cxnLst>
+                <a:cxn ang="0">
+                  <a:pos x="connsiteX0" y="connsiteY0"/>
+                </a:cxn>
+                <a:cxn ang="0">
+                  <a:pos x="connsiteX1" y="connsiteY1"/>
+                </a:cxn>
+                <a:cxn ang="0">
+                  <a:pos x="connsiteX2" y="connsiteY2"/>
+                </a:cxn>
+                <a:cxn ang="0">
+                  <a:pos x="connsiteX3" y="connsiteY3"/>
+                </a:cxn>
+                <a:cxn ang="0">
+                  <a:pos x="connsiteX4" y="connsiteY4"/>
+                </a:cxn>
+                <a:cxn ang="0">
+                  <a:pos x="connsiteX5" y="connsiteY5"/>
+                </a:cxn>
+              </a:cxnLst>
+              <a:rect l="l" t="t" r="r" b="b"/>
+              <a:pathLst>
+                <a:path w="566670" h="450760">
+                  <a:moveTo>
+                    <a:pt x="0" y="128788"/>
+                  </a:moveTo>
+                  <a:lnTo>
+                    <a:pt x="128788" y="450760"/>
+                  </a:lnTo>
+                  <a:lnTo>
+                    <a:pt x="540912" y="347729"/>
+                  </a:lnTo>
+                  <a:lnTo>
+                    <a:pt x="566670" y="180304"/>
+                  </a:lnTo>
+                  <a:lnTo>
+                    <a:pt x="399245" y="0"/>
+                  </a:lnTo>
+                  <a:lnTo>
+                    <a:pt x="0" y="128788"/>
+                  </a:lnTo>
+                  <a:close/>
+                </a:path>
+              </a:pathLst>
+            </a:custGeom>
+            <a:solidFill>
+              <a:schemeClr val="bg1">
+                <a:lumMod val="75000"/>
+              </a:schemeClr>
+            </a:solidFill>
+            <a:ln>
+              <a:solidFill>
+                <a:schemeClr val="bg2">
+                  <a:lumMod val="25000"/>
+                </a:schemeClr>
+              </a:solidFill>
+            </a:ln>
+          </p:spPr>
+          <p:style>
+            <a:lnRef idx="2">
+              <a:schemeClr val="accent1">
+                <a:shade val="50000"/>
+              </a:schemeClr>
+            </a:lnRef>
+            <a:fillRef idx="1">
+              <a:schemeClr val="accent1"/>
+            </a:fillRef>
+            <a:effectRef idx="0">
+              <a:schemeClr val="accent1"/>
+            </a:effectRef>
+            <a:fontRef idx="minor">
+              <a:schemeClr val="lt1"/>
+            </a:fontRef>
+          </p:style>
+          <p:txBody>
+            <a:bodyPr rtlCol="0" anchor="ctr"/>
+            <a:lstStyle/>
+            <a:p>
+              <a:pPr algn="ctr"/>
+              <a:endParaRPr lang="ko-KR" altLang="en-US"/>
+            </a:p>
+          </p:txBody>
+        </p:sp>
+        <p:sp>
+          <p:nvSpPr>
+            <p:cNvPr id="35" name="자유형: 도형 34">
+              <a:extLst>
+                <a:ext uri="{FF2B5EF4-FFF2-40B4-BE49-F238E27FC236}">
+                  <a16:creationId xmlns:a16="http://schemas.microsoft.com/office/drawing/2014/main" id="{2565A841-595B-404B-9F90-7EE5B0FF694C}"/>
+                </a:ext>
+              </a:extLst>
+            </p:cNvPr>
+            <p:cNvSpPr/>
+            <p:nvPr/>
+          </p:nvSpPr>
+          <p:spPr>
+            <a:xfrm>
+              <a:off x="5087155" y="3400023"/>
+              <a:ext cx="1184856" cy="1815921"/>
+            </a:xfrm>
+            <a:custGeom>
+              <a:avLst/>
+              <a:gdLst>
+                <a:gd name="connsiteX0" fmla="*/ 1081825 w 1184856"/>
+                <a:gd name="connsiteY0" fmla="*/ 0 h 1815921"/>
+                <a:gd name="connsiteX1" fmla="*/ 1184856 w 1184856"/>
+                <a:gd name="connsiteY1" fmla="*/ 231819 h 1815921"/>
+                <a:gd name="connsiteX2" fmla="*/ 1120462 w 1184856"/>
+                <a:gd name="connsiteY2" fmla="*/ 489397 h 1815921"/>
+                <a:gd name="connsiteX3" fmla="*/ 1107583 w 1184856"/>
+                <a:gd name="connsiteY3" fmla="*/ 785611 h 1815921"/>
+                <a:gd name="connsiteX4" fmla="*/ 978794 w 1184856"/>
+                <a:gd name="connsiteY4" fmla="*/ 1184856 h 1815921"/>
+                <a:gd name="connsiteX5" fmla="*/ 682580 w 1184856"/>
+                <a:gd name="connsiteY5" fmla="*/ 1712890 h 1815921"/>
+                <a:gd name="connsiteX6" fmla="*/ 283335 w 1184856"/>
+                <a:gd name="connsiteY6" fmla="*/ 1815921 h 1815921"/>
+                <a:gd name="connsiteX7" fmla="*/ 0 w 1184856"/>
+                <a:gd name="connsiteY7" fmla="*/ 1738647 h 1815921"/>
+                <a:gd name="connsiteX8" fmla="*/ 154546 w 1184856"/>
+                <a:gd name="connsiteY8" fmla="*/ 1429554 h 1815921"/>
+                <a:gd name="connsiteX9" fmla="*/ 360608 w 1184856"/>
+                <a:gd name="connsiteY9" fmla="*/ 1365160 h 1815921"/>
+                <a:gd name="connsiteX10" fmla="*/ 528034 w 1184856"/>
+                <a:gd name="connsiteY10" fmla="*/ 1416676 h 1815921"/>
+                <a:gd name="connsiteX11" fmla="*/ 695459 w 1184856"/>
+                <a:gd name="connsiteY11" fmla="*/ 1068946 h 1815921"/>
+                <a:gd name="connsiteX12" fmla="*/ 824248 w 1184856"/>
+                <a:gd name="connsiteY12" fmla="*/ 553791 h 1815921"/>
+                <a:gd name="connsiteX13" fmla="*/ 1043189 w 1184856"/>
+                <a:gd name="connsiteY13" fmla="*/ 38636 h 1815921"/>
+                <a:gd name="connsiteX14" fmla="*/ 1081825 w 1184856"/>
+                <a:gd name="connsiteY14" fmla="*/ 0 h 1815921"/>
+              </a:gdLst>
+              <a:ahLst/>
+              <a:cxnLst>
+                <a:cxn ang="0">
+                  <a:pos x="connsiteX0" y="connsiteY0"/>
+                </a:cxn>
+                <a:cxn ang="0">
+                  <a:pos x="connsiteX1" y="connsiteY1"/>
+                </a:cxn>
+                <a:cxn ang="0">
+                  <a:pos x="connsiteX2" y="connsiteY2"/>
+                </a:cxn>
+                <a:cxn ang="0">
+                  <a:pos x="connsiteX3" y="connsiteY3"/>
+                </a:cxn>
+                <a:cxn ang="0">
+                  <a:pos x="connsiteX4" y="connsiteY4"/>
+                </a:cxn>
+                <a:cxn ang="0">
+                  <a:pos x="connsiteX5" y="connsiteY5"/>
+                </a:cxn>
+                <a:cxn ang="0">
+                  <a:pos x="connsiteX6" y="connsiteY6"/>
+                </a:cxn>
+                <a:cxn ang="0">
+                  <a:pos x="connsiteX7" y="connsiteY7"/>
+                </a:cxn>
+                <a:cxn ang="0">
+                  <a:pos x="connsiteX8" y="connsiteY8"/>
+                </a:cxn>
+                <a:cxn ang="0">
+                  <a:pos x="connsiteX9" y="connsiteY9"/>
+                </a:cxn>
+                <a:cxn ang="0">
+                  <a:pos x="connsiteX10" y="connsiteY10"/>
+                </a:cxn>
+                <a:cxn ang="0">
+                  <a:pos x="connsiteX11" y="connsiteY11"/>
+                </a:cxn>
+                <a:cxn ang="0">
+                  <a:pos x="connsiteX12" y="connsiteY12"/>
+                </a:cxn>
+                <a:cxn ang="0">
+                  <a:pos x="connsiteX13" y="connsiteY13"/>
+                </a:cxn>
+                <a:cxn ang="0">
+                  <a:pos x="connsiteX14" y="connsiteY14"/>
+                </a:cxn>
+              </a:cxnLst>
+              <a:rect l="l" t="t" r="r" b="b"/>
+              <a:pathLst>
+                <a:path w="1184856" h="1815921">
+                  <a:moveTo>
+                    <a:pt x="1081825" y="0"/>
+                  </a:moveTo>
+                  <a:lnTo>
+                    <a:pt x="1184856" y="231819"/>
+                  </a:lnTo>
+                  <a:lnTo>
+                    <a:pt x="1120462" y="489397"/>
+                  </a:lnTo>
+                  <a:lnTo>
+                    <a:pt x="1107583" y="785611"/>
+                  </a:lnTo>
+                  <a:lnTo>
+                    <a:pt x="978794" y="1184856"/>
+                  </a:lnTo>
+                  <a:lnTo>
+                    <a:pt x="682580" y="1712890"/>
+                  </a:lnTo>
+                  <a:lnTo>
+                    <a:pt x="283335" y="1815921"/>
+                  </a:lnTo>
+                  <a:lnTo>
+                    <a:pt x="0" y="1738647"/>
+                  </a:lnTo>
+                  <a:lnTo>
+                    <a:pt x="154546" y="1429554"/>
+                  </a:lnTo>
+                  <a:lnTo>
+                    <a:pt x="360608" y="1365160"/>
+                  </a:lnTo>
+                  <a:lnTo>
+                    <a:pt x="528034" y="1416676"/>
+                  </a:lnTo>
+                  <a:lnTo>
+                    <a:pt x="695459" y="1068946"/>
+                  </a:lnTo>
+                  <a:lnTo>
+                    <a:pt x="824248" y="553791"/>
+                  </a:lnTo>
+                  <a:lnTo>
+                    <a:pt x="1043189" y="38636"/>
+                  </a:lnTo>
+                  <a:lnTo>
+                    <a:pt x="1081825" y="0"/>
+                  </a:lnTo>
+                  <a:close/>
+                </a:path>
+              </a:pathLst>
+            </a:custGeom>
+            <a:solidFill>
+              <a:schemeClr val="bg2">
+                <a:lumMod val="90000"/>
+              </a:schemeClr>
+            </a:solidFill>
+            <a:ln>
+              <a:solidFill>
+                <a:schemeClr val="bg2">
+                  <a:lumMod val="10000"/>
+                </a:schemeClr>
+              </a:solidFill>
+            </a:ln>
+          </p:spPr>
+          <p:style>
+            <a:lnRef idx="2">
+              <a:schemeClr val="accent1">
+                <a:shade val="50000"/>
+              </a:schemeClr>
+            </a:lnRef>
+            <a:fillRef idx="1">
+              <a:schemeClr val="accent1"/>
+            </a:fillRef>
+            <a:effectRef idx="0">
+              <a:schemeClr val="accent1"/>
+            </a:effectRef>
+            <a:fontRef idx="minor">
+              <a:schemeClr val="lt1"/>
+            </a:fontRef>
+          </p:style>
+          <p:txBody>
+            <a:bodyPr rtlCol="0" anchor="ctr"/>
+            <a:lstStyle/>
+            <a:p>
+              <a:pPr algn="ctr"/>
+              <a:endParaRPr lang="ko-KR" altLang="en-US"/>
+            </a:p>
+          </p:txBody>
+        </p:sp>
+      </p:grpSp>
+      <p:cxnSp>
+        <p:nvCxnSpPr>
+          <p:cNvPr id="37" name="직선 화살표 연결선 36">
+            <a:extLst>
+              <a:ext uri="{FF2B5EF4-FFF2-40B4-BE49-F238E27FC236}">
+                <a16:creationId xmlns:a16="http://schemas.microsoft.com/office/drawing/2014/main" id="{D5B76BB7-7BD8-4CD1-AA88-BB80E54D4FF1}"/>
+              </a:ext>
+            </a:extLst>
+          </p:cNvPr>
+          <p:cNvCxnSpPr>
+            <a:cxnSpLocks/>
+            <a:stCxn id="27" idx="6"/>
+          </p:cNvCxnSpPr>
+          <p:nvPr/>
+        </p:nvCxnSpPr>
+        <p:spPr>
+          <a:xfrm flipV="1">
+            <a:off x="7089161" y="2406131"/>
+            <a:ext cx="1329757" cy="22667"/>
+          </a:xfrm>
+          <a:prstGeom prst="straightConnector1">
+            <a:avLst/>
+          </a:prstGeom>
+          <a:ln>
+            <a:solidFill>
+              <a:srgbClr val="FF0000"/>
+            </a:solidFill>
+            <a:tailEnd type="triangle"/>
+          </a:ln>
+        </p:spPr>
+        <p:style>
+          <a:lnRef idx="1">
+            <a:schemeClr val="accent1"/>
+          </a:lnRef>
+          <a:fillRef idx="0">
+            <a:schemeClr val="accent1"/>
+          </a:fillRef>
+          <a:effectRef idx="0">
+            <a:schemeClr val="accent1"/>
+          </a:effectRef>
+          <a:fontRef idx="minor">
+            <a:schemeClr val="tx1"/>
+          </a:fontRef>
+        </p:style>
+      </p:cxnSp>
+      <p:sp>
+        <p:nvSpPr>
+          <p:cNvPr id="40" name="TextBox 39">
+            <a:extLst>
+              <a:ext uri="{FF2B5EF4-FFF2-40B4-BE49-F238E27FC236}">
+                <a16:creationId xmlns:a16="http://schemas.microsoft.com/office/drawing/2014/main" id="{0F379A62-1BED-4426-8C15-9E1E93194898}"/>
+              </a:ext>
+            </a:extLst>
+          </p:cNvPr>
+          <p:cNvSpPr txBox="1"/>
+          <p:nvPr/>
+        </p:nvSpPr>
+        <p:spPr>
+          <a:xfrm>
+            <a:off x="8426691" y="2239776"/>
+            <a:ext cx="415498" cy="369332"/>
+          </a:xfrm>
+          <a:prstGeom prst="rect">
+            <a:avLst/>
+          </a:prstGeom>
+          <a:noFill/>
+        </p:spPr>
+        <p:txBody>
+          <a:bodyPr wrap="none" rtlCol="0">
+            <a:spAutoFit/>
+          </a:bodyPr>
+          <a:lstStyle/>
+          <a:p>
+            <a:r>
+              <a:rPr lang="ko-KR" altLang="en-US" dirty="0"/>
+              <a:t>①</a:t>
+            </a:r>
+          </a:p>
+        </p:txBody>
+      </p:sp>
+      <p:sp>
+        <p:nvSpPr>
+          <p:cNvPr id="41" name="TextBox 40">
+            <a:extLst>
+              <a:ext uri="{FF2B5EF4-FFF2-40B4-BE49-F238E27FC236}">
+                <a16:creationId xmlns:a16="http://schemas.microsoft.com/office/drawing/2014/main" id="{C7153AED-157F-43E2-A8A6-C18B37144CEA}"/>
+              </a:ext>
+            </a:extLst>
+          </p:cNvPr>
+          <p:cNvSpPr txBox="1"/>
+          <p:nvPr/>
+        </p:nvSpPr>
+        <p:spPr>
+          <a:xfrm>
+            <a:off x="8030824" y="3489082"/>
+            <a:ext cx="415498" cy="369332"/>
+          </a:xfrm>
+          <a:prstGeom prst="rect">
+            <a:avLst/>
+          </a:prstGeom>
+          <a:noFill/>
+        </p:spPr>
+        <p:txBody>
+          <a:bodyPr wrap="none" rtlCol="0">
+            <a:spAutoFit/>
+          </a:bodyPr>
+          <a:lstStyle/>
+          <a:p>
+            <a:r>
+              <a:rPr lang="ko-KR" altLang="en-US" dirty="0"/>
+              <a:t>②</a:t>
+            </a:r>
+          </a:p>
+        </p:txBody>
+      </p:sp>
+      <p:sp>
+        <p:nvSpPr>
+          <p:cNvPr id="42" name="TextBox 41">
+            <a:extLst>
+              <a:ext uri="{FF2B5EF4-FFF2-40B4-BE49-F238E27FC236}">
+                <a16:creationId xmlns:a16="http://schemas.microsoft.com/office/drawing/2014/main" id="{CC2C3BC9-51C6-408E-84EC-0C298776A7A3}"/>
+              </a:ext>
+            </a:extLst>
+          </p:cNvPr>
+          <p:cNvSpPr txBox="1"/>
+          <p:nvPr/>
+        </p:nvSpPr>
+        <p:spPr>
+          <a:xfrm>
+            <a:off x="7988825" y="4222820"/>
+            <a:ext cx="415498" cy="369332"/>
+          </a:xfrm>
+          <a:prstGeom prst="rect">
+            <a:avLst/>
+          </a:prstGeom>
+          <a:noFill/>
+        </p:spPr>
+        <p:txBody>
+          <a:bodyPr wrap="none" rtlCol="0">
+            <a:spAutoFit/>
+          </a:bodyPr>
+          <a:lstStyle/>
+          <a:p>
+            <a:r>
+              <a:rPr lang="ko-KR" altLang="en-US" dirty="0"/>
+              <a:t>③</a:t>
+            </a:r>
+          </a:p>
+        </p:txBody>
+      </p:sp>
+      <p:sp>
+        <p:nvSpPr>
+          <p:cNvPr id="44" name="TextBox 43">
+            <a:extLst>
+              <a:ext uri="{FF2B5EF4-FFF2-40B4-BE49-F238E27FC236}">
+                <a16:creationId xmlns:a16="http://schemas.microsoft.com/office/drawing/2014/main" id="{0EDCF2F4-0FBA-4B84-A88D-7C4B310CDD08}"/>
+              </a:ext>
+            </a:extLst>
+          </p:cNvPr>
+          <p:cNvSpPr txBox="1"/>
+          <p:nvPr/>
+        </p:nvSpPr>
+        <p:spPr>
+          <a:xfrm>
+            <a:off x="7592180" y="5108357"/>
+            <a:ext cx="415498" cy="369332"/>
+          </a:xfrm>
+          <a:prstGeom prst="rect">
+            <a:avLst/>
+          </a:prstGeom>
+          <a:noFill/>
+        </p:spPr>
+        <p:txBody>
+          <a:bodyPr wrap="none" rtlCol="0">
+            <a:spAutoFit/>
+          </a:bodyPr>
+          <a:lstStyle/>
+          <a:p>
+            <a:r>
+              <a:rPr lang="ko-KR" altLang="en-US" dirty="0"/>
+              <a:t>④</a:t>
+            </a:r>
+          </a:p>
+        </p:txBody>
+      </p:sp>
+      <p:cxnSp>
+        <p:nvCxnSpPr>
+          <p:cNvPr id="46" name="직선 화살표 연결선 45">
+            <a:extLst>
+              <a:ext uri="{FF2B5EF4-FFF2-40B4-BE49-F238E27FC236}">
+                <a16:creationId xmlns:a16="http://schemas.microsoft.com/office/drawing/2014/main" id="{2A7DFA0E-C8C8-4BC4-B078-EC47BA01038E}"/>
+              </a:ext>
+            </a:extLst>
+          </p:cNvPr>
+          <p:cNvCxnSpPr>
+            <a:stCxn id="35" idx="2"/>
+            <a:endCxn id="41" idx="1"/>
+          </p:cNvCxnSpPr>
+          <p:nvPr/>
+        </p:nvCxnSpPr>
+        <p:spPr>
+          <a:xfrm>
+            <a:off x="6294808" y="3523121"/>
+            <a:ext cx="1736016" cy="150627"/>
+          </a:xfrm>
+          <a:prstGeom prst="straightConnector1">
+            <a:avLst/>
+          </a:prstGeom>
+          <a:ln>
+            <a:solidFill>
+              <a:srgbClr val="002060"/>
+            </a:solidFill>
+            <a:tailEnd type="triangle"/>
+          </a:ln>
+        </p:spPr>
+        <p:style>
+          <a:lnRef idx="1">
+            <a:schemeClr val="accent1"/>
+          </a:lnRef>
+          <a:fillRef idx="0">
+            <a:schemeClr val="accent1"/>
+          </a:fillRef>
+          <a:effectRef idx="0">
+            <a:schemeClr val="accent1"/>
+          </a:effectRef>
+          <a:fontRef idx="minor">
+            <a:schemeClr val="tx1"/>
+          </a:fontRef>
+        </p:style>
+      </p:cxnSp>
+      <p:cxnSp>
+        <p:nvCxnSpPr>
+          <p:cNvPr id="48" name="직선 화살표 연결선 47">
+            <a:extLst>
+              <a:ext uri="{FF2B5EF4-FFF2-40B4-BE49-F238E27FC236}">
+                <a16:creationId xmlns:a16="http://schemas.microsoft.com/office/drawing/2014/main" id="{2C6D0062-AA6D-45EC-A696-17661F44CAAD}"/>
+              </a:ext>
+            </a:extLst>
+          </p:cNvPr>
+          <p:cNvCxnSpPr>
+            <a:cxnSpLocks/>
+            <a:stCxn id="34" idx="2"/>
+          </p:cNvCxnSpPr>
+          <p:nvPr/>
+        </p:nvCxnSpPr>
+        <p:spPr>
+          <a:xfrm>
+            <a:off x="6516285" y="2688647"/>
+            <a:ext cx="1555453" cy="854911"/>
+          </a:xfrm>
+          <a:prstGeom prst="straightConnector1">
+            <a:avLst/>
+          </a:prstGeom>
+          <a:ln>
+            <a:solidFill>
+              <a:srgbClr val="002060"/>
+            </a:solidFill>
+            <a:tailEnd type="triangle"/>
+          </a:ln>
+        </p:spPr>
+        <p:style>
+          <a:lnRef idx="1">
+            <a:schemeClr val="accent1"/>
+          </a:lnRef>
+          <a:fillRef idx="0">
+            <a:schemeClr val="accent1"/>
+          </a:fillRef>
+          <a:effectRef idx="0">
+            <a:schemeClr val="accent1"/>
+          </a:effectRef>
+          <a:fontRef idx="minor">
+            <a:schemeClr val="tx1"/>
+          </a:fontRef>
+        </p:style>
+      </p:cxnSp>
+      <p:cxnSp>
+        <p:nvCxnSpPr>
+          <p:cNvPr id="51" name="직선 화살표 연결선 50">
+            <a:extLst>
+              <a:ext uri="{FF2B5EF4-FFF2-40B4-BE49-F238E27FC236}">
+                <a16:creationId xmlns:a16="http://schemas.microsoft.com/office/drawing/2014/main" id="{91D53AB1-2D00-4500-A456-E09E3D9B8862}"/>
+              </a:ext>
+            </a:extLst>
+          </p:cNvPr>
+          <p:cNvCxnSpPr>
+            <a:endCxn id="42" idx="1"/>
+          </p:cNvCxnSpPr>
+          <p:nvPr/>
+        </p:nvCxnSpPr>
+        <p:spPr>
+          <a:xfrm>
+            <a:off x="6669752" y="4407486"/>
+            <a:ext cx="1319073" cy="0"/>
+          </a:xfrm>
+          <a:prstGeom prst="straightConnector1">
+            <a:avLst/>
+          </a:prstGeom>
+          <a:ln>
+            <a:solidFill>
+              <a:srgbClr val="00B050"/>
+            </a:solidFill>
+            <a:tailEnd type="triangle"/>
+          </a:ln>
+        </p:spPr>
+        <p:style>
+          <a:lnRef idx="1">
+            <a:schemeClr val="accent1"/>
+          </a:lnRef>
+          <a:fillRef idx="0">
+            <a:schemeClr val="accent1"/>
+          </a:fillRef>
+          <a:effectRef idx="0">
+            <a:schemeClr val="accent1"/>
+          </a:effectRef>
+          <a:fontRef idx="minor">
+            <a:schemeClr val="tx1"/>
+          </a:fontRef>
+        </p:style>
+      </p:cxnSp>
+      <p:cxnSp>
+        <p:nvCxnSpPr>
+          <p:cNvPr id="53" name="직선 화살표 연결선 52">
+            <a:extLst>
+              <a:ext uri="{FF2B5EF4-FFF2-40B4-BE49-F238E27FC236}">
+                <a16:creationId xmlns:a16="http://schemas.microsoft.com/office/drawing/2014/main" id="{84073545-4DA0-4776-B0B8-B89CC77DD402}"/>
+              </a:ext>
+            </a:extLst>
+          </p:cNvPr>
+          <p:cNvCxnSpPr>
+            <a:endCxn id="44" idx="1"/>
+          </p:cNvCxnSpPr>
+          <p:nvPr/>
+        </p:nvCxnSpPr>
+        <p:spPr>
+          <a:xfrm>
+            <a:off x="5865800" y="4825837"/>
+            <a:ext cx="1726380" cy="467186"/>
+          </a:xfrm>
+          <a:prstGeom prst="straightConnector1">
+            <a:avLst/>
+          </a:prstGeom>
+          <a:ln>
+            <a:solidFill>
+              <a:srgbClr val="FFC000"/>
+            </a:solidFill>
+            <a:tailEnd type="triangle"/>
+          </a:ln>
+        </p:spPr>
+        <p:style>
+          <a:lnRef idx="1">
+            <a:schemeClr val="accent1"/>
+          </a:lnRef>
+          <a:fillRef idx="0">
+            <a:schemeClr val="accent1"/>
+          </a:fillRef>
+          <a:effectRef idx="0">
+            <a:schemeClr val="accent1"/>
+          </a:effectRef>
+          <a:fontRef idx="minor">
+            <a:schemeClr val="tx1"/>
+          </a:fontRef>
+        </p:style>
+      </p:cxnSp>
+    </p:spTree>
+    <p:extLst>
+      <p:ext uri="{BB962C8B-B14F-4D97-AF65-F5344CB8AC3E}">
+        <p14:creationId xmlns:p14="http://schemas.microsoft.com/office/powerpoint/2010/main" val="1067654416"/>
+      </p:ext>
+    </p:extLst>
+  </p:cSld>
+  <p:clrMapOvr>
+    <a:masterClrMapping/>
+  </p:clrMapOvr>
+</p:sld>
+</file>
+
+<file path=ppt/slides/slide9.xml><?xml version="1.0" encoding="utf-8"?>
+<p:sld xmlns:a="http://schemas.openxmlformats.org/drawingml/2006/main" xmlns:r="http://schemas.openxmlformats.org/officeDocument/2006/relationships" xmlns:p="http://schemas.openxmlformats.org/presentationml/2006/main">
+  <p:cSld>
+    <p:spTree>
+      <p:nvGrpSpPr>
+        <p:cNvPr id="1" name=""/>
+        <p:cNvGrpSpPr/>
+        <p:nvPr/>
+      </p:nvGrpSpPr>
+      <p:grpSpPr>
+        <a:xfrm>
+          <a:off x="0" y="0"/>
+          <a:ext cx="0" cy="0"/>
+          <a:chOff x="0" y="0"/>
+          <a:chExt cx="0" cy="0"/>
+        </a:xfrm>
+      </p:grpSpPr>
+      <p:grpSp>
+        <p:nvGrpSpPr>
+          <p:cNvPr id="7" name="그룹 6">
+            <a:extLst>
+              <a:ext uri="{FF2B5EF4-FFF2-40B4-BE49-F238E27FC236}">
+                <a16:creationId xmlns:a16="http://schemas.microsoft.com/office/drawing/2014/main" id="{BE458CC1-1AA5-49E9-B1EA-70BC09FF321B}"/>
+              </a:ext>
+            </a:extLst>
+          </p:cNvPr>
+          <p:cNvGrpSpPr/>
+          <p:nvPr/>
+        </p:nvGrpSpPr>
+        <p:grpSpPr>
+          <a:xfrm>
+            <a:off x="2855800" y="1824293"/>
+            <a:ext cx="5179326" cy="2869627"/>
+            <a:chOff x="3441016" y="1860869"/>
+            <a:chExt cx="2032601" cy="1126171"/>
+          </a:xfrm>
+        </p:grpSpPr>
+        <p:sp>
+          <p:nvSpPr>
+            <p:cNvPr id="5" name="자유형: 도형 4">
+              <a:extLst>
+                <a:ext uri="{FF2B5EF4-FFF2-40B4-BE49-F238E27FC236}">
+                  <a16:creationId xmlns:a16="http://schemas.microsoft.com/office/drawing/2014/main" id="{7B0C9DE5-55C5-4947-BAD0-07D3CE065FB9}"/>
+                </a:ext>
+              </a:extLst>
+            </p:cNvPr>
+            <p:cNvSpPr/>
+            <p:nvPr/>
+          </p:nvSpPr>
+          <p:spPr>
+            <a:xfrm>
+              <a:off x="3441016" y="1860869"/>
+              <a:ext cx="2032601" cy="1126171"/>
+            </a:xfrm>
+            <a:custGeom>
+              <a:avLst/>
+              <a:gdLst>
+                <a:gd name="connsiteX0" fmla="*/ 1841678 w 1841678"/>
+                <a:gd name="connsiteY0" fmla="*/ 64394 h 1056067"/>
+                <a:gd name="connsiteX1" fmla="*/ 1365160 w 1841678"/>
+                <a:gd name="connsiteY1" fmla="*/ 1056067 h 1056067"/>
+                <a:gd name="connsiteX2" fmla="*/ 759853 w 1841678"/>
+                <a:gd name="connsiteY2" fmla="*/ 901521 h 1056067"/>
+                <a:gd name="connsiteX3" fmla="*/ 0 w 1841678"/>
+                <a:gd name="connsiteY3" fmla="*/ 1056067 h 1056067"/>
+                <a:gd name="connsiteX4" fmla="*/ 347729 w 1841678"/>
+                <a:gd name="connsiteY4" fmla="*/ 785611 h 1056067"/>
+                <a:gd name="connsiteX5" fmla="*/ 360608 w 1841678"/>
+                <a:gd name="connsiteY5" fmla="*/ 502276 h 1056067"/>
+                <a:gd name="connsiteX6" fmla="*/ 734095 w 1841678"/>
+                <a:gd name="connsiteY6" fmla="*/ 540912 h 1056067"/>
+                <a:gd name="connsiteX7" fmla="*/ 965915 w 1841678"/>
+                <a:gd name="connsiteY7" fmla="*/ 0 h 1056067"/>
+                <a:gd name="connsiteX8" fmla="*/ 1841678 w 1841678"/>
+                <a:gd name="connsiteY8" fmla="*/ 64394 h 1056067"/>
+                <a:gd name="connsiteX0" fmla="*/ 1841678 w 1841678"/>
+                <a:gd name="connsiteY0" fmla="*/ 64394 h 1056067"/>
+                <a:gd name="connsiteX1" fmla="*/ 1365160 w 1841678"/>
+                <a:gd name="connsiteY1" fmla="*/ 1056067 h 1056067"/>
+                <a:gd name="connsiteX2" fmla="*/ 759853 w 1841678"/>
+                <a:gd name="connsiteY2" fmla="*/ 901521 h 1056067"/>
+                <a:gd name="connsiteX3" fmla="*/ 0 w 1841678"/>
+                <a:gd name="connsiteY3" fmla="*/ 1056067 h 1056067"/>
+                <a:gd name="connsiteX4" fmla="*/ 347729 w 1841678"/>
+                <a:gd name="connsiteY4" fmla="*/ 785611 h 1056067"/>
+                <a:gd name="connsiteX5" fmla="*/ 360608 w 1841678"/>
+                <a:gd name="connsiteY5" fmla="*/ 502276 h 1056067"/>
+                <a:gd name="connsiteX6" fmla="*/ 708337 w 1841678"/>
+                <a:gd name="connsiteY6" fmla="*/ 515154 h 1056067"/>
+                <a:gd name="connsiteX7" fmla="*/ 965915 w 1841678"/>
+                <a:gd name="connsiteY7" fmla="*/ 0 h 1056067"/>
+                <a:gd name="connsiteX8" fmla="*/ 1841678 w 1841678"/>
+                <a:gd name="connsiteY8" fmla="*/ 64394 h 1056067"/>
+                <a:gd name="connsiteX0" fmla="*/ 1841678 w 1841678"/>
+                <a:gd name="connsiteY0" fmla="*/ 64394 h 1056067"/>
+                <a:gd name="connsiteX1" fmla="*/ 1365160 w 1841678"/>
+                <a:gd name="connsiteY1" fmla="*/ 1056067 h 1056067"/>
+                <a:gd name="connsiteX2" fmla="*/ 759853 w 1841678"/>
+                <a:gd name="connsiteY2" fmla="*/ 901521 h 1056067"/>
+                <a:gd name="connsiteX3" fmla="*/ 0 w 1841678"/>
+                <a:gd name="connsiteY3" fmla="*/ 1056067 h 1056067"/>
+                <a:gd name="connsiteX4" fmla="*/ 347729 w 1841678"/>
+                <a:gd name="connsiteY4" fmla="*/ 785611 h 1056067"/>
+                <a:gd name="connsiteX5" fmla="*/ 360608 w 1841678"/>
+                <a:gd name="connsiteY5" fmla="*/ 502276 h 1056067"/>
+                <a:gd name="connsiteX6" fmla="*/ 708337 w 1841678"/>
+                <a:gd name="connsiteY6" fmla="*/ 515154 h 1056067"/>
+                <a:gd name="connsiteX7" fmla="*/ 837126 w 1841678"/>
+                <a:gd name="connsiteY7" fmla="*/ 0 h 1056067"/>
+                <a:gd name="connsiteX8" fmla="*/ 1841678 w 1841678"/>
+                <a:gd name="connsiteY8" fmla="*/ 64394 h 1056067"/>
+                <a:gd name="connsiteX0" fmla="*/ 1906072 w 1906072"/>
+                <a:gd name="connsiteY0" fmla="*/ 38636 h 1056067"/>
+                <a:gd name="connsiteX1" fmla="*/ 1365160 w 1906072"/>
+                <a:gd name="connsiteY1" fmla="*/ 1056067 h 1056067"/>
+                <a:gd name="connsiteX2" fmla="*/ 759853 w 1906072"/>
+                <a:gd name="connsiteY2" fmla="*/ 901521 h 1056067"/>
+                <a:gd name="connsiteX3" fmla="*/ 0 w 1906072"/>
+                <a:gd name="connsiteY3" fmla="*/ 1056067 h 1056067"/>
+                <a:gd name="connsiteX4" fmla="*/ 347729 w 1906072"/>
+                <a:gd name="connsiteY4" fmla="*/ 785611 h 1056067"/>
+                <a:gd name="connsiteX5" fmla="*/ 360608 w 1906072"/>
+                <a:gd name="connsiteY5" fmla="*/ 502276 h 1056067"/>
+                <a:gd name="connsiteX6" fmla="*/ 708337 w 1906072"/>
+                <a:gd name="connsiteY6" fmla="*/ 515154 h 1056067"/>
+                <a:gd name="connsiteX7" fmla="*/ 837126 w 1906072"/>
+                <a:gd name="connsiteY7" fmla="*/ 0 h 1056067"/>
+                <a:gd name="connsiteX8" fmla="*/ 1906072 w 1906072"/>
+                <a:gd name="connsiteY8" fmla="*/ 38636 h 1056067"/>
+              </a:gdLst>
+              <a:ahLst/>
+              <a:cxnLst>
+                <a:cxn ang="0">
+                  <a:pos x="connsiteX0" y="connsiteY0"/>
+                </a:cxn>
+                <a:cxn ang="0">
+                  <a:pos x="connsiteX1" y="connsiteY1"/>
+                </a:cxn>
+                <a:cxn ang="0">
+                  <a:pos x="connsiteX2" y="connsiteY2"/>
+                </a:cxn>
+                <a:cxn ang="0">
+                  <a:pos x="connsiteX3" y="connsiteY3"/>
+                </a:cxn>
+                <a:cxn ang="0">
+                  <a:pos x="connsiteX4" y="connsiteY4"/>
+                </a:cxn>
+                <a:cxn ang="0">
+                  <a:pos x="connsiteX5" y="connsiteY5"/>
+                </a:cxn>
+                <a:cxn ang="0">
+                  <a:pos x="connsiteX6" y="connsiteY6"/>
+                </a:cxn>
+                <a:cxn ang="0">
+                  <a:pos x="connsiteX7" y="connsiteY7"/>
+                </a:cxn>
+                <a:cxn ang="0">
+                  <a:pos x="connsiteX8" y="connsiteY8"/>
+                </a:cxn>
+              </a:cxnLst>
+              <a:rect l="l" t="t" r="r" b="b"/>
+              <a:pathLst>
+                <a:path w="1906072" h="1056067">
+                  <a:moveTo>
+                    <a:pt x="1906072" y="38636"/>
+                  </a:moveTo>
+                  <a:lnTo>
+                    <a:pt x="1365160" y="1056067"/>
+                  </a:lnTo>
+                  <a:lnTo>
+                    <a:pt x="759853" y="901521"/>
+                  </a:lnTo>
+                  <a:lnTo>
+                    <a:pt x="0" y="1056067"/>
+                  </a:lnTo>
+                  <a:lnTo>
+                    <a:pt x="347729" y="785611"/>
+                  </a:lnTo>
+                  <a:lnTo>
+                    <a:pt x="360608" y="502276"/>
+                  </a:lnTo>
+                  <a:lnTo>
+                    <a:pt x="708337" y="515154"/>
+                  </a:lnTo>
+                  <a:lnTo>
+                    <a:pt x="837126" y="0"/>
+                  </a:lnTo>
+                  <a:lnTo>
+                    <a:pt x="1906072" y="38636"/>
+                  </a:lnTo>
+                  <a:close/>
+                </a:path>
+              </a:pathLst>
+            </a:custGeom>
+          </p:spPr>
+          <p:style>
+            <a:lnRef idx="2">
+              <a:schemeClr val="accent1">
+                <a:shade val="50000"/>
+              </a:schemeClr>
+            </a:lnRef>
+            <a:fillRef idx="1">
+              <a:schemeClr val="accent1"/>
+            </a:fillRef>
+            <a:effectRef idx="0">
+              <a:schemeClr val="accent1"/>
+            </a:effectRef>
+            <a:fontRef idx="minor">
+              <a:schemeClr val="lt1"/>
+            </a:fontRef>
+          </p:style>
+          <p:txBody>
+            <a:bodyPr rtlCol="0" anchor="ctr"/>
+            <a:lstStyle/>
+            <a:p>
+              <a:pPr algn="ctr"/>
+              <a:endParaRPr lang="en-US" altLang="ko-KR" dirty="0"/>
+            </a:p>
+          </p:txBody>
+        </p:sp>
+        <p:sp>
+          <p:nvSpPr>
+            <p:cNvPr id="6" name="사각형: 둥근 모서리 5">
+              <a:extLst>
+                <a:ext uri="{FF2B5EF4-FFF2-40B4-BE49-F238E27FC236}">
+                  <a16:creationId xmlns:a16="http://schemas.microsoft.com/office/drawing/2014/main" id="{E674097E-9DF2-41E5-BA08-F0A1337F8B24}"/>
+                </a:ext>
+              </a:extLst>
+            </p:cNvPr>
+            <p:cNvSpPr/>
+            <p:nvPr/>
+          </p:nvSpPr>
+          <p:spPr>
+            <a:xfrm>
+              <a:off x="4340889" y="1860869"/>
+              <a:ext cx="596608" cy="247407"/>
+            </a:xfrm>
+            <a:prstGeom prst="roundRect">
+              <a:avLst/>
+            </a:prstGeom>
+            <a:solidFill>
+              <a:schemeClr val="accent1">
+                <a:lumMod val="50000"/>
+              </a:schemeClr>
+            </a:solidFill>
+          </p:spPr>
+          <p:style>
+            <a:lnRef idx="2">
+              <a:schemeClr val="accent1">
+                <a:shade val="50000"/>
+              </a:schemeClr>
+            </a:lnRef>
+            <a:fillRef idx="1">
+              <a:schemeClr val="accent1"/>
+            </a:fillRef>
+            <a:effectRef idx="0">
+              <a:schemeClr val="accent1"/>
+            </a:effectRef>
+            <a:fontRef idx="minor">
+              <a:schemeClr val="lt1"/>
+            </a:fontRef>
+          </p:style>
+          <p:txBody>
+            <a:bodyPr rtlCol="0" anchor="ctr"/>
+            <a:lstStyle/>
+            <a:p>
+              <a:pPr algn="ctr"/>
+              <a:endParaRPr lang="ko-KR" altLang="en-US"/>
+            </a:p>
+          </p:txBody>
+        </p:sp>
+      </p:grpSp>
+      <p:cxnSp>
+        <p:nvCxnSpPr>
+          <p:cNvPr id="9" name="직선 화살표 연결선 8">
+            <a:extLst>
+              <a:ext uri="{FF2B5EF4-FFF2-40B4-BE49-F238E27FC236}">
+                <a16:creationId xmlns:a16="http://schemas.microsoft.com/office/drawing/2014/main" id="{EAEBE998-E437-44B0-A9FA-88F4BB78F7D9}"/>
+              </a:ext>
+            </a:extLst>
+          </p:cNvPr>
+          <p:cNvCxnSpPr>
+            <a:cxnSpLocks/>
+          </p:cNvCxnSpPr>
+          <p:nvPr/>
+        </p:nvCxnSpPr>
+        <p:spPr>
+          <a:xfrm flipV="1">
+            <a:off x="6376416" y="1999488"/>
+            <a:ext cx="2389632" cy="231648"/>
+          </a:xfrm>
+          <a:prstGeom prst="straightConnector1">
+            <a:avLst/>
+          </a:prstGeom>
+          <a:ln>
+            <a:solidFill>
+              <a:srgbClr val="FF0000"/>
+            </a:solidFill>
+            <a:tailEnd type="triangle"/>
+          </a:ln>
+        </p:spPr>
+        <p:style>
+          <a:lnRef idx="1">
+            <a:schemeClr val="accent1"/>
+          </a:lnRef>
+          <a:fillRef idx="0">
+            <a:schemeClr val="accent1"/>
+          </a:fillRef>
+          <a:effectRef idx="0">
+            <a:schemeClr val="accent1"/>
+          </a:effectRef>
+          <a:fontRef idx="minor">
+            <a:schemeClr val="tx1"/>
+          </a:fontRef>
+        </p:style>
+      </p:cxnSp>
+      <p:cxnSp>
+        <p:nvCxnSpPr>
+          <p:cNvPr id="11" name="직선 화살표 연결선 10">
+            <a:extLst>
+              <a:ext uri="{FF2B5EF4-FFF2-40B4-BE49-F238E27FC236}">
+                <a16:creationId xmlns:a16="http://schemas.microsoft.com/office/drawing/2014/main" id="{CA4A143C-A73F-4685-935A-CE90EA4BFF2D}"/>
+              </a:ext>
+            </a:extLst>
+          </p:cNvPr>
+          <p:cNvCxnSpPr/>
+          <p:nvPr/>
+        </p:nvCxnSpPr>
+        <p:spPr>
+          <a:xfrm flipV="1">
+            <a:off x="6534912" y="3243072"/>
+            <a:ext cx="2231136" cy="97536"/>
+          </a:xfrm>
+          <a:prstGeom prst="straightConnector1">
+            <a:avLst/>
+          </a:prstGeom>
+          <a:ln>
+            <a:solidFill>
+              <a:srgbClr val="00B050"/>
+            </a:solidFill>
+            <a:tailEnd type="triangle"/>
+          </a:ln>
+        </p:spPr>
+        <p:style>
+          <a:lnRef idx="1">
+            <a:schemeClr val="accent1"/>
+          </a:lnRef>
+          <a:fillRef idx="0">
+            <a:schemeClr val="accent1"/>
+          </a:fillRef>
+          <a:effectRef idx="0">
+            <a:schemeClr val="accent1"/>
+          </a:effectRef>
+          <a:fontRef idx="minor">
+            <a:schemeClr val="tx1"/>
+          </a:fontRef>
+        </p:style>
+      </p:cxnSp>
+      <p:sp>
+        <p:nvSpPr>
+          <p:cNvPr id="13" name="TextBox 12">
+            <a:extLst>
+              <a:ext uri="{FF2B5EF4-FFF2-40B4-BE49-F238E27FC236}">
+                <a16:creationId xmlns:a16="http://schemas.microsoft.com/office/drawing/2014/main" id="{90F02506-2E34-4A17-9120-C10EB19626E8}"/>
+              </a:ext>
+            </a:extLst>
+          </p:cNvPr>
+          <p:cNvSpPr txBox="1"/>
+          <p:nvPr/>
+        </p:nvSpPr>
+        <p:spPr>
+          <a:xfrm>
+            <a:off x="8766048" y="1824293"/>
+            <a:ext cx="415498" cy="369332"/>
+          </a:xfrm>
+          <a:prstGeom prst="rect">
+            <a:avLst/>
+          </a:prstGeom>
+          <a:noFill/>
+        </p:spPr>
+        <p:txBody>
+          <a:bodyPr wrap="none" rtlCol="0">
+            <a:spAutoFit/>
+          </a:bodyPr>
+          <a:lstStyle/>
+          <a:p>
+            <a:r>
+              <a:rPr lang="ko-KR" altLang="en-US" dirty="0"/>
+              <a:t>①</a:t>
+            </a:r>
+          </a:p>
+        </p:txBody>
+      </p:sp>
+      <p:sp>
+        <p:nvSpPr>
+          <p:cNvPr id="14" name="TextBox 13">
+            <a:extLst>
+              <a:ext uri="{FF2B5EF4-FFF2-40B4-BE49-F238E27FC236}">
+                <a16:creationId xmlns:a16="http://schemas.microsoft.com/office/drawing/2014/main" id="{32994205-8ED7-406C-8683-7AD176A93C34}"/>
+              </a:ext>
+            </a:extLst>
+          </p:cNvPr>
+          <p:cNvSpPr txBox="1"/>
+          <p:nvPr/>
+        </p:nvSpPr>
+        <p:spPr>
+          <a:xfrm>
+            <a:off x="8863584" y="3058406"/>
+            <a:ext cx="415498" cy="369332"/>
+          </a:xfrm>
+          <a:prstGeom prst="rect">
+            <a:avLst/>
+          </a:prstGeom>
+          <a:noFill/>
+        </p:spPr>
+        <p:txBody>
+          <a:bodyPr wrap="none" rtlCol="0">
+            <a:spAutoFit/>
+          </a:bodyPr>
+          <a:lstStyle/>
+          <a:p>
+            <a:r>
+              <a:rPr lang="ko-KR" altLang="en-US" dirty="0"/>
+              <a:t>②</a:t>
+            </a:r>
+          </a:p>
+        </p:txBody>
+      </p:sp>
+    </p:spTree>
+    <p:extLst>
+      <p:ext uri="{BB962C8B-B14F-4D97-AF65-F5344CB8AC3E}">
+        <p14:creationId xmlns:p14="http://schemas.microsoft.com/office/powerpoint/2010/main" val="2284361945"/>
+      </p:ext>
+    </p:extLst>
+  </p:cSld>
+  <p:clrMapOvr>
+    <a:masterClrMapping/>
+  </p:clrMapOvr>
+</p:sld>
+</file>
+
 <file path=ppt/theme/theme1.xml><?xml version="1.0" encoding="utf-8"?>
 <a:theme xmlns:a="http://schemas.openxmlformats.org/drawingml/2006/main" name="Office 테마">
   <a:themeElements>
